--- a/study-note/자바/2022-08-01 내용정리 .pptx
+++ b/study-note/자바/2022-08-01 내용정리 .pptx
@@ -5,13 +5,20 @@
     <p:sldMasterId id="2147483648" r:id="rId1"/>
   </p:sldMasterIdLst>
   <p:notesMasterIdLst>
-    <p:notesMasterId r:id="rId6"/>
+    <p:notesMasterId r:id="rId13"/>
   </p:notesMasterIdLst>
   <p:sldIdLst>
     <p:sldId id="256" r:id="rId2"/>
     <p:sldId id="261" r:id="rId3"/>
     <p:sldId id="263" r:id="rId4"/>
     <p:sldId id="262" r:id="rId5"/>
+    <p:sldId id="264" r:id="rId6"/>
+    <p:sldId id="265" r:id="rId7"/>
+    <p:sldId id="266" r:id="rId8"/>
+    <p:sldId id="267" r:id="rId9"/>
+    <p:sldId id="268" r:id="rId10"/>
+    <p:sldId id="269" r:id="rId11"/>
+    <p:sldId id="270" r:id="rId12"/>
   </p:sldIdLst>
   <p:sldSz cx="12192000" cy="6858000"/>
   <p:notesSz cx="6858000" cy="9144000"/>
@@ -3754,6 +3761,1390 @@
 </p:sld>
 </file>
 
+<file path=ppt/slides/slide10.xml><?xml version="1.0" encoding="utf-8"?>
+<p:sld xmlns:a="http://schemas.openxmlformats.org/drawingml/2006/main" xmlns:r="http://schemas.openxmlformats.org/officeDocument/2006/relationships" xmlns:p="http://schemas.openxmlformats.org/presentationml/2006/main">
+  <p:cSld>
+    <p:spTree>
+      <p:nvGrpSpPr>
+        <p:cNvPr id="1" name=""/>
+        <p:cNvGrpSpPr/>
+        <p:nvPr/>
+      </p:nvGrpSpPr>
+      <p:grpSpPr>
+        <a:xfrm>
+          <a:off x="0" y="0"/>
+          <a:ext cx="0" cy="0"/>
+          <a:chOff x="0" y="0"/>
+          <a:chExt cx="0" cy="0"/>
+        </a:xfrm>
+      </p:grpSpPr>
+      <p:sp>
+        <p:nvSpPr>
+          <p:cNvPr id="2" name="직사각형 1">
+            <a:extLst>
+              <a:ext uri="{FF2B5EF4-FFF2-40B4-BE49-F238E27FC236}">
+                <a16:creationId xmlns:a16="http://schemas.microsoft.com/office/drawing/2014/main" id="{5A43BC10-70AC-A3A3-86AC-39E0E47108AE}"/>
+              </a:ext>
+            </a:extLst>
+          </p:cNvPr>
+          <p:cNvSpPr/>
+          <p:nvPr/>
+        </p:nvSpPr>
+        <p:spPr>
+          <a:xfrm>
+            <a:off x="536656" y="1020289"/>
+            <a:ext cx="1414974" cy="811924"/>
+          </a:xfrm>
+          <a:prstGeom prst="rect">
+            <a:avLst/>
+          </a:prstGeom>
+        </p:spPr>
+        <p:style>
+          <a:lnRef idx="2">
+            <a:schemeClr val="accent1">
+              <a:shade val="50000"/>
+            </a:schemeClr>
+          </a:lnRef>
+          <a:fillRef idx="1">
+            <a:schemeClr val="accent1"/>
+          </a:fillRef>
+          <a:effectRef idx="0">
+            <a:schemeClr val="accent1"/>
+          </a:effectRef>
+          <a:fontRef idx="minor">
+            <a:schemeClr val="lt1"/>
+          </a:fontRef>
+        </p:style>
+        <p:txBody>
+          <a:bodyPr rtlCol="0" anchor="ctr"/>
+          <a:lstStyle/>
+          <a:p>
+            <a:pPr algn="ctr"/>
+            <a:r>
+              <a:rPr kumimoji="1" lang="en-US" altLang="ko-Kore-KR" dirty="0"/>
+              <a:t>App</a:t>
+            </a:r>
+            <a:endParaRPr kumimoji="1" lang="ko-Kore-KR" altLang="en-US" dirty="0"/>
+          </a:p>
+        </p:txBody>
+      </p:sp>
+      <p:sp>
+        <p:nvSpPr>
+          <p:cNvPr id="3" name="직사각형 2">
+            <a:extLst>
+              <a:ext uri="{FF2B5EF4-FFF2-40B4-BE49-F238E27FC236}">
+                <a16:creationId xmlns:a16="http://schemas.microsoft.com/office/drawing/2014/main" id="{7B366036-B3EF-82A4-1CCB-26E36319947F}"/>
+              </a:ext>
+            </a:extLst>
+          </p:cNvPr>
+          <p:cNvSpPr/>
+          <p:nvPr/>
+        </p:nvSpPr>
+        <p:spPr>
+          <a:xfrm>
+            <a:off x="2708924" y="1020289"/>
+            <a:ext cx="2026849" cy="811924"/>
+          </a:xfrm>
+          <a:prstGeom prst="rect">
+            <a:avLst/>
+          </a:prstGeom>
+        </p:spPr>
+        <p:style>
+          <a:lnRef idx="3">
+            <a:schemeClr val="lt1"/>
+          </a:lnRef>
+          <a:fillRef idx="1">
+            <a:schemeClr val="accent2"/>
+          </a:fillRef>
+          <a:effectRef idx="1">
+            <a:schemeClr val="accent2"/>
+          </a:effectRef>
+          <a:fontRef idx="minor">
+            <a:schemeClr val="lt1"/>
+          </a:fontRef>
+        </p:style>
+        <p:txBody>
+          <a:bodyPr rtlCol="0" anchor="ctr"/>
+          <a:lstStyle/>
+          <a:p>
+            <a:pPr algn="ctr"/>
+            <a:r>
+              <a:rPr kumimoji="1" lang="en-US" altLang="ko-Kore-KR" dirty="0" err="1"/>
+              <a:t>BoardHandler</a:t>
+            </a:r>
+            <a:endParaRPr kumimoji="1" lang="ko-Kore-KR" altLang="en-US" dirty="0"/>
+          </a:p>
+        </p:txBody>
+      </p:sp>
+      <p:sp>
+        <p:nvSpPr>
+          <p:cNvPr id="5" name="직사각형 4">
+            <a:extLst>
+              <a:ext uri="{FF2B5EF4-FFF2-40B4-BE49-F238E27FC236}">
+                <a16:creationId xmlns:a16="http://schemas.microsoft.com/office/drawing/2014/main" id="{860B51FD-A9D6-09B4-DB1B-30E9228D32C9}"/>
+              </a:ext>
+            </a:extLst>
+          </p:cNvPr>
+          <p:cNvSpPr/>
+          <p:nvPr/>
+        </p:nvSpPr>
+        <p:spPr>
+          <a:xfrm>
+            <a:off x="2708923" y="2128032"/>
+            <a:ext cx="2026850" cy="811924"/>
+          </a:xfrm>
+          <a:prstGeom prst="rect">
+            <a:avLst/>
+          </a:prstGeom>
+        </p:spPr>
+        <p:style>
+          <a:lnRef idx="3">
+            <a:schemeClr val="lt1"/>
+          </a:lnRef>
+          <a:fillRef idx="1">
+            <a:schemeClr val="accent2"/>
+          </a:fillRef>
+          <a:effectRef idx="1">
+            <a:schemeClr val="accent2"/>
+          </a:effectRef>
+          <a:fontRef idx="minor">
+            <a:schemeClr val="lt1"/>
+          </a:fontRef>
+        </p:style>
+        <p:txBody>
+          <a:bodyPr rtlCol="0" anchor="ctr"/>
+          <a:lstStyle/>
+          <a:p>
+            <a:pPr algn="ctr"/>
+            <a:r>
+              <a:rPr kumimoji="1" lang="en-US" altLang="ko-Kore-KR" dirty="0" err="1"/>
+              <a:t>MemberHandler</a:t>
+            </a:r>
+            <a:endParaRPr kumimoji="1" lang="ko-Kore-KR" altLang="en-US" dirty="0"/>
+          </a:p>
+        </p:txBody>
+      </p:sp>
+      <p:sp>
+        <p:nvSpPr>
+          <p:cNvPr id="8" name="직사각형 7">
+            <a:extLst>
+              <a:ext uri="{FF2B5EF4-FFF2-40B4-BE49-F238E27FC236}">
+                <a16:creationId xmlns:a16="http://schemas.microsoft.com/office/drawing/2014/main" id="{6A65B52F-48F4-C971-37D3-59BF21765BA5}"/>
+              </a:ext>
+            </a:extLst>
+          </p:cNvPr>
+          <p:cNvSpPr/>
+          <p:nvPr/>
+        </p:nvSpPr>
+        <p:spPr>
+          <a:xfrm>
+            <a:off x="5181443" y="1020289"/>
+            <a:ext cx="2026849" cy="811924"/>
+          </a:xfrm>
+          <a:prstGeom prst="rect">
+            <a:avLst/>
+          </a:prstGeom>
+        </p:spPr>
+        <p:style>
+          <a:lnRef idx="3">
+            <a:schemeClr val="lt1"/>
+          </a:lnRef>
+          <a:fillRef idx="1">
+            <a:schemeClr val="dk1"/>
+          </a:fillRef>
+          <a:effectRef idx="1">
+            <a:schemeClr val="dk1"/>
+          </a:effectRef>
+          <a:fontRef idx="minor">
+            <a:schemeClr val="lt1"/>
+          </a:fontRef>
+        </p:style>
+        <p:txBody>
+          <a:bodyPr rtlCol="0" anchor="ctr"/>
+          <a:lstStyle/>
+          <a:p>
+            <a:pPr algn="ctr"/>
+            <a:r>
+              <a:rPr kumimoji="1" lang="en-US" altLang="ko-Kore-KR" dirty="0" err="1"/>
+              <a:t>BoardDao</a:t>
+            </a:r>
+            <a:endParaRPr kumimoji="1" lang="ko-Kore-KR" altLang="en-US" dirty="0"/>
+          </a:p>
+        </p:txBody>
+      </p:sp>
+      <p:sp>
+        <p:nvSpPr>
+          <p:cNvPr id="10" name="직사각형 9">
+            <a:extLst>
+              <a:ext uri="{FF2B5EF4-FFF2-40B4-BE49-F238E27FC236}">
+                <a16:creationId xmlns:a16="http://schemas.microsoft.com/office/drawing/2014/main" id="{4EE21E58-9E26-B629-6F01-F216DE531394}"/>
+              </a:ext>
+            </a:extLst>
+          </p:cNvPr>
+          <p:cNvSpPr/>
+          <p:nvPr/>
+        </p:nvSpPr>
+        <p:spPr>
+          <a:xfrm>
+            <a:off x="5181443" y="2128032"/>
+            <a:ext cx="2026849" cy="811924"/>
+          </a:xfrm>
+          <a:prstGeom prst="rect">
+            <a:avLst/>
+          </a:prstGeom>
+        </p:spPr>
+        <p:style>
+          <a:lnRef idx="3">
+            <a:schemeClr val="lt1"/>
+          </a:lnRef>
+          <a:fillRef idx="1">
+            <a:schemeClr val="dk1"/>
+          </a:fillRef>
+          <a:effectRef idx="1">
+            <a:schemeClr val="dk1"/>
+          </a:effectRef>
+          <a:fontRef idx="minor">
+            <a:schemeClr val="lt1"/>
+          </a:fontRef>
+        </p:style>
+        <p:txBody>
+          <a:bodyPr rtlCol="0" anchor="ctr"/>
+          <a:lstStyle/>
+          <a:p>
+            <a:pPr algn="ctr"/>
+            <a:r>
+              <a:rPr kumimoji="1" lang="en-US" altLang="ko-Kore-KR" dirty="0" err="1"/>
+              <a:t>MemberDao</a:t>
+            </a:r>
+            <a:endParaRPr kumimoji="1" lang="ko-Kore-KR" altLang="en-US" dirty="0"/>
+          </a:p>
+        </p:txBody>
+      </p:sp>
+      <p:sp>
+        <p:nvSpPr>
+          <p:cNvPr id="11" name="직사각형 10">
+            <a:extLst>
+              <a:ext uri="{FF2B5EF4-FFF2-40B4-BE49-F238E27FC236}">
+                <a16:creationId xmlns:a16="http://schemas.microsoft.com/office/drawing/2014/main" id="{050FB328-6447-059A-3A9B-1A08DDAF7E75}"/>
+              </a:ext>
+            </a:extLst>
+          </p:cNvPr>
+          <p:cNvSpPr/>
+          <p:nvPr/>
+        </p:nvSpPr>
+        <p:spPr>
+          <a:xfrm>
+            <a:off x="8469651" y="1020289"/>
+            <a:ext cx="2026849" cy="811924"/>
+          </a:xfrm>
+          <a:prstGeom prst="rect">
+            <a:avLst/>
+          </a:prstGeom>
+        </p:spPr>
+        <p:style>
+          <a:lnRef idx="3">
+            <a:schemeClr val="lt1"/>
+          </a:lnRef>
+          <a:fillRef idx="1">
+            <a:schemeClr val="accent3"/>
+          </a:fillRef>
+          <a:effectRef idx="1">
+            <a:schemeClr val="accent3"/>
+          </a:effectRef>
+          <a:fontRef idx="minor">
+            <a:schemeClr val="lt1"/>
+          </a:fontRef>
+        </p:style>
+        <p:txBody>
+          <a:bodyPr rtlCol="0" anchor="ctr"/>
+          <a:lstStyle/>
+          <a:p>
+            <a:pPr algn="ctr"/>
+            <a:r>
+              <a:rPr kumimoji="1" lang="en-US" altLang="ko-Kore-KR" dirty="0" err="1"/>
+              <a:t>ObjectList</a:t>
+            </a:r>
+            <a:endParaRPr kumimoji="1" lang="ko-Kore-KR" altLang="en-US" dirty="0"/>
+          </a:p>
+        </p:txBody>
+      </p:sp>
+      <p:sp>
+        <p:nvSpPr>
+          <p:cNvPr id="14" name="직사각형 13">
+            <a:extLst>
+              <a:ext uri="{FF2B5EF4-FFF2-40B4-BE49-F238E27FC236}">
+                <a16:creationId xmlns:a16="http://schemas.microsoft.com/office/drawing/2014/main" id="{1D51DB99-7333-9952-F9B5-1E5EC3FFEB81}"/>
+              </a:ext>
+            </a:extLst>
+          </p:cNvPr>
+          <p:cNvSpPr/>
+          <p:nvPr/>
+        </p:nvSpPr>
+        <p:spPr>
+          <a:xfrm>
+            <a:off x="938205" y="3429000"/>
+            <a:ext cx="2026849" cy="811924"/>
+          </a:xfrm>
+          <a:prstGeom prst="rect">
+            <a:avLst/>
+          </a:prstGeom>
+        </p:spPr>
+        <p:style>
+          <a:lnRef idx="2">
+            <a:schemeClr val="accent1">
+              <a:shade val="50000"/>
+            </a:schemeClr>
+          </a:lnRef>
+          <a:fillRef idx="1">
+            <a:schemeClr val="accent1"/>
+          </a:fillRef>
+          <a:effectRef idx="0">
+            <a:schemeClr val="accent1"/>
+          </a:effectRef>
+          <a:fontRef idx="minor">
+            <a:schemeClr val="lt1"/>
+          </a:fontRef>
+        </p:style>
+        <p:txBody>
+          <a:bodyPr rtlCol="0" anchor="ctr"/>
+          <a:lstStyle/>
+          <a:p>
+            <a:pPr algn="ctr"/>
+            <a:r>
+              <a:rPr kumimoji="1" lang="en-US" altLang="ko-Kore-KR" dirty="0"/>
+              <a:t>Prompt</a:t>
+            </a:r>
+            <a:endParaRPr kumimoji="1" lang="ko-Kore-KR" altLang="en-US" dirty="0"/>
+          </a:p>
+        </p:txBody>
+      </p:sp>
+      <p:cxnSp>
+        <p:nvCxnSpPr>
+          <p:cNvPr id="16" name="직선 화살표 연결선 15">
+            <a:extLst>
+              <a:ext uri="{FF2B5EF4-FFF2-40B4-BE49-F238E27FC236}">
+                <a16:creationId xmlns:a16="http://schemas.microsoft.com/office/drawing/2014/main" id="{0CE46DD9-30B7-03FE-F44F-CA67200B6708}"/>
+              </a:ext>
+            </a:extLst>
+          </p:cNvPr>
+          <p:cNvCxnSpPr>
+            <a:stCxn id="2" idx="3"/>
+            <a:endCxn id="3" idx="1"/>
+          </p:cNvCxnSpPr>
+          <p:nvPr/>
+        </p:nvCxnSpPr>
+        <p:spPr>
+          <a:xfrm>
+            <a:off x="1951630" y="1426251"/>
+            <a:ext cx="757294" cy="0"/>
+          </a:xfrm>
+          <a:prstGeom prst="straightConnector1">
+            <a:avLst/>
+          </a:prstGeom>
+          <a:ln>
+            <a:tailEnd type="triangle"/>
+          </a:ln>
+        </p:spPr>
+        <p:style>
+          <a:lnRef idx="3">
+            <a:schemeClr val="accent1"/>
+          </a:lnRef>
+          <a:fillRef idx="0">
+            <a:schemeClr val="accent1"/>
+          </a:fillRef>
+          <a:effectRef idx="2">
+            <a:schemeClr val="accent1"/>
+          </a:effectRef>
+          <a:fontRef idx="minor">
+            <a:schemeClr val="tx1"/>
+          </a:fontRef>
+        </p:style>
+      </p:cxnSp>
+      <p:cxnSp>
+        <p:nvCxnSpPr>
+          <p:cNvPr id="19" name="직선 화살표 연결선 18">
+            <a:extLst>
+              <a:ext uri="{FF2B5EF4-FFF2-40B4-BE49-F238E27FC236}">
+                <a16:creationId xmlns:a16="http://schemas.microsoft.com/office/drawing/2014/main" id="{1931C947-EF03-0A02-A8D4-7A2FBF6312C8}"/>
+              </a:ext>
+            </a:extLst>
+          </p:cNvPr>
+          <p:cNvCxnSpPr>
+            <a:cxnSpLocks/>
+            <a:stCxn id="2" idx="2"/>
+            <a:endCxn id="14" idx="0"/>
+          </p:cNvCxnSpPr>
+          <p:nvPr/>
+        </p:nvCxnSpPr>
+        <p:spPr>
+          <a:xfrm>
+            <a:off x="1244143" y="1832213"/>
+            <a:ext cx="707487" cy="1596787"/>
+          </a:xfrm>
+          <a:prstGeom prst="straightConnector1">
+            <a:avLst/>
+          </a:prstGeom>
+          <a:ln>
+            <a:tailEnd type="triangle"/>
+          </a:ln>
+        </p:spPr>
+        <p:style>
+          <a:lnRef idx="3">
+            <a:schemeClr val="accent1"/>
+          </a:lnRef>
+          <a:fillRef idx="0">
+            <a:schemeClr val="accent1"/>
+          </a:fillRef>
+          <a:effectRef idx="2">
+            <a:schemeClr val="accent1"/>
+          </a:effectRef>
+          <a:fontRef idx="minor">
+            <a:schemeClr val="tx1"/>
+          </a:fontRef>
+        </p:style>
+      </p:cxnSp>
+      <p:cxnSp>
+        <p:nvCxnSpPr>
+          <p:cNvPr id="23" name="직선 화살표 연결선 22">
+            <a:extLst>
+              <a:ext uri="{FF2B5EF4-FFF2-40B4-BE49-F238E27FC236}">
+                <a16:creationId xmlns:a16="http://schemas.microsoft.com/office/drawing/2014/main" id="{B6E4CDAB-BA53-0AE9-D260-8D21B3AAAD4C}"/>
+              </a:ext>
+            </a:extLst>
+          </p:cNvPr>
+          <p:cNvCxnSpPr>
+            <a:cxnSpLocks/>
+            <a:stCxn id="2" idx="3"/>
+            <a:endCxn id="5" idx="1"/>
+          </p:cNvCxnSpPr>
+          <p:nvPr/>
+        </p:nvCxnSpPr>
+        <p:spPr>
+          <a:xfrm>
+            <a:off x="1951630" y="1426251"/>
+            <a:ext cx="757293" cy="1107743"/>
+          </a:xfrm>
+          <a:prstGeom prst="straightConnector1">
+            <a:avLst/>
+          </a:prstGeom>
+          <a:ln>
+            <a:tailEnd type="triangle"/>
+          </a:ln>
+        </p:spPr>
+        <p:style>
+          <a:lnRef idx="3">
+            <a:schemeClr val="accent1"/>
+          </a:lnRef>
+          <a:fillRef idx="0">
+            <a:schemeClr val="accent1"/>
+          </a:fillRef>
+          <a:effectRef idx="2">
+            <a:schemeClr val="accent1"/>
+          </a:effectRef>
+          <a:fontRef idx="minor">
+            <a:schemeClr val="tx1"/>
+          </a:fontRef>
+        </p:style>
+      </p:cxnSp>
+      <p:cxnSp>
+        <p:nvCxnSpPr>
+          <p:cNvPr id="26" name="직선 화살표 연결선 25">
+            <a:extLst>
+              <a:ext uri="{FF2B5EF4-FFF2-40B4-BE49-F238E27FC236}">
+                <a16:creationId xmlns:a16="http://schemas.microsoft.com/office/drawing/2014/main" id="{4388B16B-932E-63E4-0442-856F237EC0A6}"/>
+              </a:ext>
+            </a:extLst>
+          </p:cNvPr>
+          <p:cNvCxnSpPr>
+            <a:cxnSpLocks/>
+            <a:stCxn id="3" idx="1"/>
+            <a:endCxn id="14" idx="0"/>
+          </p:cNvCxnSpPr>
+          <p:nvPr/>
+        </p:nvCxnSpPr>
+        <p:spPr>
+          <a:xfrm flipH="1">
+            <a:off x="1951630" y="1426251"/>
+            <a:ext cx="757294" cy="2002749"/>
+          </a:xfrm>
+          <a:prstGeom prst="straightConnector1">
+            <a:avLst/>
+          </a:prstGeom>
+          <a:ln>
+            <a:tailEnd type="triangle"/>
+          </a:ln>
+        </p:spPr>
+        <p:style>
+          <a:lnRef idx="3">
+            <a:schemeClr val="accent2"/>
+          </a:lnRef>
+          <a:fillRef idx="0">
+            <a:schemeClr val="accent2"/>
+          </a:fillRef>
+          <a:effectRef idx="2">
+            <a:schemeClr val="accent2"/>
+          </a:effectRef>
+          <a:fontRef idx="minor">
+            <a:schemeClr val="tx1"/>
+          </a:fontRef>
+        </p:style>
+      </p:cxnSp>
+      <p:cxnSp>
+        <p:nvCxnSpPr>
+          <p:cNvPr id="29" name="직선 화살표 연결선 28">
+            <a:extLst>
+              <a:ext uri="{FF2B5EF4-FFF2-40B4-BE49-F238E27FC236}">
+                <a16:creationId xmlns:a16="http://schemas.microsoft.com/office/drawing/2014/main" id="{5E676A3C-67C8-00B6-82C9-65F66275F81D}"/>
+              </a:ext>
+            </a:extLst>
+          </p:cNvPr>
+          <p:cNvCxnSpPr>
+            <a:cxnSpLocks/>
+            <a:stCxn id="5" idx="1"/>
+            <a:endCxn id="14" idx="0"/>
+          </p:cNvCxnSpPr>
+          <p:nvPr/>
+        </p:nvCxnSpPr>
+        <p:spPr>
+          <a:xfrm flipH="1">
+            <a:off x="1951630" y="2533994"/>
+            <a:ext cx="757293" cy="895006"/>
+          </a:xfrm>
+          <a:prstGeom prst="straightConnector1">
+            <a:avLst/>
+          </a:prstGeom>
+          <a:ln>
+            <a:tailEnd type="triangle"/>
+          </a:ln>
+        </p:spPr>
+        <p:style>
+          <a:lnRef idx="3">
+            <a:schemeClr val="accent2"/>
+          </a:lnRef>
+          <a:fillRef idx="0">
+            <a:schemeClr val="accent2"/>
+          </a:fillRef>
+          <a:effectRef idx="2">
+            <a:schemeClr val="accent2"/>
+          </a:effectRef>
+          <a:fontRef idx="minor">
+            <a:schemeClr val="tx1"/>
+          </a:fontRef>
+        </p:style>
+      </p:cxnSp>
+      <p:cxnSp>
+        <p:nvCxnSpPr>
+          <p:cNvPr id="32" name="직선 화살표 연결선 31">
+            <a:extLst>
+              <a:ext uri="{FF2B5EF4-FFF2-40B4-BE49-F238E27FC236}">
+                <a16:creationId xmlns:a16="http://schemas.microsoft.com/office/drawing/2014/main" id="{E5B1A480-A8BE-78C4-0526-70825345E2F2}"/>
+              </a:ext>
+            </a:extLst>
+          </p:cNvPr>
+          <p:cNvCxnSpPr>
+            <a:cxnSpLocks/>
+            <a:stCxn id="3" idx="3"/>
+            <a:endCxn id="8" idx="1"/>
+          </p:cNvCxnSpPr>
+          <p:nvPr/>
+        </p:nvCxnSpPr>
+        <p:spPr>
+          <a:xfrm>
+            <a:off x="4735773" y="1426251"/>
+            <a:ext cx="445670" cy="0"/>
+          </a:xfrm>
+          <a:prstGeom prst="straightConnector1">
+            <a:avLst/>
+          </a:prstGeom>
+          <a:ln>
+            <a:tailEnd type="triangle"/>
+          </a:ln>
+        </p:spPr>
+        <p:style>
+          <a:lnRef idx="3">
+            <a:schemeClr val="accent2"/>
+          </a:lnRef>
+          <a:fillRef idx="0">
+            <a:schemeClr val="accent2"/>
+          </a:fillRef>
+          <a:effectRef idx="2">
+            <a:schemeClr val="accent2"/>
+          </a:effectRef>
+          <a:fontRef idx="minor">
+            <a:schemeClr val="tx1"/>
+          </a:fontRef>
+        </p:style>
+      </p:cxnSp>
+      <p:cxnSp>
+        <p:nvCxnSpPr>
+          <p:cNvPr id="35" name="직선 화살표 연결선 34">
+            <a:extLst>
+              <a:ext uri="{FF2B5EF4-FFF2-40B4-BE49-F238E27FC236}">
+                <a16:creationId xmlns:a16="http://schemas.microsoft.com/office/drawing/2014/main" id="{DAA5ED45-B28C-C72F-F3E1-86B0095A268C}"/>
+              </a:ext>
+            </a:extLst>
+          </p:cNvPr>
+          <p:cNvCxnSpPr>
+            <a:cxnSpLocks/>
+            <a:stCxn id="5" idx="3"/>
+            <a:endCxn id="10" idx="1"/>
+          </p:cNvCxnSpPr>
+          <p:nvPr/>
+        </p:nvCxnSpPr>
+        <p:spPr>
+          <a:xfrm>
+            <a:off x="4735773" y="2533994"/>
+            <a:ext cx="445670" cy="0"/>
+          </a:xfrm>
+          <a:prstGeom prst="straightConnector1">
+            <a:avLst/>
+          </a:prstGeom>
+          <a:ln>
+            <a:tailEnd type="triangle"/>
+          </a:ln>
+        </p:spPr>
+        <p:style>
+          <a:lnRef idx="3">
+            <a:schemeClr val="accent2"/>
+          </a:lnRef>
+          <a:fillRef idx="0">
+            <a:schemeClr val="accent2"/>
+          </a:fillRef>
+          <a:effectRef idx="2">
+            <a:schemeClr val="accent2"/>
+          </a:effectRef>
+          <a:fontRef idx="minor">
+            <a:schemeClr val="tx1"/>
+          </a:fontRef>
+        </p:style>
+      </p:cxnSp>
+      <p:cxnSp>
+        <p:nvCxnSpPr>
+          <p:cNvPr id="38" name="직선 화살표 연결선 37">
+            <a:extLst>
+              <a:ext uri="{FF2B5EF4-FFF2-40B4-BE49-F238E27FC236}">
+                <a16:creationId xmlns:a16="http://schemas.microsoft.com/office/drawing/2014/main" id="{0EBF13DE-DFC5-9C70-3D1B-47C784C7892D}"/>
+              </a:ext>
+            </a:extLst>
+          </p:cNvPr>
+          <p:cNvCxnSpPr>
+            <a:cxnSpLocks/>
+            <a:stCxn id="8" idx="3"/>
+            <a:endCxn id="11" idx="1"/>
+          </p:cNvCxnSpPr>
+          <p:nvPr/>
+        </p:nvCxnSpPr>
+        <p:spPr>
+          <a:xfrm>
+            <a:off x="7208292" y="1426251"/>
+            <a:ext cx="1261359" cy="0"/>
+          </a:xfrm>
+          <a:prstGeom prst="straightConnector1">
+            <a:avLst/>
+          </a:prstGeom>
+          <a:ln>
+            <a:tailEnd type="triangle"/>
+          </a:ln>
+        </p:spPr>
+        <p:style>
+          <a:lnRef idx="3">
+            <a:schemeClr val="accent3"/>
+          </a:lnRef>
+          <a:fillRef idx="0">
+            <a:schemeClr val="accent3"/>
+          </a:fillRef>
+          <a:effectRef idx="2">
+            <a:schemeClr val="accent3"/>
+          </a:effectRef>
+          <a:fontRef idx="minor">
+            <a:schemeClr val="tx1"/>
+          </a:fontRef>
+        </p:style>
+      </p:cxnSp>
+      <p:cxnSp>
+        <p:nvCxnSpPr>
+          <p:cNvPr id="41" name="직선 화살표 연결선 40">
+            <a:extLst>
+              <a:ext uri="{FF2B5EF4-FFF2-40B4-BE49-F238E27FC236}">
+                <a16:creationId xmlns:a16="http://schemas.microsoft.com/office/drawing/2014/main" id="{73A417FB-44BD-FA8F-86A3-B9B0DDA94392}"/>
+              </a:ext>
+            </a:extLst>
+          </p:cNvPr>
+          <p:cNvCxnSpPr>
+            <a:cxnSpLocks/>
+            <a:stCxn id="10" idx="3"/>
+            <a:endCxn id="11" idx="1"/>
+          </p:cNvCxnSpPr>
+          <p:nvPr/>
+        </p:nvCxnSpPr>
+        <p:spPr>
+          <a:xfrm flipV="1">
+            <a:off x="7208292" y="1426251"/>
+            <a:ext cx="1261359" cy="1107743"/>
+          </a:xfrm>
+          <a:prstGeom prst="straightConnector1">
+            <a:avLst/>
+          </a:prstGeom>
+          <a:ln>
+            <a:tailEnd type="triangle"/>
+          </a:ln>
+        </p:spPr>
+        <p:style>
+          <a:lnRef idx="3">
+            <a:schemeClr val="accent3"/>
+          </a:lnRef>
+          <a:fillRef idx="0">
+            <a:schemeClr val="accent3"/>
+          </a:fillRef>
+          <a:effectRef idx="2">
+            <a:schemeClr val="accent3"/>
+          </a:effectRef>
+          <a:fontRef idx="minor">
+            <a:schemeClr val="tx1"/>
+          </a:fontRef>
+        </p:style>
+      </p:cxnSp>
+    </p:spTree>
+    <p:extLst>
+      <p:ext uri="{BB962C8B-B14F-4D97-AF65-F5344CB8AC3E}">
+        <p14:creationId xmlns:p14="http://schemas.microsoft.com/office/powerpoint/2010/main" val="1557150174"/>
+      </p:ext>
+    </p:extLst>
+  </p:cSld>
+  <p:clrMapOvr>
+    <a:masterClrMapping/>
+  </p:clrMapOvr>
+</p:sld>
+</file>
+
+<file path=ppt/slides/slide11.xml><?xml version="1.0" encoding="utf-8"?>
+<p:sld xmlns:a="http://schemas.openxmlformats.org/drawingml/2006/main" xmlns:r="http://schemas.openxmlformats.org/officeDocument/2006/relationships" xmlns:p="http://schemas.openxmlformats.org/presentationml/2006/main">
+  <p:cSld>
+    <p:spTree>
+      <p:nvGrpSpPr>
+        <p:cNvPr id="1" name=""/>
+        <p:cNvGrpSpPr/>
+        <p:nvPr/>
+      </p:nvGrpSpPr>
+      <p:grpSpPr>
+        <a:xfrm>
+          <a:off x="0" y="0"/>
+          <a:ext cx="0" cy="0"/>
+          <a:chOff x="0" y="0"/>
+          <a:chExt cx="0" cy="0"/>
+        </a:xfrm>
+      </p:grpSpPr>
+      <p:sp>
+        <p:nvSpPr>
+          <p:cNvPr id="3" name="직사각형 2">
+            <a:extLst>
+              <a:ext uri="{FF2B5EF4-FFF2-40B4-BE49-F238E27FC236}">
+                <a16:creationId xmlns:a16="http://schemas.microsoft.com/office/drawing/2014/main" id="{7B366036-B3EF-82A4-1CCB-26E36319947F}"/>
+              </a:ext>
+            </a:extLst>
+          </p:cNvPr>
+          <p:cNvSpPr/>
+          <p:nvPr/>
+        </p:nvSpPr>
+        <p:spPr>
+          <a:xfrm>
+            <a:off x="1893235" y="1020289"/>
+            <a:ext cx="2026849" cy="811924"/>
+          </a:xfrm>
+          <a:prstGeom prst="rect">
+            <a:avLst/>
+          </a:prstGeom>
+        </p:spPr>
+        <p:style>
+          <a:lnRef idx="3">
+            <a:schemeClr val="lt1"/>
+          </a:lnRef>
+          <a:fillRef idx="1">
+            <a:schemeClr val="accent2"/>
+          </a:fillRef>
+          <a:effectRef idx="1">
+            <a:schemeClr val="accent2"/>
+          </a:effectRef>
+          <a:fontRef idx="minor">
+            <a:schemeClr val="lt1"/>
+          </a:fontRef>
+        </p:style>
+        <p:txBody>
+          <a:bodyPr rtlCol="0" anchor="ctr"/>
+          <a:lstStyle/>
+          <a:p>
+            <a:pPr algn="ctr"/>
+            <a:r>
+              <a:rPr kumimoji="1" lang="en-US" altLang="ko-Kore-KR" dirty="0" err="1"/>
+              <a:t>BoardHandler</a:t>
+            </a:r>
+            <a:endParaRPr kumimoji="1" lang="ko-Kore-KR" altLang="en-US" dirty="0"/>
+          </a:p>
+        </p:txBody>
+      </p:sp>
+      <p:sp>
+        <p:nvSpPr>
+          <p:cNvPr id="8" name="직사각형 7">
+            <a:extLst>
+              <a:ext uri="{FF2B5EF4-FFF2-40B4-BE49-F238E27FC236}">
+                <a16:creationId xmlns:a16="http://schemas.microsoft.com/office/drawing/2014/main" id="{6A65B52F-48F4-C971-37D3-59BF21765BA5}"/>
+              </a:ext>
+            </a:extLst>
+          </p:cNvPr>
+          <p:cNvSpPr/>
+          <p:nvPr/>
+        </p:nvSpPr>
+        <p:spPr>
+          <a:xfrm>
+            <a:off x="5181443" y="1020289"/>
+            <a:ext cx="2026849" cy="811924"/>
+          </a:xfrm>
+          <a:prstGeom prst="rect">
+            <a:avLst/>
+          </a:prstGeom>
+        </p:spPr>
+        <p:style>
+          <a:lnRef idx="3">
+            <a:schemeClr val="lt1"/>
+          </a:lnRef>
+          <a:fillRef idx="1">
+            <a:schemeClr val="dk1"/>
+          </a:fillRef>
+          <a:effectRef idx="1">
+            <a:schemeClr val="dk1"/>
+          </a:effectRef>
+          <a:fontRef idx="minor">
+            <a:schemeClr val="lt1"/>
+          </a:fontRef>
+        </p:style>
+        <p:txBody>
+          <a:bodyPr rtlCol="0" anchor="ctr"/>
+          <a:lstStyle/>
+          <a:p>
+            <a:pPr algn="ctr"/>
+            <a:r>
+              <a:rPr kumimoji="1" lang="en-US" altLang="ko-Kore-KR" dirty="0" err="1"/>
+              <a:t>BoardDao</a:t>
+            </a:r>
+            <a:endParaRPr kumimoji="1" lang="ko-Kore-KR" altLang="en-US" dirty="0"/>
+          </a:p>
+        </p:txBody>
+      </p:sp>
+      <p:sp>
+        <p:nvSpPr>
+          <p:cNvPr id="11" name="직사각형 10">
+            <a:extLst>
+              <a:ext uri="{FF2B5EF4-FFF2-40B4-BE49-F238E27FC236}">
+                <a16:creationId xmlns:a16="http://schemas.microsoft.com/office/drawing/2014/main" id="{050FB328-6447-059A-3A9B-1A08DDAF7E75}"/>
+              </a:ext>
+            </a:extLst>
+          </p:cNvPr>
+          <p:cNvSpPr/>
+          <p:nvPr/>
+        </p:nvSpPr>
+        <p:spPr>
+          <a:xfrm>
+            <a:off x="8469651" y="1020289"/>
+            <a:ext cx="2026849" cy="811924"/>
+          </a:xfrm>
+          <a:prstGeom prst="rect">
+            <a:avLst/>
+          </a:prstGeom>
+        </p:spPr>
+        <p:style>
+          <a:lnRef idx="3">
+            <a:schemeClr val="lt1"/>
+          </a:lnRef>
+          <a:fillRef idx="1">
+            <a:schemeClr val="accent3"/>
+          </a:fillRef>
+          <a:effectRef idx="1">
+            <a:schemeClr val="accent3"/>
+          </a:effectRef>
+          <a:fontRef idx="minor">
+            <a:schemeClr val="lt1"/>
+          </a:fontRef>
+        </p:style>
+        <p:txBody>
+          <a:bodyPr rtlCol="0" anchor="ctr"/>
+          <a:lstStyle/>
+          <a:p>
+            <a:pPr algn="ctr"/>
+            <a:r>
+              <a:rPr kumimoji="1" lang="en-US" altLang="ko-Kore-KR" dirty="0" err="1"/>
+              <a:t>ObjectList</a:t>
+            </a:r>
+            <a:endParaRPr kumimoji="1" lang="ko-Kore-KR" altLang="en-US" dirty="0"/>
+          </a:p>
+        </p:txBody>
+      </p:sp>
+      <p:cxnSp>
+        <p:nvCxnSpPr>
+          <p:cNvPr id="32" name="직선 화살표 연결선 31">
+            <a:extLst>
+              <a:ext uri="{FF2B5EF4-FFF2-40B4-BE49-F238E27FC236}">
+                <a16:creationId xmlns:a16="http://schemas.microsoft.com/office/drawing/2014/main" id="{E5B1A480-A8BE-78C4-0526-70825345E2F2}"/>
+              </a:ext>
+            </a:extLst>
+          </p:cNvPr>
+          <p:cNvCxnSpPr>
+            <a:cxnSpLocks/>
+            <a:stCxn id="3" idx="3"/>
+            <a:endCxn id="8" idx="1"/>
+          </p:cNvCxnSpPr>
+          <p:nvPr/>
+        </p:nvCxnSpPr>
+        <p:spPr>
+          <a:xfrm>
+            <a:off x="3920084" y="1426251"/>
+            <a:ext cx="1261359" cy="0"/>
+          </a:xfrm>
+          <a:prstGeom prst="straightConnector1">
+            <a:avLst/>
+          </a:prstGeom>
+          <a:ln>
+            <a:tailEnd type="triangle"/>
+          </a:ln>
+        </p:spPr>
+        <p:style>
+          <a:lnRef idx="3">
+            <a:schemeClr val="accent2"/>
+          </a:lnRef>
+          <a:fillRef idx="0">
+            <a:schemeClr val="accent2"/>
+          </a:fillRef>
+          <a:effectRef idx="2">
+            <a:schemeClr val="accent2"/>
+          </a:effectRef>
+          <a:fontRef idx="minor">
+            <a:schemeClr val="tx1"/>
+          </a:fontRef>
+        </p:style>
+      </p:cxnSp>
+      <p:cxnSp>
+        <p:nvCxnSpPr>
+          <p:cNvPr id="38" name="직선 화살표 연결선 37">
+            <a:extLst>
+              <a:ext uri="{FF2B5EF4-FFF2-40B4-BE49-F238E27FC236}">
+                <a16:creationId xmlns:a16="http://schemas.microsoft.com/office/drawing/2014/main" id="{0EBF13DE-DFC5-9C70-3D1B-47C784C7892D}"/>
+              </a:ext>
+            </a:extLst>
+          </p:cNvPr>
+          <p:cNvCxnSpPr>
+            <a:cxnSpLocks/>
+            <a:stCxn id="8" idx="3"/>
+            <a:endCxn id="11" idx="1"/>
+          </p:cNvCxnSpPr>
+          <p:nvPr/>
+        </p:nvCxnSpPr>
+        <p:spPr>
+          <a:xfrm>
+            <a:off x="7208292" y="1426251"/>
+            <a:ext cx="1261359" cy="0"/>
+          </a:xfrm>
+          <a:prstGeom prst="straightConnector1">
+            <a:avLst/>
+          </a:prstGeom>
+          <a:ln>
+            <a:tailEnd type="triangle"/>
+          </a:ln>
+        </p:spPr>
+        <p:style>
+          <a:lnRef idx="3">
+            <a:schemeClr val="accent3"/>
+          </a:lnRef>
+          <a:fillRef idx="0">
+            <a:schemeClr val="accent3"/>
+          </a:fillRef>
+          <a:effectRef idx="2">
+            <a:schemeClr val="accent3"/>
+          </a:effectRef>
+          <a:fontRef idx="minor">
+            <a:schemeClr val="tx1"/>
+          </a:fontRef>
+        </p:style>
+      </p:cxnSp>
+      <p:sp>
+        <p:nvSpPr>
+          <p:cNvPr id="4" name="판단 3">
+            <a:extLst>
+              <a:ext uri="{FF2B5EF4-FFF2-40B4-BE49-F238E27FC236}">
+                <a16:creationId xmlns:a16="http://schemas.microsoft.com/office/drawing/2014/main" id="{7B8D69CE-7AA5-221D-2FC9-A489EA97EE17}"/>
+              </a:ext>
+            </a:extLst>
+          </p:cNvPr>
+          <p:cNvSpPr/>
+          <p:nvPr/>
+        </p:nvSpPr>
+        <p:spPr>
+          <a:xfrm>
+            <a:off x="7208292" y="1289852"/>
+            <a:ext cx="407159" cy="272797"/>
+          </a:xfrm>
+          <a:prstGeom prst="flowChartDecision">
+            <a:avLst/>
+          </a:prstGeom>
+        </p:spPr>
+        <p:style>
+          <a:lnRef idx="2">
+            <a:schemeClr val="accent3">
+              <a:shade val="50000"/>
+            </a:schemeClr>
+          </a:lnRef>
+          <a:fillRef idx="1">
+            <a:schemeClr val="accent3"/>
+          </a:fillRef>
+          <a:effectRef idx="0">
+            <a:schemeClr val="accent3"/>
+          </a:effectRef>
+          <a:fontRef idx="minor">
+            <a:schemeClr val="lt1"/>
+          </a:fontRef>
+        </p:style>
+        <p:txBody>
+          <a:bodyPr rtlCol="0" anchor="ctr"/>
+          <a:lstStyle/>
+          <a:p>
+            <a:pPr algn="ctr"/>
+            <a:endParaRPr kumimoji="1" lang="ko-Kore-KR" altLang="en-US"/>
+          </a:p>
+        </p:txBody>
+      </p:sp>
+      <p:sp>
+        <p:nvSpPr>
+          <p:cNvPr id="6" name="TextBox 5">
+            <a:extLst>
+              <a:ext uri="{FF2B5EF4-FFF2-40B4-BE49-F238E27FC236}">
+                <a16:creationId xmlns:a16="http://schemas.microsoft.com/office/drawing/2014/main" id="{008B81C8-C9E6-F1A0-0753-900A4EE318DC}"/>
+              </a:ext>
+            </a:extLst>
+          </p:cNvPr>
+          <p:cNvSpPr txBox="1"/>
+          <p:nvPr/>
+        </p:nvSpPr>
+        <p:spPr>
+          <a:xfrm>
+            <a:off x="8798099" y="2376985"/>
+            <a:ext cx="2026849" cy="1477328"/>
+          </a:xfrm>
+          <a:prstGeom prst="rect">
+            <a:avLst/>
+          </a:prstGeom>
+          <a:noFill/>
+        </p:spPr>
+        <p:txBody>
+          <a:bodyPr wrap="square" rtlCol="0">
+            <a:spAutoFit/>
+          </a:bodyPr>
+          <a:lstStyle/>
+          <a:p>
+            <a:pPr marL="285750" indent="-285750">
+              <a:buFont typeface="Arial" panose="020B0604020202020204" pitchFamily="34" charset="0"/>
+              <a:buChar char="•"/>
+            </a:pPr>
+            <a:r>
+              <a:rPr kumimoji="1" lang="en-US" altLang="ko-Kore-KR" dirty="0">
+                <a:solidFill>
+                  <a:schemeClr val="bg1"/>
+                </a:solidFill>
+              </a:rPr>
+              <a:t>add()</a:t>
+            </a:r>
+          </a:p>
+          <a:p>
+            <a:pPr marL="285750" indent="-285750">
+              <a:buFont typeface="Arial" panose="020B0604020202020204" pitchFamily="34" charset="0"/>
+              <a:buChar char="•"/>
+            </a:pPr>
+            <a:r>
+              <a:rPr kumimoji="1" lang="en-US" altLang="ko-Kore-KR" dirty="0">
+                <a:solidFill>
+                  <a:schemeClr val="bg1"/>
+                </a:solidFill>
+              </a:rPr>
+              <a:t>get()</a:t>
+            </a:r>
+          </a:p>
+          <a:p>
+            <a:pPr marL="285750" indent="-285750">
+              <a:buFont typeface="Arial" panose="020B0604020202020204" pitchFamily="34" charset="0"/>
+              <a:buChar char="•"/>
+            </a:pPr>
+            <a:r>
+              <a:rPr kumimoji="1" lang="en-US" altLang="ko-Kore-KR" dirty="0">
+                <a:solidFill>
+                  <a:schemeClr val="bg1"/>
+                </a:solidFill>
+              </a:rPr>
+              <a:t>remove()</a:t>
+            </a:r>
+          </a:p>
+          <a:p>
+            <a:pPr marL="285750" indent="-285750">
+              <a:buFont typeface="Arial" panose="020B0604020202020204" pitchFamily="34" charset="0"/>
+              <a:buChar char="•"/>
+            </a:pPr>
+            <a:r>
+              <a:rPr kumimoji="1" lang="en-US" altLang="ko-Kore-KR" dirty="0" err="1">
+                <a:solidFill>
+                  <a:schemeClr val="bg1"/>
+                </a:solidFill>
+              </a:rPr>
+              <a:t>toArray</a:t>
+            </a:r>
+            <a:r>
+              <a:rPr kumimoji="1" lang="en-US" altLang="ko-Kore-KR" dirty="0">
+                <a:solidFill>
+                  <a:schemeClr val="bg1"/>
+                </a:solidFill>
+              </a:rPr>
+              <a:t>()</a:t>
+            </a:r>
+          </a:p>
+          <a:p>
+            <a:pPr marL="285750" indent="-285750">
+              <a:buFont typeface="Arial" panose="020B0604020202020204" pitchFamily="34" charset="0"/>
+              <a:buChar char="•"/>
+            </a:pPr>
+            <a:r>
+              <a:rPr kumimoji="1" lang="en-US" altLang="ko-Kore-KR" dirty="0">
+                <a:solidFill>
+                  <a:schemeClr val="bg1"/>
+                </a:solidFill>
+              </a:rPr>
+              <a:t>size()</a:t>
+            </a:r>
+            <a:endParaRPr kumimoji="1" lang="ko-Kore-KR" altLang="en-US" dirty="0">
+              <a:solidFill>
+                <a:schemeClr val="bg1"/>
+              </a:solidFill>
+            </a:endParaRPr>
+          </a:p>
+        </p:txBody>
+      </p:sp>
+      <p:sp>
+        <p:nvSpPr>
+          <p:cNvPr id="7" name="TextBox 6">
+            <a:extLst>
+              <a:ext uri="{FF2B5EF4-FFF2-40B4-BE49-F238E27FC236}">
+                <a16:creationId xmlns:a16="http://schemas.microsoft.com/office/drawing/2014/main" id="{0AEC0F5D-23F9-E33A-C53D-204991AFEB8F}"/>
+              </a:ext>
+            </a:extLst>
+          </p:cNvPr>
+          <p:cNvSpPr txBox="1"/>
+          <p:nvPr/>
+        </p:nvSpPr>
+        <p:spPr>
+          <a:xfrm>
+            <a:off x="5333843" y="2376985"/>
+            <a:ext cx="2026849" cy="1477328"/>
+          </a:xfrm>
+          <a:prstGeom prst="rect">
+            <a:avLst/>
+          </a:prstGeom>
+          <a:noFill/>
+        </p:spPr>
+        <p:txBody>
+          <a:bodyPr wrap="square" rtlCol="0">
+            <a:spAutoFit/>
+          </a:bodyPr>
+          <a:lstStyle/>
+          <a:p>
+            <a:pPr marL="285750" indent="-285750">
+              <a:buFont typeface="Arial" panose="020B0604020202020204" pitchFamily="34" charset="0"/>
+              <a:buChar char="•"/>
+            </a:pPr>
+            <a:r>
+              <a:rPr kumimoji="1" lang="en-US" altLang="ko-Kore-KR" dirty="0">
+                <a:solidFill>
+                  <a:schemeClr val="bg1"/>
+                </a:solidFill>
+              </a:rPr>
+              <a:t>insert()</a:t>
+            </a:r>
+          </a:p>
+          <a:p>
+            <a:pPr marL="285750" indent="-285750">
+              <a:buFont typeface="Arial" panose="020B0604020202020204" pitchFamily="34" charset="0"/>
+              <a:buChar char="•"/>
+            </a:pPr>
+            <a:r>
+              <a:rPr kumimoji="1" lang="en-US" altLang="ko-Kore-KR" dirty="0" err="1">
+                <a:solidFill>
+                  <a:schemeClr val="bg1"/>
+                </a:solidFill>
+              </a:rPr>
+              <a:t>findByNo</a:t>
+            </a:r>
+            <a:r>
+              <a:rPr kumimoji="1" lang="en-US" altLang="ko-Kore-KR" dirty="0">
+                <a:solidFill>
+                  <a:schemeClr val="bg1"/>
+                </a:solidFill>
+              </a:rPr>
+              <a:t>()</a:t>
+            </a:r>
+          </a:p>
+          <a:p>
+            <a:pPr marL="285750" indent="-285750">
+              <a:buFont typeface="Arial" panose="020B0604020202020204" pitchFamily="34" charset="0"/>
+              <a:buChar char="•"/>
+            </a:pPr>
+            <a:r>
+              <a:rPr kumimoji="1" lang="en-US" altLang="ko-Kore-KR" dirty="0">
+                <a:solidFill>
+                  <a:schemeClr val="bg1"/>
+                </a:solidFill>
+              </a:rPr>
+              <a:t>delete()</a:t>
+            </a:r>
+          </a:p>
+          <a:p>
+            <a:pPr marL="285750" indent="-285750">
+              <a:buFont typeface="Arial" panose="020B0604020202020204" pitchFamily="34" charset="0"/>
+              <a:buChar char="•"/>
+            </a:pPr>
+            <a:r>
+              <a:rPr kumimoji="1" lang="en-US" altLang="ko-Kore-KR" dirty="0" err="1">
+                <a:solidFill>
+                  <a:schemeClr val="bg1"/>
+                </a:solidFill>
+              </a:rPr>
+              <a:t>findAll</a:t>
+            </a:r>
+            <a:r>
+              <a:rPr kumimoji="1" lang="en-US" altLang="ko-Kore-KR" dirty="0">
+                <a:solidFill>
+                  <a:schemeClr val="bg1"/>
+                </a:solidFill>
+              </a:rPr>
+              <a:t>()</a:t>
+            </a:r>
+          </a:p>
+          <a:p>
+            <a:pPr marL="285750" indent="-285750">
+              <a:buFont typeface="Arial" panose="020B0604020202020204" pitchFamily="34" charset="0"/>
+              <a:buChar char="•"/>
+            </a:pPr>
+            <a:r>
+              <a:rPr kumimoji="1" lang="en-US" altLang="ko-Kore-KR" dirty="0">
+                <a:solidFill>
+                  <a:schemeClr val="bg1"/>
+                </a:solidFill>
+              </a:rPr>
+              <a:t>size()</a:t>
+            </a:r>
+            <a:endParaRPr kumimoji="1" lang="ko-Kore-KR" altLang="en-US" dirty="0">
+              <a:solidFill>
+                <a:schemeClr val="bg1"/>
+              </a:solidFill>
+            </a:endParaRPr>
+          </a:p>
+        </p:txBody>
+      </p:sp>
+      <p:sp>
+        <p:nvSpPr>
+          <p:cNvPr id="9" name="오른쪽 화살표[R] 8">
+            <a:extLst>
+              <a:ext uri="{FF2B5EF4-FFF2-40B4-BE49-F238E27FC236}">
+                <a16:creationId xmlns:a16="http://schemas.microsoft.com/office/drawing/2014/main" id="{1D65EC58-B7BE-0DDF-1BA9-86460808D31D}"/>
+              </a:ext>
+            </a:extLst>
+          </p:cNvPr>
+          <p:cNvSpPr/>
+          <p:nvPr/>
+        </p:nvSpPr>
+        <p:spPr>
+          <a:xfrm>
+            <a:off x="7438636" y="2656743"/>
+            <a:ext cx="800669" cy="590266"/>
+          </a:xfrm>
+          <a:prstGeom prst="rightArrow">
+            <a:avLst/>
+          </a:prstGeom>
+        </p:spPr>
+        <p:style>
+          <a:lnRef idx="2">
+            <a:schemeClr val="accent3">
+              <a:shade val="50000"/>
+            </a:schemeClr>
+          </a:lnRef>
+          <a:fillRef idx="1">
+            <a:schemeClr val="accent3"/>
+          </a:fillRef>
+          <a:effectRef idx="0">
+            <a:schemeClr val="accent3"/>
+          </a:effectRef>
+          <a:fontRef idx="minor">
+            <a:schemeClr val="lt1"/>
+          </a:fontRef>
+        </p:style>
+        <p:txBody>
+          <a:bodyPr rtlCol="0" anchor="ctr"/>
+          <a:lstStyle/>
+          <a:p>
+            <a:pPr algn="ctr"/>
+            <a:endParaRPr kumimoji="1" lang="ko-Kore-KR" altLang="en-US"/>
+          </a:p>
+        </p:txBody>
+      </p:sp>
+      <p:sp>
+        <p:nvSpPr>
+          <p:cNvPr id="13" name="TextBox 12">
+            <a:extLst>
+              <a:ext uri="{FF2B5EF4-FFF2-40B4-BE49-F238E27FC236}">
+                <a16:creationId xmlns:a16="http://schemas.microsoft.com/office/drawing/2014/main" id="{053D0A56-A979-A218-5AB9-EC260EAC995C}"/>
+              </a:ext>
+            </a:extLst>
+          </p:cNvPr>
+          <p:cNvSpPr txBox="1"/>
+          <p:nvPr/>
+        </p:nvSpPr>
+        <p:spPr>
+          <a:xfrm>
+            <a:off x="7528101" y="2238175"/>
+            <a:ext cx="1031013" cy="369332"/>
+          </a:xfrm>
+          <a:prstGeom prst="rect">
+            <a:avLst/>
+          </a:prstGeom>
+          <a:noFill/>
+        </p:spPr>
+        <p:txBody>
+          <a:bodyPr wrap="square" rtlCol="0">
+            <a:spAutoFit/>
+          </a:bodyPr>
+          <a:lstStyle/>
+          <a:p>
+            <a:r>
+              <a:rPr kumimoji="1" lang="ko-KR" altLang="en-US" dirty="0">
+                <a:solidFill>
+                  <a:srgbClr val="FF0000"/>
+                </a:solidFill>
+              </a:rPr>
+              <a:t>위임</a:t>
+            </a:r>
+            <a:endParaRPr kumimoji="1" lang="ko-Kore-KR" altLang="en-US" dirty="0">
+              <a:solidFill>
+                <a:srgbClr val="FF0000"/>
+              </a:solidFill>
+            </a:endParaRPr>
+          </a:p>
+        </p:txBody>
+      </p:sp>
+    </p:spTree>
+    <p:extLst>
+      <p:ext uri="{BB962C8B-B14F-4D97-AF65-F5344CB8AC3E}">
+        <p14:creationId xmlns:p14="http://schemas.microsoft.com/office/powerpoint/2010/main" val="69833813"/>
+      </p:ext>
+    </p:extLst>
+  </p:cSld>
+  <p:clrMapOvr>
+    <a:masterClrMapping/>
+  </p:clrMapOvr>
+</p:sld>
+</file>
+
 <file path=ppt/slides/slide2.xml><?xml version="1.0" encoding="utf-8"?>
 <p:sld xmlns:a="http://schemas.openxmlformats.org/drawingml/2006/main" xmlns:r="http://schemas.openxmlformats.org/officeDocument/2006/relationships" xmlns:p="http://schemas.openxmlformats.org/presentationml/2006/main">
   <p:cSld>
@@ -4691,10 +6082,44 @@
           <a:lstStyle/>
           <a:p>
             <a:r>
-              <a:rPr kumimoji="1" lang="en-US" altLang="ko-Kore-KR" dirty="0"/>
+              <a:rPr kumimoji="1" lang="en-US" altLang="ko-Kore-KR" dirty="0">
+                <a:solidFill>
+                  <a:schemeClr val="bg1"/>
+                </a:solidFill>
+              </a:rPr>
               <a:t>LinkedList</a:t>
             </a:r>
-            <a:endParaRPr kumimoji="1" lang="ko-Kore-KR" altLang="en-US" dirty="0"/>
+            <a:r>
+              <a:rPr kumimoji="1" lang="ko-KR" altLang="en-US" dirty="0">
+                <a:solidFill>
+                  <a:schemeClr val="bg1"/>
+                </a:solidFill>
+              </a:rPr>
+              <a:t> </a:t>
+            </a:r>
+            <a:r>
+              <a:rPr kumimoji="1" lang="en-US" altLang="ko-KR" dirty="0">
+                <a:solidFill>
+                  <a:schemeClr val="bg1"/>
+                </a:solidFill>
+                <a:sym typeface="Wingdings" pitchFamily="2" charset="2"/>
+              </a:rPr>
+              <a:t></a:t>
+            </a:r>
+            <a:r>
+              <a:rPr kumimoji="1" lang="ko-KR" altLang="en-US" dirty="0">
+                <a:solidFill>
+                  <a:schemeClr val="bg1"/>
+                </a:solidFill>
+                <a:sym typeface="Wingdings" pitchFamily="2" charset="2"/>
+              </a:rPr>
+              <a:t> 최초의 노드</a:t>
+            </a:r>
+            <a:endParaRPr kumimoji="1" lang="ko-Kore-KR" altLang="en-US" dirty="0">
+              <a:solidFill>
+                <a:schemeClr val="bg1"/>
+              </a:solidFill>
+            </a:endParaRPr>
           </a:p>
         </p:txBody>
       </p:sp>
@@ -5814,10 +7239,18 @@
           <a:lstStyle/>
           <a:p>
             <a:r>
-              <a:rPr kumimoji="1" lang="en-US" altLang="ko-Kore-KR" dirty="0"/>
+              <a:rPr kumimoji="1" lang="en-US" altLang="ko-Kore-KR" dirty="0">
+                <a:solidFill>
+                  <a:schemeClr val="bg1"/>
+                </a:solidFill>
+              </a:rPr>
               <a:t>LinkedList</a:t>
             </a:r>
-            <a:endParaRPr kumimoji="1" lang="ko-Kore-KR" altLang="en-US" dirty="0"/>
+            <a:endParaRPr kumimoji="1" lang="ko-Kore-KR" altLang="en-US" dirty="0">
+              <a:solidFill>
+                <a:schemeClr val="bg1"/>
+              </a:solidFill>
+            </a:endParaRPr>
           </a:p>
         </p:txBody>
       </p:sp>
@@ -6013,6 +7446,5337 @@
     <p:extLst>
       <p:ext uri="{BB962C8B-B14F-4D97-AF65-F5344CB8AC3E}">
         <p14:creationId xmlns:p14="http://schemas.microsoft.com/office/powerpoint/2010/main" val="3420612264"/>
+      </p:ext>
+    </p:extLst>
+  </p:cSld>
+  <p:clrMapOvr>
+    <a:masterClrMapping/>
+  </p:clrMapOvr>
+</p:sld>
+</file>
+
+<file path=ppt/slides/slide5.xml><?xml version="1.0" encoding="utf-8"?>
+<p:sld xmlns:a="http://schemas.openxmlformats.org/drawingml/2006/main" xmlns:r="http://schemas.openxmlformats.org/officeDocument/2006/relationships" xmlns:p="http://schemas.openxmlformats.org/presentationml/2006/main">
+  <p:cSld>
+    <p:spTree>
+      <p:nvGrpSpPr>
+        <p:cNvPr id="1" name=""/>
+        <p:cNvGrpSpPr/>
+        <p:nvPr/>
+      </p:nvGrpSpPr>
+      <p:grpSpPr>
+        <a:xfrm>
+          <a:off x="0" y="0"/>
+          <a:ext cx="0" cy="0"/>
+          <a:chOff x="0" y="0"/>
+          <a:chExt cx="0" cy="0"/>
+        </a:xfrm>
+      </p:grpSpPr>
+      <p:sp>
+        <p:nvSpPr>
+          <p:cNvPr id="2" name="직사각형 1">
+            <a:extLst>
+              <a:ext uri="{FF2B5EF4-FFF2-40B4-BE49-F238E27FC236}">
+                <a16:creationId xmlns:a16="http://schemas.microsoft.com/office/drawing/2014/main" id="{5A43BC10-70AC-A3A3-86AC-39E0E47108AE}"/>
+              </a:ext>
+            </a:extLst>
+          </p:cNvPr>
+          <p:cNvSpPr/>
+          <p:nvPr/>
+        </p:nvSpPr>
+        <p:spPr>
+          <a:xfrm>
+            <a:off x="716976" y="2809316"/>
+            <a:ext cx="720000" cy="720000"/>
+          </a:xfrm>
+          <a:prstGeom prst="rect">
+            <a:avLst/>
+          </a:prstGeom>
+        </p:spPr>
+        <p:style>
+          <a:lnRef idx="2">
+            <a:schemeClr val="accent1">
+              <a:shade val="50000"/>
+            </a:schemeClr>
+          </a:lnRef>
+          <a:fillRef idx="1">
+            <a:schemeClr val="accent1"/>
+          </a:fillRef>
+          <a:effectRef idx="0">
+            <a:schemeClr val="accent1"/>
+          </a:effectRef>
+          <a:fontRef idx="minor">
+            <a:schemeClr val="lt1"/>
+          </a:fontRef>
+        </p:style>
+        <p:txBody>
+          <a:bodyPr rtlCol="0" anchor="ctr"/>
+          <a:lstStyle/>
+          <a:p>
+            <a:pPr algn="ctr"/>
+            <a:r>
+              <a:rPr kumimoji="1" lang="en-US" altLang="ko-Kore-KR" dirty="0"/>
+              <a:t>null</a:t>
+            </a:r>
+            <a:endParaRPr kumimoji="1" lang="ko-Kore-KR" altLang="en-US" dirty="0"/>
+          </a:p>
+        </p:txBody>
+      </p:sp>
+      <p:sp>
+        <p:nvSpPr>
+          <p:cNvPr id="4" name="직사각형 3">
+            <a:extLst>
+              <a:ext uri="{FF2B5EF4-FFF2-40B4-BE49-F238E27FC236}">
+                <a16:creationId xmlns:a16="http://schemas.microsoft.com/office/drawing/2014/main" id="{249501E6-9EDA-582D-A035-0801937A9352}"/>
+              </a:ext>
+            </a:extLst>
+          </p:cNvPr>
+          <p:cNvSpPr/>
+          <p:nvPr/>
+        </p:nvSpPr>
+        <p:spPr>
+          <a:xfrm>
+            <a:off x="1436975" y="2809316"/>
+            <a:ext cx="1080000" cy="720000"/>
+          </a:xfrm>
+          <a:prstGeom prst="rect">
+            <a:avLst/>
+          </a:prstGeom>
+        </p:spPr>
+        <p:style>
+          <a:lnRef idx="2">
+            <a:schemeClr val="accent1">
+              <a:shade val="50000"/>
+            </a:schemeClr>
+          </a:lnRef>
+          <a:fillRef idx="1">
+            <a:schemeClr val="accent1"/>
+          </a:fillRef>
+          <a:effectRef idx="0">
+            <a:schemeClr val="accent1"/>
+          </a:effectRef>
+          <a:fontRef idx="minor">
+            <a:schemeClr val="lt1"/>
+          </a:fontRef>
+        </p:style>
+        <p:txBody>
+          <a:bodyPr rtlCol="0" anchor="ctr"/>
+          <a:lstStyle/>
+          <a:p>
+            <a:pPr algn="ctr"/>
+            <a:r>
+              <a:rPr kumimoji="1" lang="en-US" altLang="ko-Kore-KR" dirty="0"/>
+              <a:t>“</a:t>
+            </a:r>
+            <a:r>
+              <a:rPr kumimoji="1" lang="ko-KR" altLang="en-US" dirty="0"/>
+              <a:t>홍길동</a:t>
+            </a:r>
+            <a:r>
+              <a:rPr kumimoji="1" lang="en-US" altLang="ko-Kore-KR" dirty="0"/>
+              <a:t>”</a:t>
+            </a:r>
+            <a:endParaRPr kumimoji="1" lang="ko-Kore-KR" altLang="en-US" dirty="0"/>
+          </a:p>
+        </p:txBody>
+      </p:sp>
+      <p:sp>
+        <p:nvSpPr>
+          <p:cNvPr id="6" name="직사각형 5">
+            <a:extLst>
+              <a:ext uri="{FF2B5EF4-FFF2-40B4-BE49-F238E27FC236}">
+                <a16:creationId xmlns:a16="http://schemas.microsoft.com/office/drawing/2014/main" id="{046AE4CB-A81F-23F2-96F0-4792CCAC8F6D}"/>
+              </a:ext>
+            </a:extLst>
+          </p:cNvPr>
+          <p:cNvSpPr/>
+          <p:nvPr/>
+        </p:nvSpPr>
+        <p:spPr>
+          <a:xfrm>
+            <a:off x="2520150" y="2815666"/>
+            <a:ext cx="720000" cy="720000"/>
+          </a:xfrm>
+          <a:prstGeom prst="rect">
+            <a:avLst/>
+          </a:prstGeom>
+        </p:spPr>
+        <p:style>
+          <a:lnRef idx="2">
+            <a:schemeClr val="accent1">
+              <a:shade val="50000"/>
+            </a:schemeClr>
+          </a:lnRef>
+          <a:fillRef idx="1">
+            <a:schemeClr val="accent1"/>
+          </a:fillRef>
+          <a:effectRef idx="0">
+            <a:schemeClr val="accent1"/>
+          </a:effectRef>
+          <a:fontRef idx="minor">
+            <a:schemeClr val="lt1"/>
+          </a:fontRef>
+        </p:style>
+        <p:txBody>
+          <a:bodyPr rtlCol="0" anchor="ctr"/>
+          <a:lstStyle/>
+          <a:p>
+            <a:pPr algn="ctr"/>
+            <a:r>
+              <a:rPr kumimoji="1" lang="en-US" altLang="ko-Kore-KR" dirty="0"/>
+              <a:t>200</a:t>
+            </a:r>
+            <a:endParaRPr kumimoji="1" lang="ko-Kore-KR" altLang="en-US" dirty="0"/>
+          </a:p>
+        </p:txBody>
+      </p:sp>
+      <p:sp>
+        <p:nvSpPr>
+          <p:cNvPr id="7" name="TextBox 6">
+            <a:extLst>
+              <a:ext uri="{FF2B5EF4-FFF2-40B4-BE49-F238E27FC236}">
+                <a16:creationId xmlns:a16="http://schemas.microsoft.com/office/drawing/2014/main" id="{2A8F9331-1C65-D04E-4D6B-4038CCEF2B1D}"/>
+              </a:ext>
+            </a:extLst>
+          </p:cNvPr>
+          <p:cNvSpPr txBox="1"/>
+          <p:nvPr/>
+        </p:nvSpPr>
+        <p:spPr>
+          <a:xfrm>
+            <a:off x="972151" y="2109052"/>
+            <a:ext cx="798786" cy="369332"/>
+          </a:xfrm>
+          <a:prstGeom prst="rect">
+            <a:avLst/>
+          </a:prstGeom>
+        </p:spPr>
+        <p:style>
+          <a:lnRef idx="2">
+            <a:schemeClr val="accent1"/>
+          </a:lnRef>
+          <a:fillRef idx="1">
+            <a:schemeClr val="lt1"/>
+          </a:fillRef>
+          <a:effectRef idx="0">
+            <a:schemeClr val="accent1"/>
+          </a:effectRef>
+          <a:fontRef idx="minor">
+            <a:schemeClr val="dk1"/>
+          </a:fontRef>
+        </p:style>
+        <p:txBody>
+          <a:bodyPr wrap="square" rtlCol="0">
+            <a:spAutoFit/>
+          </a:bodyPr>
+          <a:lstStyle/>
+          <a:p>
+            <a:pPr algn="ctr"/>
+            <a:r>
+              <a:rPr kumimoji="1" lang="en-US" altLang="ko-Kore-KR" dirty="0"/>
+              <a:t>100</a:t>
+            </a:r>
+            <a:endParaRPr kumimoji="1" lang="ko-Kore-KR" altLang="en-US" dirty="0"/>
+          </a:p>
+        </p:txBody>
+      </p:sp>
+      <p:sp>
+        <p:nvSpPr>
+          <p:cNvPr id="46" name="TextBox 45">
+            <a:extLst>
+              <a:ext uri="{FF2B5EF4-FFF2-40B4-BE49-F238E27FC236}">
+                <a16:creationId xmlns:a16="http://schemas.microsoft.com/office/drawing/2014/main" id="{CE84FD0B-28EE-3E66-1110-46595726ADAC}"/>
+              </a:ext>
+            </a:extLst>
+          </p:cNvPr>
+          <p:cNvSpPr txBox="1"/>
+          <p:nvPr/>
+        </p:nvSpPr>
+        <p:spPr>
+          <a:xfrm>
+            <a:off x="796822" y="4100681"/>
+            <a:ext cx="827999" cy="369332"/>
+          </a:xfrm>
+          <a:prstGeom prst="rect">
+            <a:avLst/>
+          </a:prstGeom>
+        </p:spPr>
+        <p:style>
+          <a:lnRef idx="1">
+            <a:schemeClr val="accent1"/>
+          </a:lnRef>
+          <a:fillRef idx="2">
+            <a:schemeClr val="accent1"/>
+          </a:fillRef>
+          <a:effectRef idx="1">
+            <a:schemeClr val="accent1"/>
+          </a:effectRef>
+          <a:fontRef idx="minor">
+            <a:schemeClr val="dk1"/>
+          </a:fontRef>
+        </p:style>
+        <p:txBody>
+          <a:bodyPr wrap="square" rtlCol="0">
+            <a:spAutoFit/>
+          </a:bodyPr>
+          <a:lstStyle/>
+          <a:p>
+            <a:pPr algn="ctr"/>
+            <a:r>
+              <a:rPr kumimoji="1" lang="en-US" altLang="ko-Kore-KR" dirty="0"/>
+              <a:t>Head</a:t>
+            </a:r>
+            <a:endParaRPr kumimoji="1" lang="ko-Kore-KR" altLang="en-US" dirty="0"/>
+          </a:p>
+        </p:txBody>
+      </p:sp>
+      <p:sp>
+        <p:nvSpPr>
+          <p:cNvPr id="47" name="위쪽 화살표[U] 46">
+            <a:extLst>
+              <a:ext uri="{FF2B5EF4-FFF2-40B4-BE49-F238E27FC236}">
+                <a16:creationId xmlns:a16="http://schemas.microsoft.com/office/drawing/2014/main" id="{0A948F97-C174-977B-C777-DB15E2D34031}"/>
+              </a:ext>
+            </a:extLst>
+          </p:cNvPr>
+          <p:cNvSpPr/>
+          <p:nvPr/>
+        </p:nvSpPr>
+        <p:spPr>
+          <a:xfrm>
+            <a:off x="1034629" y="3603681"/>
+            <a:ext cx="284893" cy="497000"/>
+          </a:xfrm>
+          <a:prstGeom prst="upArrow">
+            <a:avLst/>
+          </a:prstGeom>
+        </p:spPr>
+        <p:style>
+          <a:lnRef idx="1">
+            <a:schemeClr val="accent1"/>
+          </a:lnRef>
+          <a:fillRef idx="2">
+            <a:schemeClr val="accent1"/>
+          </a:fillRef>
+          <a:effectRef idx="1">
+            <a:schemeClr val="accent1"/>
+          </a:effectRef>
+          <a:fontRef idx="minor">
+            <a:schemeClr val="dk1"/>
+          </a:fontRef>
+        </p:style>
+        <p:txBody>
+          <a:bodyPr rtlCol="0" anchor="ctr"/>
+          <a:lstStyle/>
+          <a:p>
+            <a:pPr algn="ctr"/>
+            <a:endParaRPr kumimoji="1" lang="ko-Kore-KR" altLang="en-US"/>
+          </a:p>
+        </p:txBody>
+      </p:sp>
+      <p:sp>
+        <p:nvSpPr>
+          <p:cNvPr id="48" name="TextBox 47">
+            <a:extLst>
+              <a:ext uri="{FF2B5EF4-FFF2-40B4-BE49-F238E27FC236}">
+                <a16:creationId xmlns:a16="http://schemas.microsoft.com/office/drawing/2014/main" id="{0F5D4C56-BBF4-D86E-6883-AD0AAF4ADF8F}"/>
+              </a:ext>
+            </a:extLst>
+          </p:cNvPr>
+          <p:cNvSpPr txBox="1"/>
+          <p:nvPr/>
+        </p:nvSpPr>
+        <p:spPr>
+          <a:xfrm>
+            <a:off x="1624821" y="4100681"/>
+            <a:ext cx="827999" cy="369332"/>
+          </a:xfrm>
+          <a:prstGeom prst="rect">
+            <a:avLst/>
+          </a:prstGeom>
+        </p:spPr>
+        <p:style>
+          <a:lnRef idx="1">
+            <a:schemeClr val="accent1"/>
+          </a:lnRef>
+          <a:fillRef idx="2">
+            <a:schemeClr val="accent1"/>
+          </a:fillRef>
+          <a:effectRef idx="1">
+            <a:schemeClr val="accent1"/>
+          </a:effectRef>
+          <a:fontRef idx="minor">
+            <a:schemeClr val="dk1"/>
+          </a:fontRef>
+        </p:style>
+        <p:txBody>
+          <a:bodyPr wrap="square" rtlCol="0">
+            <a:spAutoFit/>
+          </a:bodyPr>
+          <a:lstStyle/>
+          <a:p>
+            <a:pPr algn="ctr"/>
+            <a:r>
+              <a:rPr kumimoji="1" lang="en-US" altLang="ko-Kore-KR" dirty="0"/>
+              <a:t>Tail</a:t>
+            </a:r>
+            <a:endParaRPr kumimoji="1" lang="ko-Kore-KR" altLang="en-US" dirty="0"/>
+          </a:p>
+        </p:txBody>
+      </p:sp>
+      <p:sp>
+        <p:nvSpPr>
+          <p:cNvPr id="49" name="위쪽 화살표[U] 48">
+            <a:extLst>
+              <a:ext uri="{FF2B5EF4-FFF2-40B4-BE49-F238E27FC236}">
+                <a16:creationId xmlns:a16="http://schemas.microsoft.com/office/drawing/2014/main" id="{3D808A37-CBF6-9CBE-E6FD-A6689712EE5F}"/>
+              </a:ext>
+            </a:extLst>
+          </p:cNvPr>
+          <p:cNvSpPr/>
+          <p:nvPr/>
+        </p:nvSpPr>
+        <p:spPr>
+          <a:xfrm>
+            <a:off x="1862628" y="3603681"/>
+            <a:ext cx="284893" cy="497000"/>
+          </a:xfrm>
+          <a:prstGeom prst="upArrow">
+            <a:avLst/>
+          </a:prstGeom>
+        </p:spPr>
+        <p:style>
+          <a:lnRef idx="1">
+            <a:schemeClr val="accent1"/>
+          </a:lnRef>
+          <a:fillRef idx="2">
+            <a:schemeClr val="accent1"/>
+          </a:fillRef>
+          <a:effectRef idx="1">
+            <a:schemeClr val="accent1"/>
+          </a:effectRef>
+          <a:fontRef idx="minor">
+            <a:schemeClr val="dk1"/>
+          </a:fontRef>
+        </p:style>
+        <p:txBody>
+          <a:bodyPr rtlCol="0" anchor="ctr"/>
+          <a:lstStyle/>
+          <a:p>
+            <a:pPr algn="ctr"/>
+            <a:endParaRPr kumimoji="1" lang="ko-Kore-KR" altLang="en-US"/>
+          </a:p>
+        </p:txBody>
+      </p:sp>
+      <p:sp>
+        <p:nvSpPr>
+          <p:cNvPr id="11" name="TextBox 10">
+            <a:extLst>
+              <a:ext uri="{FF2B5EF4-FFF2-40B4-BE49-F238E27FC236}">
+                <a16:creationId xmlns:a16="http://schemas.microsoft.com/office/drawing/2014/main" id="{DC0C0B81-7A05-AFD8-3890-040EA290CCAE}"/>
+              </a:ext>
+            </a:extLst>
+          </p:cNvPr>
+          <p:cNvSpPr txBox="1"/>
+          <p:nvPr/>
+        </p:nvSpPr>
+        <p:spPr>
+          <a:xfrm>
+            <a:off x="1731665" y="4782347"/>
+            <a:ext cx="798786" cy="369332"/>
+          </a:xfrm>
+          <a:prstGeom prst="rect">
+            <a:avLst/>
+          </a:prstGeom>
+        </p:spPr>
+        <p:style>
+          <a:lnRef idx="2">
+            <a:schemeClr val="accent2"/>
+          </a:lnRef>
+          <a:fillRef idx="1">
+            <a:schemeClr val="lt1"/>
+          </a:fillRef>
+          <a:effectRef idx="0">
+            <a:schemeClr val="accent2"/>
+          </a:effectRef>
+          <a:fontRef idx="minor">
+            <a:schemeClr val="dk1"/>
+          </a:fontRef>
+        </p:style>
+        <p:txBody>
+          <a:bodyPr wrap="square" rtlCol="0">
+            <a:spAutoFit/>
+          </a:bodyPr>
+          <a:lstStyle/>
+          <a:p>
+            <a:pPr algn="ctr"/>
+            <a:r>
+              <a:rPr kumimoji="1" lang="en-US" altLang="ko-Kore-KR" dirty="0"/>
+              <a:t>100</a:t>
+            </a:r>
+            <a:endParaRPr kumimoji="1" lang="ko-Kore-KR" altLang="en-US" dirty="0"/>
+          </a:p>
+        </p:txBody>
+      </p:sp>
+      <p:sp>
+        <p:nvSpPr>
+          <p:cNvPr id="12" name="TextBox 11">
+            <a:extLst>
+              <a:ext uri="{FF2B5EF4-FFF2-40B4-BE49-F238E27FC236}">
+                <a16:creationId xmlns:a16="http://schemas.microsoft.com/office/drawing/2014/main" id="{C47D9725-EFE3-DCC1-5622-390A1E2529E7}"/>
+              </a:ext>
+            </a:extLst>
+          </p:cNvPr>
+          <p:cNvSpPr txBox="1"/>
+          <p:nvPr/>
+        </p:nvSpPr>
+        <p:spPr>
+          <a:xfrm>
+            <a:off x="903666" y="4774382"/>
+            <a:ext cx="827999" cy="369332"/>
+          </a:xfrm>
+          <a:prstGeom prst="rect">
+            <a:avLst/>
+          </a:prstGeom>
+        </p:spPr>
+        <p:style>
+          <a:lnRef idx="1">
+            <a:schemeClr val="accent2"/>
+          </a:lnRef>
+          <a:fillRef idx="2">
+            <a:schemeClr val="accent2"/>
+          </a:fillRef>
+          <a:effectRef idx="1">
+            <a:schemeClr val="accent2"/>
+          </a:effectRef>
+          <a:fontRef idx="minor">
+            <a:schemeClr val="dk1"/>
+          </a:fontRef>
+        </p:style>
+        <p:txBody>
+          <a:bodyPr wrap="square" rtlCol="0">
+            <a:spAutoFit/>
+          </a:bodyPr>
+          <a:lstStyle/>
+          <a:p>
+            <a:pPr algn="ctr"/>
+            <a:r>
+              <a:rPr kumimoji="1" lang="en-US" altLang="ko-Kore-KR" dirty="0"/>
+              <a:t>Head</a:t>
+            </a:r>
+            <a:endParaRPr kumimoji="1" lang="ko-Kore-KR" altLang="en-US" dirty="0"/>
+          </a:p>
+        </p:txBody>
+      </p:sp>
+      <p:sp>
+        <p:nvSpPr>
+          <p:cNvPr id="13" name="TextBox 12">
+            <a:extLst>
+              <a:ext uri="{FF2B5EF4-FFF2-40B4-BE49-F238E27FC236}">
+                <a16:creationId xmlns:a16="http://schemas.microsoft.com/office/drawing/2014/main" id="{08DE8E47-9EEA-198B-2C3D-D7CEEB03B44B}"/>
+              </a:ext>
+            </a:extLst>
+          </p:cNvPr>
+          <p:cNvSpPr txBox="1"/>
+          <p:nvPr/>
+        </p:nvSpPr>
+        <p:spPr>
+          <a:xfrm>
+            <a:off x="1733672" y="5345747"/>
+            <a:ext cx="798786" cy="369332"/>
+          </a:xfrm>
+          <a:prstGeom prst="rect">
+            <a:avLst/>
+          </a:prstGeom>
+        </p:spPr>
+        <p:style>
+          <a:lnRef idx="2">
+            <a:schemeClr val="accent2"/>
+          </a:lnRef>
+          <a:fillRef idx="1">
+            <a:schemeClr val="lt1"/>
+          </a:fillRef>
+          <a:effectRef idx="0">
+            <a:schemeClr val="accent2"/>
+          </a:effectRef>
+          <a:fontRef idx="minor">
+            <a:schemeClr val="dk1"/>
+          </a:fontRef>
+        </p:style>
+        <p:txBody>
+          <a:bodyPr wrap="square" rtlCol="0">
+            <a:spAutoFit/>
+          </a:bodyPr>
+          <a:lstStyle/>
+          <a:p>
+            <a:pPr algn="ctr"/>
+            <a:r>
+              <a:rPr kumimoji="1" lang="en-US" altLang="ko-Kore-KR" dirty="0"/>
+              <a:t>100</a:t>
+            </a:r>
+            <a:endParaRPr kumimoji="1" lang="ko-Kore-KR" altLang="en-US" dirty="0"/>
+          </a:p>
+        </p:txBody>
+      </p:sp>
+      <p:sp>
+        <p:nvSpPr>
+          <p:cNvPr id="14" name="TextBox 13">
+            <a:extLst>
+              <a:ext uri="{FF2B5EF4-FFF2-40B4-BE49-F238E27FC236}">
+                <a16:creationId xmlns:a16="http://schemas.microsoft.com/office/drawing/2014/main" id="{29FD7D16-03A3-6EE3-33E6-15AACB38B59D}"/>
+              </a:ext>
+            </a:extLst>
+          </p:cNvPr>
+          <p:cNvSpPr txBox="1"/>
+          <p:nvPr/>
+        </p:nvSpPr>
+        <p:spPr>
+          <a:xfrm>
+            <a:off x="903666" y="5345747"/>
+            <a:ext cx="827999" cy="369332"/>
+          </a:xfrm>
+          <a:prstGeom prst="rect">
+            <a:avLst/>
+          </a:prstGeom>
+        </p:spPr>
+        <p:style>
+          <a:lnRef idx="1">
+            <a:schemeClr val="accent2"/>
+          </a:lnRef>
+          <a:fillRef idx="2">
+            <a:schemeClr val="accent2"/>
+          </a:fillRef>
+          <a:effectRef idx="1">
+            <a:schemeClr val="accent2"/>
+          </a:effectRef>
+          <a:fontRef idx="minor">
+            <a:schemeClr val="dk1"/>
+          </a:fontRef>
+        </p:style>
+        <p:txBody>
+          <a:bodyPr wrap="square" rtlCol="0">
+            <a:spAutoFit/>
+          </a:bodyPr>
+          <a:lstStyle/>
+          <a:p>
+            <a:pPr algn="ctr"/>
+            <a:r>
+              <a:rPr kumimoji="1" lang="en-US" altLang="ko-Kore-KR" dirty="0"/>
+              <a:t>Tail</a:t>
+            </a:r>
+            <a:endParaRPr kumimoji="1" lang="ko-Kore-KR" altLang="en-US" dirty="0"/>
+          </a:p>
+        </p:txBody>
+      </p:sp>
+      <p:sp>
+        <p:nvSpPr>
+          <p:cNvPr id="15" name="TextBox 14">
+            <a:extLst>
+              <a:ext uri="{FF2B5EF4-FFF2-40B4-BE49-F238E27FC236}">
+                <a16:creationId xmlns:a16="http://schemas.microsoft.com/office/drawing/2014/main" id="{DD04D861-D1CB-AD57-B448-25DEB3DB41E3}"/>
+              </a:ext>
+            </a:extLst>
+          </p:cNvPr>
+          <p:cNvSpPr txBox="1"/>
+          <p:nvPr/>
+        </p:nvSpPr>
+        <p:spPr>
+          <a:xfrm>
+            <a:off x="1731665" y="5910762"/>
+            <a:ext cx="798786" cy="369332"/>
+          </a:xfrm>
+          <a:prstGeom prst="rect">
+            <a:avLst/>
+          </a:prstGeom>
+        </p:spPr>
+        <p:style>
+          <a:lnRef idx="2">
+            <a:schemeClr val="accent2"/>
+          </a:lnRef>
+          <a:fillRef idx="1">
+            <a:schemeClr val="lt1"/>
+          </a:fillRef>
+          <a:effectRef idx="0">
+            <a:schemeClr val="accent2"/>
+          </a:effectRef>
+          <a:fontRef idx="minor">
+            <a:schemeClr val="dk1"/>
+          </a:fontRef>
+        </p:style>
+        <p:txBody>
+          <a:bodyPr wrap="square" rtlCol="0">
+            <a:spAutoFit/>
+          </a:bodyPr>
+          <a:lstStyle/>
+          <a:p>
+            <a:pPr algn="ctr"/>
+            <a:r>
+              <a:rPr kumimoji="1" lang="en-US" altLang="ko-Kore-KR" dirty="0"/>
+              <a:t>1</a:t>
+            </a:r>
+            <a:endParaRPr kumimoji="1" lang="ko-Kore-KR" altLang="en-US" dirty="0"/>
+          </a:p>
+        </p:txBody>
+      </p:sp>
+      <p:sp>
+        <p:nvSpPr>
+          <p:cNvPr id="17" name="TextBox 16">
+            <a:extLst>
+              <a:ext uri="{FF2B5EF4-FFF2-40B4-BE49-F238E27FC236}">
+                <a16:creationId xmlns:a16="http://schemas.microsoft.com/office/drawing/2014/main" id="{81C48D07-D57B-2362-E23D-7D970BF63865}"/>
+              </a:ext>
+            </a:extLst>
+          </p:cNvPr>
+          <p:cNvSpPr txBox="1"/>
+          <p:nvPr/>
+        </p:nvSpPr>
+        <p:spPr>
+          <a:xfrm>
+            <a:off x="903666" y="5902797"/>
+            <a:ext cx="827999" cy="369332"/>
+          </a:xfrm>
+          <a:prstGeom prst="rect">
+            <a:avLst/>
+          </a:prstGeom>
+        </p:spPr>
+        <p:style>
+          <a:lnRef idx="1">
+            <a:schemeClr val="accent2"/>
+          </a:lnRef>
+          <a:fillRef idx="2">
+            <a:schemeClr val="accent2"/>
+          </a:fillRef>
+          <a:effectRef idx="1">
+            <a:schemeClr val="accent2"/>
+          </a:effectRef>
+          <a:fontRef idx="minor">
+            <a:schemeClr val="dk1"/>
+          </a:fontRef>
+        </p:style>
+        <p:txBody>
+          <a:bodyPr wrap="square" rtlCol="0">
+            <a:spAutoFit/>
+          </a:bodyPr>
+          <a:lstStyle/>
+          <a:p>
+            <a:pPr algn="ctr"/>
+            <a:r>
+              <a:rPr kumimoji="1" lang="en-US" altLang="ko-Kore-KR" dirty="0"/>
+              <a:t>Size</a:t>
+            </a:r>
+            <a:endParaRPr kumimoji="1" lang="ko-Kore-KR" altLang="en-US" dirty="0"/>
+          </a:p>
+        </p:txBody>
+      </p:sp>
+    </p:spTree>
+    <p:extLst>
+      <p:ext uri="{BB962C8B-B14F-4D97-AF65-F5344CB8AC3E}">
+        <p14:creationId xmlns:p14="http://schemas.microsoft.com/office/powerpoint/2010/main" val="363447555"/>
+      </p:ext>
+    </p:extLst>
+  </p:cSld>
+  <p:clrMapOvr>
+    <a:masterClrMapping/>
+  </p:clrMapOvr>
+</p:sld>
+</file>
+
+<file path=ppt/slides/slide6.xml><?xml version="1.0" encoding="utf-8"?>
+<p:sld xmlns:a="http://schemas.openxmlformats.org/drawingml/2006/main" xmlns:r="http://schemas.openxmlformats.org/officeDocument/2006/relationships" xmlns:p="http://schemas.openxmlformats.org/presentationml/2006/main">
+  <p:cSld>
+    <p:spTree>
+      <p:nvGrpSpPr>
+        <p:cNvPr id="1" name=""/>
+        <p:cNvGrpSpPr/>
+        <p:nvPr/>
+      </p:nvGrpSpPr>
+      <p:grpSpPr>
+        <a:xfrm>
+          <a:off x="0" y="0"/>
+          <a:ext cx="0" cy="0"/>
+          <a:chOff x="0" y="0"/>
+          <a:chExt cx="0" cy="0"/>
+        </a:xfrm>
+      </p:grpSpPr>
+      <p:sp>
+        <p:nvSpPr>
+          <p:cNvPr id="2" name="직사각형 1">
+            <a:extLst>
+              <a:ext uri="{FF2B5EF4-FFF2-40B4-BE49-F238E27FC236}">
+                <a16:creationId xmlns:a16="http://schemas.microsoft.com/office/drawing/2014/main" id="{5A43BC10-70AC-A3A3-86AC-39E0E47108AE}"/>
+              </a:ext>
+            </a:extLst>
+          </p:cNvPr>
+          <p:cNvSpPr/>
+          <p:nvPr/>
+        </p:nvSpPr>
+        <p:spPr>
+          <a:xfrm>
+            <a:off x="716976" y="2809316"/>
+            <a:ext cx="720000" cy="720000"/>
+          </a:xfrm>
+          <a:prstGeom prst="rect">
+            <a:avLst/>
+          </a:prstGeom>
+        </p:spPr>
+        <p:style>
+          <a:lnRef idx="2">
+            <a:schemeClr val="accent1">
+              <a:shade val="50000"/>
+            </a:schemeClr>
+          </a:lnRef>
+          <a:fillRef idx="1">
+            <a:schemeClr val="accent1"/>
+          </a:fillRef>
+          <a:effectRef idx="0">
+            <a:schemeClr val="accent1"/>
+          </a:effectRef>
+          <a:fontRef idx="minor">
+            <a:schemeClr val="lt1"/>
+          </a:fontRef>
+        </p:style>
+        <p:txBody>
+          <a:bodyPr rtlCol="0" anchor="ctr"/>
+          <a:lstStyle/>
+          <a:p>
+            <a:pPr algn="ctr"/>
+            <a:r>
+              <a:rPr kumimoji="1" lang="en-US" altLang="ko-Kore-KR" dirty="0"/>
+              <a:t>null</a:t>
+            </a:r>
+            <a:endParaRPr kumimoji="1" lang="ko-Kore-KR" altLang="en-US" dirty="0"/>
+          </a:p>
+        </p:txBody>
+      </p:sp>
+      <p:sp>
+        <p:nvSpPr>
+          <p:cNvPr id="4" name="직사각형 3">
+            <a:extLst>
+              <a:ext uri="{FF2B5EF4-FFF2-40B4-BE49-F238E27FC236}">
+                <a16:creationId xmlns:a16="http://schemas.microsoft.com/office/drawing/2014/main" id="{249501E6-9EDA-582D-A035-0801937A9352}"/>
+              </a:ext>
+            </a:extLst>
+          </p:cNvPr>
+          <p:cNvSpPr/>
+          <p:nvPr/>
+        </p:nvSpPr>
+        <p:spPr>
+          <a:xfrm>
+            <a:off x="1436975" y="2809316"/>
+            <a:ext cx="1080000" cy="720000"/>
+          </a:xfrm>
+          <a:prstGeom prst="rect">
+            <a:avLst/>
+          </a:prstGeom>
+        </p:spPr>
+        <p:style>
+          <a:lnRef idx="2">
+            <a:schemeClr val="accent1">
+              <a:shade val="50000"/>
+            </a:schemeClr>
+          </a:lnRef>
+          <a:fillRef idx="1">
+            <a:schemeClr val="accent1"/>
+          </a:fillRef>
+          <a:effectRef idx="0">
+            <a:schemeClr val="accent1"/>
+          </a:effectRef>
+          <a:fontRef idx="minor">
+            <a:schemeClr val="lt1"/>
+          </a:fontRef>
+        </p:style>
+        <p:txBody>
+          <a:bodyPr rtlCol="0" anchor="ctr"/>
+          <a:lstStyle/>
+          <a:p>
+            <a:pPr algn="ctr"/>
+            <a:r>
+              <a:rPr kumimoji="1" lang="en-US" altLang="ko-Kore-KR" dirty="0"/>
+              <a:t>“</a:t>
+            </a:r>
+            <a:r>
+              <a:rPr kumimoji="1" lang="ko-KR" altLang="en-US" dirty="0"/>
+              <a:t>홍길동</a:t>
+            </a:r>
+            <a:r>
+              <a:rPr kumimoji="1" lang="en-US" altLang="ko-Kore-KR" dirty="0"/>
+              <a:t>”</a:t>
+            </a:r>
+            <a:endParaRPr kumimoji="1" lang="ko-Kore-KR" altLang="en-US" dirty="0"/>
+          </a:p>
+        </p:txBody>
+      </p:sp>
+      <p:sp>
+        <p:nvSpPr>
+          <p:cNvPr id="6" name="직사각형 5">
+            <a:extLst>
+              <a:ext uri="{FF2B5EF4-FFF2-40B4-BE49-F238E27FC236}">
+                <a16:creationId xmlns:a16="http://schemas.microsoft.com/office/drawing/2014/main" id="{046AE4CB-A81F-23F2-96F0-4792CCAC8F6D}"/>
+              </a:ext>
+            </a:extLst>
+          </p:cNvPr>
+          <p:cNvSpPr/>
+          <p:nvPr/>
+        </p:nvSpPr>
+        <p:spPr>
+          <a:xfrm>
+            <a:off x="2520150" y="2815666"/>
+            <a:ext cx="720000" cy="720000"/>
+          </a:xfrm>
+          <a:prstGeom prst="rect">
+            <a:avLst/>
+          </a:prstGeom>
+        </p:spPr>
+        <p:style>
+          <a:lnRef idx="2">
+            <a:schemeClr val="accent1">
+              <a:shade val="50000"/>
+            </a:schemeClr>
+          </a:lnRef>
+          <a:fillRef idx="1">
+            <a:schemeClr val="accent1"/>
+          </a:fillRef>
+          <a:effectRef idx="0">
+            <a:schemeClr val="accent1"/>
+          </a:effectRef>
+          <a:fontRef idx="minor">
+            <a:schemeClr val="lt1"/>
+          </a:fontRef>
+        </p:style>
+        <p:txBody>
+          <a:bodyPr rtlCol="0" anchor="ctr"/>
+          <a:lstStyle/>
+          <a:p>
+            <a:pPr algn="ctr"/>
+            <a:r>
+              <a:rPr kumimoji="1" lang="en-US" altLang="ko-Kore-KR" dirty="0"/>
+              <a:t>200</a:t>
+            </a:r>
+            <a:endParaRPr kumimoji="1" lang="ko-Kore-KR" altLang="en-US" dirty="0"/>
+          </a:p>
+        </p:txBody>
+      </p:sp>
+      <p:sp>
+        <p:nvSpPr>
+          <p:cNvPr id="7" name="TextBox 6">
+            <a:extLst>
+              <a:ext uri="{FF2B5EF4-FFF2-40B4-BE49-F238E27FC236}">
+                <a16:creationId xmlns:a16="http://schemas.microsoft.com/office/drawing/2014/main" id="{2A8F9331-1C65-D04E-4D6B-4038CCEF2B1D}"/>
+              </a:ext>
+            </a:extLst>
+          </p:cNvPr>
+          <p:cNvSpPr txBox="1"/>
+          <p:nvPr/>
+        </p:nvSpPr>
+        <p:spPr>
+          <a:xfrm>
+            <a:off x="972151" y="2109052"/>
+            <a:ext cx="798786" cy="369332"/>
+          </a:xfrm>
+          <a:prstGeom prst="rect">
+            <a:avLst/>
+          </a:prstGeom>
+        </p:spPr>
+        <p:style>
+          <a:lnRef idx="2">
+            <a:schemeClr val="accent1"/>
+          </a:lnRef>
+          <a:fillRef idx="1">
+            <a:schemeClr val="lt1"/>
+          </a:fillRef>
+          <a:effectRef idx="0">
+            <a:schemeClr val="accent1"/>
+          </a:effectRef>
+          <a:fontRef idx="minor">
+            <a:schemeClr val="dk1"/>
+          </a:fontRef>
+        </p:style>
+        <p:txBody>
+          <a:bodyPr wrap="square" rtlCol="0">
+            <a:spAutoFit/>
+          </a:bodyPr>
+          <a:lstStyle/>
+          <a:p>
+            <a:pPr algn="ctr"/>
+            <a:r>
+              <a:rPr kumimoji="1" lang="en-US" altLang="ko-Kore-KR" dirty="0"/>
+              <a:t>100</a:t>
+            </a:r>
+            <a:endParaRPr kumimoji="1" lang="ko-Kore-KR" altLang="en-US" dirty="0"/>
+          </a:p>
+        </p:txBody>
+      </p:sp>
+      <p:sp>
+        <p:nvSpPr>
+          <p:cNvPr id="10" name="TextBox 9">
+            <a:extLst>
+              <a:ext uri="{FF2B5EF4-FFF2-40B4-BE49-F238E27FC236}">
+                <a16:creationId xmlns:a16="http://schemas.microsoft.com/office/drawing/2014/main" id="{D30FB650-7604-2A5F-B30D-063600A7DD9C}"/>
+              </a:ext>
+            </a:extLst>
+          </p:cNvPr>
+          <p:cNvSpPr txBox="1"/>
+          <p:nvPr/>
+        </p:nvSpPr>
+        <p:spPr>
+          <a:xfrm>
+            <a:off x="3638407" y="2109052"/>
+            <a:ext cx="798786" cy="369332"/>
+          </a:xfrm>
+          <a:prstGeom prst="rect">
+            <a:avLst/>
+          </a:prstGeom>
+        </p:spPr>
+        <p:style>
+          <a:lnRef idx="2">
+            <a:schemeClr val="accent1"/>
+          </a:lnRef>
+          <a:fillRef idx="1">
+            <a:schemeClr val="lt1"/>
+          </a:fillRef>
+          <a:effectRef idx="0">
+            <a:schemeClr val="accent1"/>
+          </a:effectRef>
+          <a:fontRef idx="minor">
+            <a:schemeClr val="dk1"/>
+          </a:fontRef>
+        </p:style>
+        <p:txBody>
+          <a:bodyPr wrap="square" rtlCol="0">
+            <a:spAutoFit/>
+          </a:bodyPr>
+          <a:lstStyle/>
+          <a:p>
+            <a:pPr algn="ctr"/>
+            <a:r>
+              <a:rPr kumimoji="1" lang="en-US" altLang="ko-Kore-KR" dirty="0"/>
+              <a:t>200</a:t>
+            </a:r>
+            <a:endParaRPr kumimoji="1" lang="ko-Kore-KR" altLang="en-US" dirty="0"/>
+          </a:p>
+        </p:txBody>
+      </p:sp>
+      <p:sp>
+        <p:nvSpPr>
+          <p:cNvPr id="24" name="직사각형 23">
+            <a:extLst>
+              <a:ext uri="{FF2B5EF4-FFF2-40B4-BE49-F238E27FC236}">
+                <a16:creationId xmlns:a16="http://schemas.microsoft.com/office/drawing/2014/main" id="{9D83C100-380B-2529-0104-5C8E7A2C302D}"/>
+              </a:ext>
+            </a:extLst>
+          </p:cNvPr>
+          <p:cNvSpPr/>
+          <p:nvPr/>
+        </p:nvSpPr>
+        <p:spPr>
+          <a:xfrm>
+            <a:off x="3638407" y="2815666"/>
+            <a:ext cx="720000" cy="720000"/>
+          </a:xfrm>
+          <a:prstGeom prst="rect">
+            <a:avLst/>
+          </a:prstGeom>
+        </p:spPr>
+        <p:style>
+          <a:lnRef idx="2">
+            <a:schemeClr val="accent1">
+              <a:shade val="50000"/>
+            </a:schemeClr>
+          </a:lnRef>
+          <a:fillRef idx="1">
+            <a:schemeClr val="accent1"/>
+          </a:fillRef>
+          <a:effectRef idx="0">
+            <a:schemeClr val="accent1"/>
+          </a:effectRef>
+          <a:fontRef idx="minor">
+            <a:schemeClr val="lt1"/>
+          </a:fontRef>
+        </p:style>
+        <p:txBody>
+          <a:bodyPr rtlCol="0" anchor="ctr"/>
+          <a:lstStyle/>
+          <a:p>
+            <a:pPr algn="ctr"/>
+            <a:r>
+              <a:rPr kumimoji="1" lang="en-US" altLang="ko-Kore-KR" dirty="0"/>
+              <a:t>100</a:t>
+            </a:r>
+            <a:endParaRPr kumimoji="1" lang="ko-Kore-KR" altLang="en-US" dirty="0"/>
+          </a:p>
+        </p:txBody>
+      </p:sp>
+      <p:sp>
+        <p:nvSpPr>
+          <p:cNvPr id="25" name="직사각형 24">
+            <a:extLst>
+              <a:ext uri="{FF2B5EF4-FFF2-40B4-BE49-F238E27FC236}">
+                <a16:creationId xmlns:a16="http://schemas.microsoft.com/office/drawing/2014/main" id="{ED33EC7A-4BF4-DE2A-47C7-360C1C75F7B4}"/>
+              </a:ext>
+            </a:extLst>
+          </p:cNvPr>
+          <p:cNvSpPr/>
+          <p:nvPr/>
+        </p:nvSpPr>
+        <p:spPr>
+          <a:xfrm>
+            <a:off x="4358406" y="2815666"/>
+            <a:ext cx="1080000" cy="720000"/>
+          </a:xfrm>
+          <a:prstGeom prst="rect">
+            <a:avLst/>
+          </a:prstGeom>
+        </p:spPr>
+        <p:style>
+          <a:lnRef idx="2">
+            <a:schemeClr val="accent1">
+              <a:shade val="50000"/>
+            </a:schemeClr>
+          </a:lnRef>
+          <a:fillRef idx="1">
+            <a:schemeClr val="accent1"/>
+          </a:fillRef>
+          <a:effectRef idx="0">
+            <a:schemeClr val="accent1"/>
+          </a:effectRef>
+          <a:fontRef idx="minor">
+            <a:schemeClr val="lt1"/>
+          </a:fontRef>
+        </p:style>
+        <p:txBody>
+          <a:bodyPr rtlCol="0" anchor="ctr"/>
+          <a:lstStyle/>
+          <a:p>
+            <a:pPr algn="ctr"/>
+            <a:r>
+              <a:rPr kumimoji="1" lang="en-US" altLang="ko-Kore-KR" dirty="0"/>
+              <a:t>“</a:t>
+            </a:r>
+            <a:r>
+              <a:rPr kumimoji="1" lang="ko-KR" altLang="en-US" dirty="0"/>
+              <a:t>임꺽정</a:t>
+            </a:r>
+            <a:r>
+              <a:rPr kumimoji="1" lang="en-US" altLang="ko-Kore-KR" dirty="0"/>
+              <a:t>”</a:t>
+            </a:r>
+            <a:endParaRPr kumimoji="1" lang="ko-Kore-KR" altLang="en-US" dirty="0"/>
+          </a:p>
+        </p:txBody>
+      </p:sp>
+      <p:cxnSp>
+        <p:nvCxnSpPr>
+          <p:cNvPr id="35" name="구부러진 연결선[U] 34">
+            <a:extLst>
+              <a:ext uri="{FF2B5EF4-FFF2-40B4-BE49-F238E27FC236}">
+                <a16:creationId xmlns:a16="http://schemas.microsoft.com/office/drawing/2014/main" id="{641F6A39-9D78-94D2-FCB8-8298A627EFFF}"/>
+              </a:ext>
+            </a:extLst>
+          </p:cNvPr>
+          <p:cNvCxnSpPr>
+            <a:stCxn id="24" idx="2"/>
+            <a:endCxn id="6" idx="2"/>
+          </p:cNvCxnSpPr>
+          <p:nvPr/>
+        </p:nvCxnSpPr>
+        <p:spPr>
+          <a:xfrm rot="5400000">
+            <a:off x="3439279" y="2976538"/>
+            <a:ext cx="12700" cy="1118257"/>
+          </a:xfrm>
+          <a:prstGeom prst="curvedConnector3">
+            <a:avLst>
+              <a:gd name="adj1" fmla="val 1800000"/>
+            </a:avLst>
+          </a:prstGeom>
+          <a:ln>
+            <a:tailEnd type="triangle"/>
+          </a:ln>
+        </p:spPr>
+        <p:style>
+          <a:lnRef idx="3">
+            <a:schemeClr val="accent1"/>
+          </a:lnRef>
+          <a:fillRef idx="0">
+            <a:schemeClr val="accent1"/>
+          </a:fillRef>
+          <a:effectRef idx="2">
+            <a:schemeClr val="accent1"/>
+          </a:effectRef>
+          <a:fontRef idx="minor">
+            <a:schemeClr val="tx1"/>
+          </a:fontRef>
+        </p:style>
+      </p:cxnSp>
+      <p:cxnSp>
+        <p:nvCxnSpPr>
+          <p:cNvPr id="36" name="구부러진 연결선[U] 35">
+            <a:extLst>
+              <a:ext uri="{FF2B5EF4-FFF2-40B4-BE49-F238E27FC236}">
+                <a16:creationId xmlns:a16="http://schemas.microsoft.com/office/drawing/2014/main" id="{D123C7A9-124E-8763-A8BC-D3731413CD76}"/>
+              </a:ext>
+            </a:extLst>
+          </p:cNvPr>
+          <p:cNvCxnSpPr>
+            <a:cxnSpLocks/>
+            <a:stCxn id="6" idx="0"/>
+            <a:endCxn id="24" idx="0"/>
+          </p:cNvCxnSpPr>
+          <p:nvPr/>
+        </p:nvCxnSpPr>
+        <p:spPr>
+          <a:xfrm rot="5400000" flipH="1" flipV="1">
+            <a:off x="3439278" y="2256538"/>
+            <a:ext cx="12700" cy="1118257"/>
+          </a:xfrm>
+          <a:prstGeom prst="curvedConnector3">
+            <a:avLst>
+              <a:gd name="adj1" fmla="val 1800000"/>
+            </a:avLst>
+          </a:prstGeom>
+          <a:ln>
+            <a:tailEnd type="triangle"/>
+          </a:ln>
+        </p:spPr>
+        <p:style>
+          <a:lnRef idx="3">
+            <a:schemeClr val="accent1"/>
+          </a:lnRef>
+          <a:fillRef idx="0">
+            <a:schemeClr val="accent1"/>
+          </a:fillRef>
+          <a:effectRef idx="2">
+            <a:schemeClr val="accent1"/>
+          </a:effectRef>
+          <a:fontRef idx="minor">
+            <a:schemeClr val="tx1"/>
+          </a:fontRef>
+        </p:style>
+      </p:cxnSp>
+      <p:sp>
+        <p:nvSpPr>
+          <p:cNvPr id="46" name="TextBox 45">
+            <a:extLst>
+              <a:ext uri="{FF2B5EF4-FFF2-40B4-BE49-F238E27FC236}">
+                <a16:creationId xmlns:a16="http://schemas.microsoft.com/office/drawing/2014/main" id="{CE84FD0B-28EE-3E66-1110-46595726ADAC}"/>
+              </a:ext>
+            </a:extLst>
+          </p:cNvPr>
+          <p:cNvSpPr txBox="1"/>
+          <p:nvPr/>
+        </p:nvSpPr>
+        <p:spPr>
+          <a:xfrm>
+            <a:off x="1692151" y="4100681"/>
+            <a:ext cx="827999" cy="369332"/>
+          </a:xfrm>
+          <a:prstGeom prst="rect">
+            <a:avLst/>
+          </a:prstGeom>
+        </p:spPr>
+        <p:style>
+          <a:lnRef idx="1">
+            <a:schemeClr val="accent1"/>
+          </a:lnRef>
+          <a:fillRef idx="2">
+            <a:schemeClr val="accent1"/>
+          </a:fillRef>
+          <a:effectRef idx="1">
+            <a:schemeClr val="accent1"/>
+          </a:effectRef>
+          <a:fontRef idx="minor">
+            <a:schemeClr val="dk1"/>
+          </a:fontRef>
+        </p:style>
+        <p:txBody>
+          <a:bodyPr wrap="square" rtlCol="0">
+            <a:spAutoFit/>
+          </a:bodyPr>
+          <a:lstStyle/>
+          <a:p>
+            <a:pPr algn="ctr"/>
+            <a:r>
+              <a:rPr kumimoji="1" lang="en-US" altLang="ko-Kore-KR" dirty="0"/>
+              <a:t>Head</a:t>
+            </a:r>
+            <a:endParaRPr kumimoji="1" lang="ko-Kore-KR" altLang="en-US" dirty="0"/>
+          </a:p>
+        </p:txBody>
+      </p:sp>
+      <p:sp>
+        <p:nvSpPr>
+          <p:cNvPr id="47" name="위쪽 화살표[U] 46">
+            <a:extLst>
+              <a:ext uri="{FF2B5EF4-FFF2-40B4-BE49-F238E27FC236}">
+                <a16:creationId xmlns:a16="http://schemas.microsoft.com/office/drawing/2014/main" id="{0A948F97-C174-977B-C777-DB15E2D34031}"/>
+              </a:ext>
+            </a:extLst>
+          </p:cNvPr>
+          <p:cNvSpPr/>
+          <p:nvPr/>
+        </p:nvSpPr>
+        <p:spPr>
+          <a:xfrm>
+            <a:off x="1929958" y="3603681"/>
+            <a:ext cx="284893" cy="497000"/>
+          </a:xfrm>
+          <a:prstGeom prst="upArrow">
+            <a:avLst/>
+          </a:prstGeom>
+        </p:spPr>
+        <p:style>
+          <a:lnRef idx="1">
+            <a:schemeClr val="accent1"/>
+          </a:lnRef>
+          <a:fillRef idx="2">
+            <a:schemeClr val="accent1"/>
+          </a:fillRef>
+          <a:effectRef idx="1">
+            <a:schemeClr val="accent1"/>
+          </a:effectRef>
+          <a:fontRef idx="minor">
+            <a:schemeClr val="dk1"/>
+          </a:fontRef>
+        </p:style>
+        <p:txBody>
+          <a:bodyPr rtlCol="0" anchor="ctr"/>
+          <a:lstStyle/>
+          <a:p>
+            <a:pPr algn="ctr"/>
+            <a:endParaRPr kumimoji="1" lang="ko-Kore-KR" altLang="en-US"/>
+          </a:p>
+        </p:txBody>
+      </p:sp>
+      <p:sp>
+        <p:nvSpPr>
+          <p:cNvPr id="48" name="TextBox 47">
+            <a:extLst>
+              <a:ext uri="{FF2B5EF4-FFF2-40B4-BE49-F238E27FC236}">
+                <a16:creationId xmlns:a16="http://schemas.microsoft.com/office/drawing/2014/main" id="{0F5D4C56-BBF4-D86E-6883-AD0AAF4ADF8F}"/>
+              </a:ext>
+            </a:extLst>
+          </p:cNvPr>
+          <p:cNvSpPr txBox="1"/>
+          <p:nvPr/>
+        </p:nvSpPr>
+        <p:spPr>
+          <a:xfrm>
+            <a:off x="4175963" y="4130706"/>
+            <a:ext cx="827999" cy="369332"/>
+          </a:xfrm>
+          <a:prstGeom prst="rect">
+            <a:avLst/>
+          </a:prstGeom>
+        </p:spPr>
+        <p:style>
+          <a:lnRef idx="1">
+            <a:schemeClr val="accent1"/>
+          </a:lnRef>
+          <a:fillRef idx="2">
+            <a:schemeClr val="accent1"/>
+          </a:fillRef>
+          <a:effectRef idx="1">
+            <a:schemeClr val="accent1"/>
+          </a:effectRef>
+          <a:fontRef idx="minor">
+            <a:schemeClr val="dk1"/>
+          </a:fontRef>
+        </p:style>
+        <p:txBody>
+          <a:bodyPr wrap="square" rtlCol="0">
+            <a:spAutoFit/>
+          </a:bodyPr>
+          <a:lstStyle/>
+          <a:p>
+            <a:pPr algn="ctr"/>
+            <a:r>
+              <a:rPr kumimoji="1" lang="en-US" altLang="ko-Kore-KR" dirty="0"/>
+              <a:t>Tail</a:t>
+            </a:r>
+            <a:endParaRPr kumimoji="1" lang="ko-Kore-KR" altLang="en-US" dirty="0"/>
+          </a:p>
+        </p:txBody>
+      </p:sp>
+      <p:sp>
+        <p:nvSpPr>
+          <p:cNvPr id="49" name="위쪽 화살표[U] 48">
+            <a:extLst>
+              <a:ext uri="{FF2B5EF4-FFF2-40B4-BE49-F238E27FC236}">
+                <a16:creationId xmlns:a16="http://schemas.microsoft.com/office/drawing/2014/main" id="{3D808A37-CBF6-9CBE-E6FD-A6689712EE5F}"/>
+              </a:ext>
+            </a:extLst>
+          </p:cNvPr>
+          <p:cNvSpPr/>
+          <p:nvPr/>
+        </p:nvSpPr>
+        <p:spPr>
+          <a:xfrm>
+            <a:off x="4413770" y="3633706"/>
+            <a:ext cx="284893" cy="497000"/>
+          </a:xfrm>
+          <a:prstGeom prst="upArrow">
+            <a:avLst/>
+          </a:prstGeom>
+        </p:spPr>
+        <p:style>
+          <a:lnRef idx="1">
+            <a:schemeClr val="accent1"/>
+          </a:lnRef>
+          <a:fillRef idx="2">
+            <a:schemeClr val="accent1"/>
+          </a:fillRef>
+          <a:effectRef idx="1">
+            <a:schemeClr val="accent1"/>
+          </a:effectRef>
+          <a:fontRef idx="minor">
+            <a:schemeClr val="dk1"/>
+          </a:fontRef>
+        </p:style>
+        <p:txBody>
+          <a:bodyPr rtlCol="0" anchor="ctr"/>
+          <a:lstStyle/>
+          <a:p>
+            <a:pPr algn="ctr"/>
+            <a:endParaRPr kumimoji="1" lang="ko-Kore-KR" altLang="en-US"/>
+          </a:p>
+        </p:txBody>
+      </p:sp>
+      <p:sp>
+        <p:nvSpPr>
+          <p:cNvPr id="11" name="TextBox 10">
+            <a:extLst>
+              <a:ext uri="{FF2B5EF4-FFF2-40B4-BE49-F238E27FC236}">
+                <a16:creationId xmlns:a16="http://schemas.microsoft.com/office/drawing/2014/main" id="{DC0C0B81-7A05-AFD8-3890-040EA290CCAE}"/>
+              </a:ext>
+            </a:extLst>
+          </p:cNvPr>
+          <p:cNvSpPr txBox="1"/>
+          <p:nvPr/>
+        </p:nvSpPr>
+        <p:spPr>
+          <a:xfrm>
+            <a:off x="5003962" y="4725746"/>
+            <a:ext cx="798786" cy="369332"/>
+          </a:xfrm>
+          <a:prstGeom prst="rect">
+            <a:avLst/>
+          </a:prstGeom>
+        </p:spPr>
+        <p:style>
+          <a:lnRef idx="2">
+            <a:schemeClr val="accent2"/>
+          </a:lnRef>
+          <a:fillRef idx="1">
+            <a:schemeClr val="lt1"/>
+          </a:fillRef>
+          <a:effectRef idx="0">
+            <a:schemeClr val="accent2"/>
+          </a:effectRef>
+          <a:fontRef idx="minor">
+            <a:schemeClr val="dk1"/>
+          </a:fontRef>
+        </p:style>
+        <p:txBody>
+          <a:bodyPr wrap="square" rtlCol="0">
+            <a:spAutoFit/>
+          </a:bodyPr>
+          <a:lstStyle/>
+          <a:p>
+            <a:pPr algn="ctr"/>
+            <a:r>
+              <a:rPr kumimoji="1" lang="en-US" altLang="ko-Kore-KR" dirty="0"/>
+              <a:t>100</a:t>
+            </a:r>
+            <a:endParaRPr kumimoji="1" lang="ko-Kore-KR" altLang="en-US" dirty="0"/>
+          </a:p>
+        </p:txBody>
+      </p:sp>
+      <p:sp>
+        <p:nvSpPr>
+          <p:cNvPr id="12" name="TextBox 11">
+            <a:extLst>
+              <a:ext uri="{FF2B5EF4-FFF2-40B4-BE49-F238E27FC236}">
+                <a16:creationId xmlns:a16="http://schemas.microsoft.com/office/drawing/2014/main" id="{C47D9725-EFE3-DCC1-5622-390A1E2529E7}"/>
+              </a:ext>
+            </a:extLst>
+          </p:cNvPr>
+          <p:cNvSpPr txBox="1"/>
+          <p:nvPr/>
+        </p:nvSpPr>
+        <p:spPr>
+          <a:xfrm>
+            <a:off x="4175963" y="4717781"/>
+            <a:ext cx="827999" cy="369332"/>
+          </a:xfrm>
+          <a:prstGeom prst="rect">
+            <a:avLst/>
+          </a:prstGeom>
+        </p:spPr>
+        <p:style>
+          <a:lnRef idx="1">
+            <a:schemeClr val="accent2"/>
+          </a:lnRef>
+          <a:fillRef idx="2">
+            <a:schemeClr val="accent2"/>
+          </a:fillRef>
+          <a:effectRef idx="1">
+            <a:schemeClr val="accent2"/>
+          </a:effectRef>
+          <a:fontRef idx="minor">
+            <a:schemeClr val="dk1"/>
+          </a:fontRef>
+        </p:style>
+        <p:txBody>
+          <a:bodyPr wrap="square" rtlCol="0">
+            <a:spAutoFit/>
+          </a:bodyPr>
+          <a:lstStyle/>
+          <a:p>
+            <a:pPr algn="ctr"/>
+            <a:r>
+              <a:rPr kumimoji="1" lang="en-US" altLang="ko-Kore-KR" dirty="0"/>
+              <a:t>Head</a:t>
+            </a:r>
+            <a:endParaRPr kumimoji="1" lang="ko-Kore-KR" altLang="en-US" dirty="0"/>
+          </a:p>
+        </p:txBody>
+      </p:sp>
+      <p:sp>
+        <p:nvSpPr>
+          <p:cNvPr id="13" name="TextBox 12">
+            <a:extLst>
+              <a:ext uri="{FF2B5EF4-FFF2-40B4-BE49-F238E27FC236}">
+                <a16:creationId xmlns:a16="http://schemas.microsoft.com/office/drawing/2014/main" id="{08DE8E47-9EEA-198B-2C3D-D7CEEB03B44B}"/>
+              </a:ext>
+            </a:extLst>
+          </p:cNvPr>
+          <p:cNvSpPr txBox="1"/>
+          <p:nvPr/>
+        </p:nvSpPr>
+        <p:spPr>
+          <a:xfrm>
+            <a:off x="5005969" y="5289146"/>
+            <a:ext cx="798786" cy="369332"/>
+          </a:xfrm>
+          <a:prstGeom prst="rect">
+            <a:avLst/>
+          </a:prstGeom>
+        </p:spPr>
+        <p:style>
+          <a:lnRef idx="2">
+            <a:schemeClr val="accent2"/>
+          </a:lnRef>
+          <a:fillRef idx="1">
+            <a:schemeClr val="lt1"/>
+          </a:fillRef>
+          <a:effectRef idx="0">
+            <a:schemeClr val="accent2"/>
+          </a:effectRef>
+          <a:fontRef idx="minor">
+            <a:schemeClr val="dk1"/>
+          </a:fontRef>
+        </p:style>
+        <p:txBody>
+          <a:bodyPr wrap="square" rtlCol="0">
+            <a:spAutoFit/>
+          </a:bodyPr>
+          <a:lstStyle/>
+          <a:p>
+            <a:pPr algn="ctr"/>
+            <a:r>
+              <a:rPr kumimoji="1" lang="en-US" altLang="ko-Kore-KR" dirty="0"/>
+              <a:t>200</a:t>
+            </a:r>
+            <a:endParaRPr kumimoji="1" lang="ko-Kore-KR" altLang="en-US" dirty="0"/>
+          </a:p>
+        </p:txBody>
+      </p:sp>
+      <p:sp>
+        <p:nvSpPr>
+          <p:cNvPr id="14" name="TextBox 13">
+            <a:extLst>
+              <a:ext uri="{FF2B5EF4-FFF2-40B4-BE49-F238E27FC236}">
+                <a16:creationId xmlns:a16="http://schemas.microsoft.com/office/drawing/2014/main" id="{29FD7D16-03A3-6EE3-33E6-15AACB38B59D}"/>
+              </a:ext>
+            </a:extLst>
+          </p:cNvPr>
+          <p:cNvSpPr txBox="1"/>
+          <p:nvPr/>
+        </p:nvSpPr>
+        <p:spPr>
+          <a:xfrm>
+            <a:off x="4175963" y="5289146"/>
+            <a:ext cx="827999" cy="369332"/>
+          </a:xfrm>
+          <a:prstGeom prst="rect">
+            <a:avLst/>
+          </a:prstGeom>
+        </p:spPr>
+        <p:style>
+          <a:lnRef idx="1">
+            <a:schemeClr val="accent2"/>
+          </a:lnRef>
+          <a:fillRef idx="2">
+            <a:schemeClr val="accent2"/>
+          </a:fillRef>
+          <a:effectRef idx="1">
+            <a:schemeClr val="accent2"/>
+          </a:effectRef>
+          <a:fontRef idx="minor">
+            <a:schemeClr val="dk1"/>
+          </a:fontRef>
+        </p:style>
+        <p:txBody>
+          <a:bodyPr wrap="square" rtlCol="0">
+            <a:spAutoFit/>
+          </a:bodyPr>
+          <a:lstStyle/>
+          <a:p>
+            <a:pPr algn="ctr"/>
+            <a:r>
+              <a:rPr kumimoji="1" lang="en-US" altLang="ko-Kore-KR" dirty="0"/>
+              <a:t>Tail</a:t>
+            </a:r>
+            <a:endParaRPr kumimoji="1" lang="ko-Kore-KR" altLang="en-US" dirty="0"/>
+          </a:p>
+        </p:txBody>
+      </p:sp>
+      <p:sp>
+        <p:nvSpPr>
+          <p:cNvPr id="15" name="TextBox 14">
+            <a:extLst>
+              <a:ext uri="{FF2B5EF4-FFF2-40B4-BE49-F238E27FC236}">
+                <a16:creationId xmlns:a16="http://schemas.microsoft.com/office/drawing/2014/main" id="{DD04D861-D1CB-AD57-B448-25DEB3DB41E3}"/>
+              </a:ext>
+            </a:extLst>
+          </p:cNvPr>
+          <p:cNvSpPr txBox="1"/>
+          <p:nvPr/>
+        </p:nvSpPr>
+        <p:spPr>
+          <a:xfrm>
+            <a:off x="5003962" y="5854161"/>
+            <a:ext cx="798786" cy="369332"/>
+          </a:xfrm>
+          <a:prstGeom prst="rect">
+            <a:avLst/>
+          </a:prstGeom>
+        </p:spPr>
+        <p:style>
+          <a:lnRef idx="2">
+            <a:schemeClr val="accent2"/>
+          </a:lnRef>
+          <a:fillRef idx="1">
+            <a:schemeClr val="lt1"/>
+          </a:fillRef>
+          <a:effectRef idx="0">
+            <a:schemeClr val="accent2"/>
+          </a:effectRef>
+          <a:fontRef idx="minor">
+            <a:schemeClr val="dk1"/>
+          </a:fontRef>
+        </p:style>
+        <p:txBody>
+          <a:bodyPr wrap="square" rtlCol="0">
+            <a:spAutoFit/>
+          </a:bodyPr>
+          <a:lstStyle/>
+          <a:p>
+            <a:pPr algn="ctr"/>
+            <a:r>
+              <a:rPr kumimoji="1" lang="en-US" altLang="ko-Kore-KR" dirty="0"/>
+              <a:t>2</a:t>
+            </a:r>
+            <a:endParaRPr kumimoji="1" lang="ko-Kore-KR" altLang="en-US" dirty="0"/>
+          </a:p>
+        </p:txBody>
+      </p:sp>
+      <p:sp>
+        <p:nvSpPr>
+          <p:cNvPr id="17" name="TextBox 16">
+            <a:extLst>
+              <a:ext uri="{FF2B5EF4-FFF2-40B4-BE49-F238E27FC236}">
+                <a16:creationId xmlns:a16="http://schemas.microsoft.com/office/drawing/2014/main" id="{81C48D07-D57B-2362-E23D-7D970BF63865}"/>
+              </a:ext>
+            </a:extLst>
+          </p:cNvPr>
+          <p:cNvSpPr txBox="1"/>
+          <p:nvPr/>
+        </p:nvSpPr>
+        <p:spPr>
+          <a:xfrm>
+            <a:off x="4175963" y="5846196"/>
+            <a:ext cx="827999" cy="369332"/>
+          </a:xfrm>
+          <a:prstGeom prst="rect">
+            <a:avLst/>
+          </a:prstGeom>
+        </p:spPr>
+        <p:style>
+          <a:lnRef idx="1">
+            <a:schemeClr val="accent2"/>
+          </a:lnRef>
+          <a:fillRef idx="2">
+            <a:schemeClr val="accent2"/>
+          </a:fillRef>
+          <a:effectRef idx="1">
+            <a:schemeClr val="accent2"/>
+          </a:effectRef>
+          <a:fontRef idx="minor">
+            <a:schemeClr val="dk1"/>
+          </a:fontRef>
+        </p:style>
+        <p:txBody>
+          <a:bodyPr wrap="square" rtlCol="0">
+            <a:spAutoFit/>
+          </a:bodyPr>
+          <a:lstStyle/>
+          <a:p>
+            <a:pPr algn="ctr"/>
+            <a:r>
+              <a:rPr kumimoji="1" lang="en-US" altLang="ko-Kore-KR" dirty="0"/>
+              <a:t>Size</a:t>
+            </a:r>
+            <a:endParaRPr kumimoji="1" lang="ko-Kore-KR" altLang="en-US" dirty="0"/>
+          </a:p>
+        </p:txBody>
+      </p:sp>
+    </p:spTree>
+    <p:extLst>
+      <p:ext uri="{BB962C8B-B14F-4D97-AF65-F5344CB8AC3E}">
+        <p14:creationId xmlns:p14="http://schemas.microsoft.com/office/powerpoint/2010/main" val="109534940"/>
+      </p:ext>
+    </p:extLst>
+  </p:cSld>
+  <p:clrMapOvr>
+    <a:masterClrMapping/>
+  </p:clrMapOvr>
+</p:sld>
+</file>
+
+<file path=ppt/slides/slide7.xml><?xml version="1.0" encoding="utf-8"?>
+<p:sld xmlns:a="http://schemas.openxmlformats.org/drawingml/2006/main" xmlns:r="http://schemas.openxmlformats.org/officeDocument/2006/relationships" xmlns:p="http://schemas.openxmlformats.org/presentationml/2006/main">
+  <p:cSld>
+    <p:spTree>
+      <p:nvGrpSpPr>
+        <p:cNvPr id="1" name=""/>
+        <p:cNvGrpSpPr/>
+        <p:nvPr/>
+      </p:nvGrpSpPr>
+      <p:grpSpPr>
+        <a:xfrm>
+          <a:off x="0" y="0"/>
+          <a:ext cx="0" cy="0"/>
+          <a:chOff x="0" y="0"/>
+          <a:chExt cx="0" cy="0"/>
+        </a:xfrm>
+      </p:grpSpPr>
+      <p:sp>
+        <p:nvSpPr>
+          <p:cNvPr id="2" name="직사각형 1">
+            <a:extLst>
+              <a:ext uri="{FF2B5EF4-FFF2-40B4-BE49-F238E27FC236}">
+                <a16:creationId xmlns:a16="http://schemas.microsoft.com/office/drawing/2014/main" id="{5A43BC10-70AC-A3A3-86AC-39E0E47108AE}"/>
+              </a:ext>
+            </a:extLst>
+          </p:cNvPr>
+          <p:cNvSpPr/>
+          <p:nvPr/>
+        </p:nvSpPr>
+        <p:spPr>
+          <a:xfrm>
+            <a:off x="716976" y="2809316"/>
+            <a:ext cx="720000" cy="720000"/>
+          </a:xfrm>
+          <a:prstGeom prst="rect">
+            <a:avLst/>
+          </a:prstGeom>
+        </p:spPr>
+        <p:style>
+          <a:lnRef idx="2">
+            <a:schemeClr val="accent1">
+              <a:shade val="50000"/>
+            </a:schemeClr>
+          </a:lnRef>
+          <a:fillRef idx="1">
+            <a:schemeClr val="accent1"/>
+          </a:fillRef>
+          <a:effectRef idx="0">
+            <a:schemeClr val="accent1"/>
+          </a:effectRef>
+          <a:fontRef idx="minor">
+            <a:schemeClr val="lt1"/>
+          </a:fontRef>
+        </p:style>
+        <p:txBody>
+          <a:bodyPr rtlCol="0" anchor="ctr"/>
+          <a:lstStyle/>
+          <a:p>
+            <a:pPr algn="ctr"/>
+            <a:r>
+              <a:rPr kumimoji="1" lang="en-US" altLang="ko-Kore-KR" dirty="0"/>
+              <a:t>null</a:t>
+            </a:r>
+            <a:endParaRPr kumimoji="1" lang="ko-Kore-KR" altLang="en-US" dirty="0"/>
+          </a:p>
+        </p:txBody>
+      </p:sp>
+      <p:sp>
+        <p:nvSpPr>
+          <p:cNvPr id="4" name="직사각형 3">
+            <a:extLst>
+              <a:ext uri="{FF2B5EF4-FFF2-40B4-BE49-F238E27FC236}">
+                <a16:creationId xmlns:a16="http://schemas.microsoft.com/office/drawing/2014/main" id="{249501E6-9EDA-582D-A035-0801937A9352}"/>
+              </a:ext>
+            </a:extLst>
+          </p:cNvPr>
+          <p:cNvSpPr/>
+          <p:nvPr/>
+        </p:nvSpPr>
+        <p:spPr>
+          <a:xfrm>
+            <a:off x="1436975" y="2809316"/>
+            <a:ext cx="1080000" cy="720000"/>
+          </a:xfrm>
+          <a:prstGeom prst="rect">
+            <a:avLst/>
+          </a:prstGeom>
+        </p:spPr>
+        <p:style>
+          <a:lnRef idx="2">
+            <a:schemeClr val="accent1">
+              <a:shade val="50000"/>
+            </a:schemeClr>
+          </a:lnRef>
+          <a:fillRef idx="1">
+            <a:schemeClr val="accent1"/>
+          </a:fillRef>
+          <a:effectRef idx="0">
+            <a:schemeClr val="accent1"/>
+          </a:effectRef>
+          <a:fontRef idx="minor">
+            <a:schemeClr val="lt1"/>
+          </a:fontRef>
+        </p:style>
+        <p:txBody>
+          <a:bodyPr rtlCol="0" anchor="ctr"/>
+          <a:lstStyle/>
+          <a:p>
+            <a:pPr algn="ctr"/>
+            <a:r>
+              <a:rPr kumimoji="1" lang="en-US" altLang="ko-Kore-KR" dirty="0"/>
+              <a:t>“</a:t>
+            </a:r>
+            <a:r>
+              <a:rPr kumimoji="1" lang="ko-KR" altLang="en-US" dirty="0"/>
+              <a:t>홍길동</a:t>
+            </a:r>
+            <a:r>
+              <a:rPr kumimoji="1" lang="en-US" altLang="ko-Kore-KR" dirty="0"/>
+              <a:t>”</a:t>
+            </a:r>
+            <a:endParaRPr kumimoji="1" lang="ko-Kore-KR" altLang="en-US" dirty="0"/>
+          </a:p>
+        </p:txBody>
+      </p:sp>
+      <p:sp>
+        <p:nvSpPr>
+          <p:cNvPr id="6" name="직사각형 5">
+            <a:extLst>
+              <a:ext uri="{FF2B5EF4-FFF2-40B4-BE49-F238E27FC236}">
+                <a16:creationId xmlns:a16="http://schemas.microsoft.com/office/drawing/2014/main" id="{046AE4CB-A81F-23F2-96F0-4792CCAC8F6D}"/>
+              </a:ext>
+            </a:extLst>
+          </p:cNvPr>
+          <p:cNvSpPr/>
+          <p:nvPr/>
+        </p:nvSpPr>
+        <p:spPr>
+          <a:xfrm>
+            <a:off x="2520150" y="2815666"/>
+            <a:ext cx="720000" cy="720000"/>
+          </a:xfrm>
+          <a:prstGeom prst="rect">
+            <a:avLst/>
+          </a:prstGeom>
+        </p:spPr>
+        <p:style>
+          <a:lnRef idx="2">
+            <a:schemeClr val="accent1">
+              <a:shade val="50000"/>
+            </a:schemeClr>
+          </a:lnRef>
+          <a:fillRef idx="1">
+            <a:schemeClr val="accent1"/>
+          </a:fillRef>
+          <a:effectRef idx="0">
+            <a:schemeClr val="accent1"/>
+          </a:effectRef>
+          <a:fontRef idx="minor">
+            <a:schemeClr val="lt1"/>
+          </a:fontRef>
+        </p:style>
+        <p:txBody>
+          <a:bodyPr rtlCol="0" anchor="ctr"/>
+          <a:lstStyle/>
+          <a:p>
+            <a:pPr algn="ctr"/>
+            <a:r>
+              <a:rPr kumimoji="1" lang="en-US" altLang="ko-Kore-KR" dirty="0"/>
+              <a:t>200</a:t>
+            </a:r>
+            <a:endParaRPr kumimoji="1" lang="ko-Kore-KR" altLang="en-US" dirty="0"/>
+          </a:p>
+        </p:txBody>
+      </p:sp>
+      <p:sp>
+        <p:nvSpPr>
+          <p:cNvPr id="7" name="TextBox 6">
+            <a:extLst>
+              <a:ext uri="{FF2B5EF4-FFF2-40B4-BE49-F238E27FC236}">
+                <a16:creationId xmlns:a16="http://schemas.microsoft.com/office/drawing/2014/main" id="{2A8F9331-1C65-D04E-4D6B-4038CCEF2B1D}"/>
+              </a:ext>
+            </a:extLst>
+          </p:cNvPr>
+          <p:cNvSpPr txBox="1"/>
+          <p:nvPr/>
+        </p:nvSpPr>
+        <p:spPr>
+          <a:xfrm>
+            <a:off x="972151" y="2109052"/>
+            <a:ext cx="798786" cy="369332"/>
+          </a:xfrm>
+          <a:prstGeom prst="rect">
+            <a:avLst/>
+          </a:prstGeom>
+        </p:spPr>
+        <p:style>
+          <a:lnRef idx="2">
+            <a:schemeClr val="accent1"/>
+          </a:lnRef>
+          <a:fillRef idx="1">
+            <a:schemeClr val="lt1"/>
+          </a:fillRef>
+          <a:effectRef idx="0">
+            <a:schemeClr val="accent1"/>
+          </a:effectRef>
+          <a:fontRef idx="minor">
+            <a:schemeClr val="dk1"/>
+          </a:fontRef>
+        </p:style>
+        <p:txBody>
+          <a:bodyPr wrap="square" rtlCol="0">
+            <a:spAutoFit/>
+          </a:bodyPr>
+          <a:lstStyle/>
+          <a:p>
+            <a:pPr algn="ctr"/>
+            <a:r>
+              <a:rPr kumimoji="1" lang="en-US" altLang="ko-Kore-KR" dirty="0"/>
+              <a:t>100</a:t>
+            </a:r>
+            <a:endParaRPr kumimoji="1" lang="ko-Kore-KR" altLang="en-US" dirty="0"/>
+          </a:p>
+        </p:txBody>
+      </p:sp>
+      <p:sp>
+        <p:nvSpPr>
+          <p:cNvPr id="10" name="TextBox 9">
+            <a:extLst>
+              <a:ext uri="{FF2B5EF4-FFF2-40B4-BE49-F238E27FC236}">
+                <a16:creationId xmlns:a16="http://schemas.microsoft.com/office/drawing/2014/main" id="{D30FB650-7604-2A5F-B30D-063600A7DD9C}"/>
+              </a:ext>
+            </a:extLst>
+          </p:cNvPr>
+          <p:cNvSpPr txBox="1"/>
+          <p:nvPr/>
+        </p:nvSpPr>
+        <p:spPr>
+          <a:xfrm>
+            <a:off x="3638407" y="2109052"/>
+            <a:ext cx="798786" cy="369332"/>
+          </a:xfrm>
+          <a:prstGeom prst="rect">
+            <a:avLst/>
+          </a:prstGeom>
+        </p:spPr>
+        <p:style>
+          <a:lnRef idx="2">
+            <a:schemeClr val="accent1"/>
+          </a:lnRef>
+          <a:fillRef idx="1">
+            <a:schemeClr val="lt1"/>
+          </a:fillRef>
+          <a:effectRef idx="0">
+            <a:schemeClr val="accent1"/>
+          </a:effectRef>
+          <a:fontRef idx="minor">
+            <a:schemeClr val="dk1"/>
+          </a:fontRef>
+        </p:style>
+        <p:txBody>
+          <a:bodyPr wrap="square" rtlCol="0">
+            <a:spAutoFit/>
+          </a:bodyPr>
+          <a:lstStyle/>
+          <a:p>
+            <a:pPr algn="ctr"/>
+            <a:r>
+              <a:rPr kumimoji="1" lang="en-US" altLang="ko-Kore-KR" dirty="0"/>
+              <a:t>200</a:t>
+            </a:r>
+            <a:endParaRPr kumimoji="1" lang="ko-Kore-KR" altLang="en-US" dirty="0"/>
+          </a:p>
+        </p:txBody>
+      </p:sp>
+      <p:sp>
+        <p:nvSpPr>
+          <p:cNvPr id="16" name="TextBox 15">
+            <a:extLst>
+              <a:ext uri="{FF2B5EF4-FFF2-40B4-BE49-F238E27FC236}">
+                <a16:creationId xmlns:a16="http://schemas.microsoft.com/office/drawing/2014/main" id="{D7C9CE6B-F934-A59A-1B05-E60834C12B2F}"/>
+              </a:ext>
+            </a:extLst>
+          </p:cNvPr>
+          <p:cNvSpPr txBox="1"/>
+          <p:nvPr/>
+        </p:nvSpPr>
+        <p:spPr>
+          <a:xfrm>
+            <a:off x="6304663" y="2109052"/>
+            <a:ext cx="798786" cy="369332"/>
+          </a:xfrm>
+          <a:prstGeom prst="rect">
+            <a:avLst/>
+          </a:prstGeom>
+        </p:spPr>
+        <p:style>
+          <a:lnRef idx="2">
+            <a:schemeClr val="accent1"/>
+          </a:lnRef>
+          <a:fillRef idx="1">
+            <a:schemeClr val="lt1"/>
+          </a:fillRef>
+          <a:effectRef idx="0">
+            <a:schemeClr val="accent1"/>
+          </a:effectRef>
+          <a:fontRef idx="minor">
+            <a:schemeClr val="dk1"/>
+          </a:fontRef>
+        </p:style>
+        <p:txBody>
+          <a:bodyPr wrap="square" rtlCol="0">
+            <a:spAutoFit/>
+          </a:bodyPr>
+          <a:lstStyle/>
+          <a:p>
+            <a:pPr algn="ctr"/>
+            <a:r>
+              <a:rPr kumimoji="1" lang="en-US" altLang="ko-Kore-KR" dirty="0"/>
+              <a:t>300</a:t>
+            </a:r>
+            <a:endParaRPr kumimoji="1" lang="ko-Kore-KR" altLang="en-US" dirty="0"/>
+          </a:p>
+        </p:txBody>
+      </p:sp>
+      <p:sp>
+        <p:nvSpPr>
+          <p:cNvPr id="24" name="직사각형 23">
+            <a:extLst>
+              <a:ext uri="{FF2B5EF4-FFF2-40B4-BE49-F238E27FC236}">
+                <a16:creationId xmlns:a16="http://schemas.microsoft.com/office/drawing/2014/main" id="{9D83C100-380B-2529-0104-5C8E7A2C302D}"/>
+              </a:ext>
+            </a:extLst>
+          </p:cNvPr>
+          <p:cNvSpPr/>
+          <p:nvPr/>
+        </p:nvSpPr>
+        <p:spPr>
+          <a:xfrm>
+            <a:off x="3638407" y="2815666"/>
+            <a:ext cx="720000" cy="720000"/>
+          </a:xfrm>
+          <a:prstGeom prst="rect">
+            <a:avLst/>
+          </a:prstGeom>
+        </p:spPr>
+        <p:style>
+          <a:lnRef idx="2">
+            <a:schemeClr val="accent1">
+              <a:shade val="50000"/>
+            </a:schemeClr>
+          </a:lnRef>
+          <a:fillRef idx="1">
+            <a:schemeClr val="accent1"/>
+          </a:fillRef>
+          <a:effectRef idx="0">
+            <a:schemeClr val="accent1"/>
+          </a:effectRef>
+          <a:fontRef idx="minor">
+            <a:schemeClr val="lt1"/>
+          </a:fontRef>
+        </p:style>
+        <p:txBody>
+          <a:bodyPr rtlCol="0" anchor="ctr"/>
+          <a:lstStyle/>
+          <a:p>
+            <a:pPr algn="ctr"/>
+            <a:r>
+              <a:rPr kumimoji="1" lang="en-US" altLang="ko-Kore-KR" dirty="0"/>
+              <a:t>100</a:t>
+            </a:r>
+            <a:endParaRPr kumimoji="1" lang="ko-Kore-KR" altLang="en-US" dirty="0"/>
+          </a:p>
+        </p:txBody>
+      </p:sp>
+      <p:sp>
+        <p:nvSpPr>
+          <p:cNvPr id="25" name="직사각형 24">
+            <a:extLst>
+              <a:ext uri="{FF2B5EF4-FFF2-40B4-BE49-F238E27FC236}">
+                <a16:creationId xmlns:a16="http://schemas.microsoft.com/office/drawing/2014/main" id="{ED33EC7A-4BF4-DE2A-47C7-360C1C75F7B4}"/>
+              </a:ext>
+            </a:extLst>
+          </p:cNvPr>
+          <p:cNvSpPr/>
+          <p:nvPr/>
+        </p:nvSpPr>
+        <p:spPr>
+          <a:xfrm>
+            <a:off x="4358406" y="2815666"/>
+            <a:ext cx="1080000" cy="720000"/>
+          </a:xfrm>
+          <a:prstGeom prst="rect">
+            <a:avLst/>
+          </a:prstGeom>
+        </p:spPr>
+        <p:style>
+          <a:lnRef idx="2">
+            <a:schemeClr val="accent1">
+              <a:shade val="50000"/>
+            </a:schemeClr>
+          </a:lnRef>
+          <a:fillRef idx="1">
+            <a:schemeClr val="accent1"/>
+          </a:fillRef>
+          <a:effectRef idx="0">
+            <a:schemeClr val="accent1"/>
+          </a:effectRef>
+          <a:fontRef idx="minor">
+            <a:schemeClr val="lt1"/>
+          </a:fontRef>
+        </p:style>
+        <p:txBody>
+          <a:bodyPr rtlCol="0" anchor="ctr"/>
+          <a:lstStyle/>
+          <a:p>
+            <a:pPr algn="ctr"/>
+            <a:r>
+              <a:rPr kumimoji="1" lang="en-US" altLang="ko-Kore-KR" dirty="0"/>
+              <a:t>“</a:t>
+            </a:r>
+            <a:r>
+              <a:rPr kumimoji="1" lang="ko-KR" altLang="en-US" dirty="0"/>
+              <a:t>임꺽정</a:t>
+            </a:r>
+            <a:r>
+              <a:rPr kumimoji="1" lang="en-US" altLang="ko-Kore-KR" dirty="0"/>
+              <a:t>”</a:t>
+            </a:r>
+            <a:endParaRPr kumimoji="1" lang="ko-Kore-KR" altLang="en-US" dirty="0"/>
+          </a:p>
+        </p:txBody>
+      </p:sp>
+      <p:sp>
+        <p:nvSpPr>
+          <p:cNvPr id="26" name="직사각형 25">
+            <a:extLst>
+              <a:ext uri="{FF2B5EF4-FFF2-40B4-BE49-F238E27FC236}">
+                <a16:creationId xmlns:a16="http://schemas.microsoft.com/office/drawing/2014/main" id="{DEA80338-F70F-31DD-424B-F3DD7A67580F}"/>
+              </a:ext>
+            </a:extLst>
+          </p:cNvPr>
+          <p:cNvSpPr/>
+          <p:nvPr/>
+        </p:nvSpPr>
+        <p:spPr>
+          <a:xfrm>
+            <a:off x="5438406" y="2815666"/>
+            <a:ext cx="720000" cy="720000"/>
+          </a:xfrm>
+          <a:prstGeom prst="rect">
+            <a:avLst/>
+          </a:prstGeom>
+        </p:spPr>
+        <p:style>
+          <a:lnRef idx="2">
+            <a:schemeClr val="accent1">
+              <a:shade val="50000"/>
+            </a:schemeClr>
+          </a:lnRef>
+          <a:fillRef idx="1">
+            <a:schemeClr val="accent1"/>
+          </a:fillRef>
+          <a:effectRef idx="0">
+            <a:schemeClr val="accent1"/>
+          </a:effectRef>
+          <a:fontRef idx="minor">
+            <a:schemeClr val="lt1"/>
+          </a:fontRef>
+        </p:style>
+        <p:txBody>
+          <a:bodyPr rtlCol="0" anchor="ctr"/>
+          <a:lstStyle/>
+          <a:p>
+            <a:pPr algn="ctr"/>
+            <a:r>
+              <a:rPr kumimoji="1" lang="en-US" altLang="ko-Kore-KR" dirty="0"/>
+              <a:t>300</a:t>
+            </a:r>
+            <a:endParaRPr kumimoji="1" lang="ko-Kore-KR" altLang="en-US" dirty="0"/>
+          </a:p>
+        </p:txBody>
+      </p:sp>
+      <p:sp>
+        <p:nvSpPr>
+          <p:cNvPr id="27" name="직사각형 26">
+            <a:extLst>
+              <a:ext uri="{FF2B5EF4-FFF2-40B4-BE49-F238E27FC236}">
+                <a16:creationId xmlns:a16="http://schemas.microsoft.com/office/drawing/2014/main" id="{90C10B26-5D33-55AE-6DF5-D1250117CAF5}"/>
+              </a:ext>
+            </a:extLst>
+          </p:cNvPr>
+          <p:cNvSpPr/>
+          <p:nvPr/>
+        </p:nvSpPr>
+        <p:spPr>
+          <a:xfrm>
+            <a:off x="6304663" y="2815666"/>
+            <a:ext cx="720000" cy="720000"/>
+          </a:xfrm>
+          <a:prstGeom prst="rect">
+            <a:avLst/>
+          </a:prstGeom>
+        </p:spPr>
+        <p:style>
+          <a:lnRef idx="2">
+            <a:schemeClr val="accent1">
+              <a:shade val="50000"/>
+            </a:schemeClr>
+          </a:lnRef>
+          <a:fillRef idx="1">
+            <a:schemeClr val="accent1"/>
+          </a:fillRef>
+          <a:effectRef idx="0">
+            <a:schemeClr val="accent1"/>
+          </a:effectRef>
+          <a:fontRef idx="minor">
+            <a:schemeClr val="lt1"/>
+          </a:fontRef>
+        </p:style>
+        <p:txBody>
+          <a:bodyPr rtlCol="0" anchor="ctr"/>
+          <a:lstStyle/>
+          <a:p>
+            <a:pPr algn="ctr"/>
+            <a:r>
+              <a:rPr kumimoji="1" lang="en-US" altLang="ko-Kore-KR" dirty="0"/>
+              <a:t>200</a:t>
+            </a:r>
+            <a:endParaRPr kumimoji="1" lang="ko-Kore-KR" altLang="en-US" dirty="0"/>
+          </a:p>
+        </p:txBody>
+      </p:sp>
+      <p:sp>
+        <p:nvSpPr>
+          <p:cNvPr id="28" name="직사각형 27">
+            <a:extLst>
+              <a:ext uri="{FF2B5EF4-FFF2-40B4-BE49-F238E27FC236}">
+                <a16:creationId xmlns:a16="http://schemas.microsoft.com/office/drawing/2014/main" id="{A6855BA3-E7A1-58DE-7629-2B3D6CF22E41}"/>
+              </a:ext>
+            </a:extLst>
+          </p:cNvPr>
+          <p:cNvSpPr/>
+          <p:nvPr/>
+        </p:nvSpPr>
+        <p:spPr>
+          <a:xfrm>
+            <a:off x="7024662" y="2815666"/>
+            <a:ext cx="1080000" cy="720000"/>
+          </a:xfrm>
+          <a:prstGeom prst="rect">
+            <a:avLst/>
+          </a:prstGeom>
+        </p:spPr>
+        <p:style>
+          <a:lnRef idx="2">
+            <a:schemeClr val="accent1">
+              <a:shade val="50000"/>
+            </a:schemeClr>
+          </a:lnRef>
+          <a:fillRef idx="1">
+            <a:schemeClr val="accent1"/>
+          </a:fillRef>
+          <a:effectRef idx="0">
+            <a:schemeClr val="accent1"/>
+          </a:effectRef>
+          <a:fontRef idx="minor">
+            <a:schemeClr val="lt1"/>
+          </a:fontRef>
+        </p:style>
+        <p:txBody>
+          <a:bodyPr rtlCol="0" anchor="ctr"/>
+          <a:lstStyle/>
+          <a:p>
+            <a:pPr algn="ctr"/>
+            <a:r>
+              <a:rPr kumimoji="1" lang="en-US" altLang="ko-Kore-KR" dirty="0"/>
+              <a:t>“</a:t>
+            </a:r>
+            <a:r>
+              <a:rPr kumimoji="1" lang="ko-KR" altLang="en-US" dirty="0"/>
+              <a:t>유관순</a:t>
+            </a:r>
+            <a:r>
+              <a:rPr kumimoji="1" lang="en-US" altLang="ko-Kore-KR" dirty="0"/>
+              <a:t>”</a:t>
+            </a:r>
+            <a:endParaRPr kumimoji="1" lang="ko-Kore-KR" altLang="en-US" dirty="0"/>
+          </a:p>
+        </p:txBody>
+      </p:sp>
+      <p:cxnSp>
+        <p:nvCxnSpPr>
+          <p:cNvPr id="35" name="구부러진 연결선[U] 34">
+            <a:extLst>
+              <a:ext uri="{FF2B5EF4-FFF2-40B4-BE49-F238E27FC236}">
+                <a16:creationId xmlns:a16="http://schemas.microsoft.com/office/drawing/2014/main" id="{641F6A39-9D78-94D2-FCB8-8298A627EFFF}"/>
+              </a:ext>
+            </a:extLst>
+          </p:cNvPr>
+          <p:cNvCxnSpPr>
+            <a:stCxn id="24" idx="2"/>
+            <a:endCxn id="6" idx="2"/>
+          </p:cNvCxnSpPr>
+          <p:nvPr/>
+        </p:nvCxnSpPr>
+        <p:spPr>
+          <a:xfrm rot="5400000">
+            <a:off x="3439279" y="2976538"/>
+            <a:ext cx="12700" cy="1118257"/>
+          </a:xfrm>
+          <a:prstGeom prst="curvedConnector3">
+            <a:avLst>
+              <a:gd name="adj1" fmla="val 1800000"/>
+            </a:avLst>
+          </a:prstGeom>
+          <a:ln>
+            <a:tailEnd type="triangle"/>
+          </a:ln>
+        </p:spPr>
+        <p:style>
+          <a:lnRef idx="3">
+            <a:schemeClr val="accent1"/>
+          </a:lnRef>
+          <a:fillRef idx="0">
+            <a:schemeClr val="accent1"/>
+          </a:fillRef>
+          <a:effectRef idx="2">
+            <a:schemeClr val="accent1"/>
+          </a:effectRef>
+          <a:fontRef idx="minor">
+            <a:schemeClr val="tx1"/>
+          </a:fontRef>
+        </p:style>
+      </p:cxnSp>
+      <p:cxnSp>
+        <p:nvCxnSpPr>
+          <p:cNvPr id="36" name="구부러진 연결선[U] 35">
+            <a:extLst>
+              <a:ext uri="{FF2B5EF4-FFF2-40B4-BE49-F238E27FC236}">
+                <a16:creationId xmlns:a16="http://schemas.microsoft.com/office/drawing/2014/main" id="{D123C7A9-124E-8763-A8BC-D3731413CD76}"/>
+              </a:ext>
+            </a:extLst>
+          </p:cNvPr>
+          <p:cNvCxnSpPr>
+            <a:cxnSpLocks/>
+            <a:stCxn id="6" idx="0"/>
+            <a:endCxn id="24" idx="0"/>
+          </p:cNvCxnSpPr>
+          <p:nvPr/>
+        </p:nvCxnSpPr>
+        <p:spPr>
+          <a:xfrm rot="5400000" flipH="1" flipV="1">
+            <a:off x="3439278" y="2256538"/>
+            <a:ext cx="12700" cy="1118257"/>
+          </a:xfrm>
+          <a:prstGeom prst="curvedConnector3">
+            <a:avLst>
+              <a:gd name="adj1" fmla="val 1800000"/>
+            </a:avLst>
+          </a:prstGeom>
+          <a:ln>
+            <a:tailEnd type="triangle"/>
+          </a:ln>
+        </p:spPr>
+        <p:style>
+          <a:lnRef idx="3">
+            <a:schemeClr val="accent1"/>
+          </a:lnRef>
+          <a:fillRef idx="0">
+            <a:schemeClr val="accent1"/>
+          </a:fillRef>
+          <a:effectRef idx="2">
+            <a:schemeClr val="accent1"/>
+          </a:effectRef>
+          <a:fontRef idx="minor">
+            <a:schemeClr val="tx1"/>
+          </a:fontRef>
+        </p:style>
+      </p:cxnSp>
+      <p:cxnSp>
+        <p:nvCxnSpPr>
+          <p:cNvPr id="39" name="구부러진 연결선[U] 38">
+            <a:extLst>
+              <a:ext uri="{FF2B5EF4-FFF2-40B4-BE49-F238E27FC236}">
+                <a16:creationId xmlns:a16="http://schemas.microsoft.com/office/drawing/2014/main" id="{1553B0A6-F2E7-FF77-C292-7E7D32E9D8CA}"/>
+              </a:ext>
+            </a:extLst>
+          </p:cNvPr>
+          <p:cNvCxnSpPr/>
+          <p:nvPr/>
+        </p:nvCxnSpPr>
+        <p:spPr>
+          <a:xfrm rot="5400000">
+            <a:off x="6029442" y="2976538"/>
+            <a:ext cx="12700" cy="1118257"/>
+          </a:xfrm>
+          <a:prstGeom prst="curvedConnector3">
+            <a:avLst>
+              <a:gd name="adj1" fmla="val 1800000"/>
+            </a:avLst>
+          </a:prstGeom>
+          <a:ln>
+            <a:tailEnd type="triangle"/>
+          </a:ln>
+        </p:spPr>
+        <p:style>
+          <a:lnRef idx="3">
+            <a:schemeClr val="accent1"/>
+          </a:lnRef>
+          <a:fillRef idx="0">
+            <a:schemeClr val="accent1"/>
+          </a:fillRef>
+          <a:effectRef idx="2">
+            <a:schemeClr val="accent1"/>
+          </a:effectRef>
+          <a:fontRef idx="minor">
+            <a:schemeClr val="tx1"/>
+          </a:fontRef>
+        </p:style>
+      </p:cxnSp>
+      <p:cxnSp>
+        <p:nvCxnSpPr>
+          <p:cNvPr id="40" name="구부러진 연결선[U] 39">
+            <a:extLst>
+              <a:ext uri="{FF2B5EF4-FFF2-40B4-BE49-F238E27FC236}">
+                <a16:creationId xmlns:a16="http://schemas.microsoft.com/office/drawing/2014/main" id="{CC0EB2CE-3A16-90CE-7D93-3ED2B80D024C}"/>
+              </a:ext>
+            </a:extLst>
+          </p:cNvPr>
+          <p:cNvCxnSpPr>
+            <a:cxnSpLocks/>
+            <a:stCxn id="26" idx="0"/>
+            <a:endCxn id="27" idx="0"/>
+          </p:cNvCxnSpPr>
+          <p:nvPr/>
+        </p:nvCxnSpPr>
+        <p:spPr>
+          <a:xfrm rot="5400000" flipH="1" flipV="1">
+            <a:off x="6231534" y="2382538"/>
+            <a:ext cx="12700" cy="866257"/>
+          </a:xfrm>
+          <a:prstGeom prst="curvedConnector3">
+            <a:avLst>
+              <a:gd name="adj1" fmla="val 1800000"/>
+            </a:avLst>
+          </a:prstGeom>
+          <a:ln>
+            <a:tailEnd type="triangle"/>
+          </a:ln>
+        </p:spPr>
+        <p:style>
+          <a:lnRef idx="3">
+            <a:schemeClr val="accent1"/>
+          </a:lnRef>
+          <a:fillRef idx="0">
+            <a:schemeClr val="accent1"/>
+          </a:fillRef>
+          <a:effectRef idx="2">
+            <a:schemeClr val="accent1"/>
+          </a:effectRef>
+          <a:fontRef idx="minor">
+            <a:schemeClr val="tx1"/>
+          </a:fontRef>
+        </p:style>
+      </p:cxnSp>
+      <p:sp>
+        <p:nvSpPr>
+          <p:cNvPr id="46" name="TextBox 45">
+            <a:extLst>
+              <a:ext uri="{FF2B5EF4-FFF2-40B4-BE49-F238E27FC236}">
+                <a16:creationId xmlns:a16="http://schemas.microsoft.com/office/drawing/2014/main" id="{CE84FD0B-28EE-3E66-1110-46595726ADAC}"/>
+              </a:ext>
+            </a:extLst>
+          </p:cNvPr>
+          <p:cNvSpPr txBox="1"/>
+          <p:nvPr/>
+        </p:nvSpPr>
+        <p:spPr>
+          <a:xfrm>
+            <a:off x="1692151" y="4100681"/>
+            <a:ext cx="827999" cy="369332"/>
+          </a:xfrm>
+          <a:prstGeom prst="rect">
+            <a:avLst/>
+          </a:prstGeom>
+        </p:spPr>
+        <p:style>
+          <a:lnRef idx="1">
+            <a:schemeClr val="accent1"/>
+          </a:lnRef>
+          <a:fillRef idx="2">
+            <a:schemeClr val="accent1"/>
+          </a:fillRef>
+          <a:effectRef idx="1">
+            <a:schemeClr val="accent1"/>
+          </a:effectRef>
+          <a:fontRef idx="minor">
+            <a:schemeClr val="dk1"/>
+          </a:fontRef>
+        </p:style>
+        <p:txBody>
+          <a:bodyPr wrap="square" rtlCol="0">
+            <a:spAutoFit/>
+          </a:bodyPr>
+          <a:lstStyle/>
+          <a:p>
+            <a:pPr algn="ctr"/>
+            <a:r>
+              <a:rPr kumimoji="1" lang="en-US" altLang="ko-Kore-KR" dirty="0"/>
+              <a:t>Head</a:t>
+            </a:r>
+            <a:endParaRPr kumimoji="1" lang="ko-Kore-KR" altLang="en-US" dirty="0"/>
+          </a:p>
+        </p:txBody>
+      </p:sp>
+      <p:sp>
+        <p:nvSpPr>
+          <p:cNvPr id="47" name="위쪽 화살표[U] 46">
+            <a:extLst>
+              <a:ext uri="{FF2B5EF4-FFF2-40B4-BE49-F238E27FC236}">
+                <a16:creationId xmlns:a16="http://schemas.microsoft.com/office/drawing/2014/main" id="{0A948F97-C174-977B-C777-DB15E2D34031}"/>
+              </a:ext>
+            </a:extLst>
+          </p:cNvPr>
+          <p:cNvSpPr/>
+          <p:nvPr/>
+        </p:nvSpPr>
+        <p:spPr>
+          <a:xfrm>
+            <a:off x="1929958" y="3603681"/>
+            <a:ext cx="284893" cy="497000"/>
+          </a:xfrm>
+          <a:prstGeom prst="upArrow">
+            <a:avLst/>
+          </a:prstGeom>
+        </p:spPr>
+        <p:style>
+          <a:lnRef idx="1">
+            <a:schemeClr val="accent1"/>
+          </a:lnRef>
+          <a:fillRef idx="2">
+            <a:schemeClr val="accent1"/>
+          </a:fillRef>
+          <a:effectRef idx="1">
+            <a:schemeClr val="accent1"/>
+          </a:effectRef>
+          <a:fontRef idx="minor">
+            <a:schemeClr val="dk1"/>
+          </a:fontRef>
+        </p:style>
+        <p:txBody>
+          <a:bodyPr rtlCol="0" anchor="ctr"/>
+          <a:lstStyle/>
+          <a:p>
+            <a:pPr algn="ctr"/>
+            <a:endParaRPr kumimoji="1" lang="ko-Kore-KR" altLang="en-US"/>
+          </a:p>
+        </p:txBody>
+      </p:sp>
+      <p:sp>
+        <p:nvSpPr>
+          <p:cNvPr id="48" name="TextBox 47">
+            <a:extLst>
+              <a:ext uri="{FF2B5EF4-FFF2-40B4-BE49-F238E27FC236}">
+                <a16:creationId xmlns:a16="http://schemas.microsoft.com/office/drawing/2014/main" id="{0F5D4C56-BBF4-D86E-6883-AD0AAF4ADF8F}"/>
+              </a:ext>
+            </a:extLst>
+          </p:cNvPr>
+          <p:cNvSpPr txBox="1"/>
+          <p:nvPr/>
+        </p:nvSpPr>
+        <p:spPr>
+          <a:xfrm>
+            <a:off x="6781169" y="4097085"/>
+            <a:ext cx="827999" cy="369332"/>
+          </a:xfrm>
+          <a:prstGeom prst="rect">
+            <a:avLst/>
+          </a:prstGeom>
+        </p:spPr>
+        <p:style>
+          <a:lnRef idx="1">
+            <a:schemeClr val="accent1"/>
+          </a:lnRef>
+          <a:fillRef idx="2">
+            <a:schemeClr val="accent1"/>
+          </a:fillRef>
+          <a:effectRef idx="1">
+            <a:schemeClr val="accent1"/>
+          </a:effectRef>
+          <a:fontRef idx="minor">
+            <a:schemeClr val="dk1"/>
+          </a:fontRef>
+        </p:style>
+        <p:txBody>
+          <a:bodyPr wrap="square" rtlCol="0">
+            <a:spAutoFit/>
+          </a:bodyPr>
+          <a:lstStyle/>
+          <a:p>
+            <a:pPr algn="ctr"/>
+            <a:r>
+              <a:rPr kumimoji="1" lang="en-US" altLang="ko-Kore-KR" dirty="0"/>
+              <a:t>Tail</a:t>
+            </a:r>
+            <a:endParaRPr kumimoji="1" lang="ko-Kore-KR" altLang="en-US" dirty="0"/>
+          </a:p>
+        </p:txBody>
+      </p:sp>
+      <p:sp>
+        <p:nvSpPr>
+          <p:cNvPr id="49" name="위쪽 화살표[U] 48">
+            <a:extLst>
+              <a:ext uri="{FF2B5EF4-FFF2-40B4-BE49-F238E27FC236}">
+                <a16:creationId xmlns:a16="http://schemas.microsoft.com/office/drawing/2014/main" id="{3D808A37-CBF6-9CBE-E6FD-A6689712EE5F}"/>
+              </a:ext>
+            </a:extLst>
+          </p:cNvPr>
+          <p:cNvSpPr/>
+          <p:nvPr/>
+        </p:nvSpPr>
+        <p:spPr>
+          <a:xfrm>
+            <a:off x="7018976" y="3600085"/>
+            <a:ext cx="284893" cy="497000"/>
+          </a:xfrm>
+          <a:prstGeom prst="upArrow">
+            <a:avLst/>
+          </a:prstGeom>
+        </p:spPr>
+        <p:style>
+          <a:lnRef idx="1">
+            <a:schemeClr val="accent1"/>
+          </a:lnRef>
+          <a:fillRef idx="2">
+            <a:schemeClr val="accent1"/>
+          </a:fillRef>
+          <a:effectRef idx="1">
+            <a:schemeClr val="accent1"/>
+          </a:effectRef>
+          <a:fontRef idx="minor">
+            <a:schemeClr val="dk1"/>
+          </a:fontRef>
+        </p:style>
+        <p:txBody>
+          <a:bodyPr rtlCol="0" anchor="ctr"/>
+          <a:lstStyle/>
+          <a:p>
+            <a:pPr algn="ctr"/>
+            <a:endParaRPr kumimoji="1" lang="ko-Kore-KR" altLang="en-US"/>
+          </a:p>
+        </p:txBody>
+      </p:sp>
+      <p:sp>
+        <p:nvSpPr>
+          <p:cNvPr id="11" name="TextBox 10">
+            <a:extLst>
+              <a:ext uri="{FF2B5EF4-FFF2-40B4-BE49-F238E27FC236}">
+                <a16:creationId xmlns:a16="http://schemas.microsoft.com/office/drawing/2014/main" id="{DC0C0B81-7A05-AFD8-3890-040EA290CCAE}"/>
+              </a:ext>
+            </a:extLst>
+          </p:cNvPr>
+          <p:cNvSpPr txBox="1"/>
+          <p:nvPr/>
+        </p:nvSpPr>
+        <p:spPr>
+          <a:xfrm>
+            <a:off x="7303869" y="4877882"/>
+            <a:ext cx="798786" cy="369332"/>
+          </a:xfrm>
+          <a:prstGeom prst="rect">
+            <a:avLst/>
+          </a:prstGeom>
+        </p:spPr>
+        <p:style>
+          <a:lnRef idx="2">
+            <a:schemeClr val="accent2"/>
+          </a:lnRef>
+          <a:fillRef idx="1">
+            <a:schemeClr val="lt1"/>
+          </a:fillRef>
+          <a:effectRef idx="0">
+            <a:schemeClr val="accent2"/>
+          </a:effectRef>
+          <a:fontRef idx="minor">
+            <a:schemeClr val="dk1"/>
+          </a:fontRef>
+        </p:style>
+        <p:txBody>
+          <a:bodyPr wrap="square" rtlCol="0">
+            <a:spAutoFit/>
+          </a:bodyPr>
+          <a:lstStyle/>
+          <a:p>
+            <a:pPr algn="ctr"/>
+            <a:r>
+              <a:rPr kumimoji="1" lang="en-US" altLang="ko-Kore-KR" dirty="0"/>
+              <a:t>100</a:t>
+            </a:r>
+            <a:endParaRPr kumimoji="1" lang="ko-Kore-KR" altLang="en-US" dirty="0"/>
+          </a:p>
+        </p:txBody>
+      </p:sp>
+      <p:sp>
+        <p:nvSpPr>
+          <p:cNvPr id="12" name="TextBox 11">
+            <a:extLst>
+              <a:ext uri="{FF2B5EF4-FFF2-40B4-BE49-F238E27FC236}">
+                <a16:creationId xmlns:a16="http://schemas.microsoft.com/office/drawing/2014/main" id="{C47D9725-EFE3-DCC1-5622-390A1E2529E7}"/>
+              </a:ext>
+            </a:extLst>
+          </p:cNvPr>
+          <p:cNvSpPr txBox="1"/>
+          <p:nvPr/>
+        </p:nvSpPr>
+        <p:spPr>
+          <a:xfrm>
+            <a:off x="6475870" y="4869917"/>
+            <a:ext cx="827999" cy="369332"/>
+          </a:xfrm>
+          <a:prstGeom prst="rect">
+            <a:avLst/>
+          </a:prstGeom>
+        </p:spPr>
+        <p:style>
+          <a:lnRef idx="1">
+            <a:schemeClr val="accent2"/>
+          </a:lnRef>
+          <a:fillRef idx="2">
+            <a:schemeClr val="accent2"/>
+          </a:fillRef>
+          <a:effectRef idx="1">
+            <a:schemeClr val="accent2"/>
+          </a:effectRef>
+          <a:fontRef idx="minor">
+            <a:schemeClr val="dk1"/>
+          </a:fontRef>
+        </p:style>
+        <p:txBody>
+          <a:bodyPr wrap="square" rtlCol="0">
+            <a:spAutoFit/>
+          </a:bodyPr>
+          <a:lstStyle/>
+          <a:p>
+            <a:pPr algn="ctr"/>
+            <a:r>
+              <a:rPr kumimoji="1" lang="en-US" altLang="ko-Kore-KR" dirty="0"/>
+              <a:t>Head</a:t>
+            </a:r>
+            <a:endParaRPr kumimoji="1" lang="ko-Kore-KR" altLang="en-US" dirty="0"/>
+          </a:p>
+        </p:txBody>
+      </p:sp>
+      <p:sp>
+        <p:nvSpPr>
+          <p:cNvPr id="13" name="TextBox 12">
+            <a:extLst>
+              <a:ext uri="{FF2B5EF4-FFF2-40B4-BE49-F238E27FC236}">
+                <a16:creationId xmlns:a16="http://schemas.microsoft.com/office/drawing/2014/main" id="{08DE8E47-9EEA-198B-2C3D-D7CEEB03B44B}"/>
+              </a:ext>
+            </a:extLst>
+          </p:cNvPr>
+          <p:cNvSpPr txBox="1"/>
+          <p:nvPr/>
+        </p:nvSpPr>
+        <p:spPr>
+          <a:xfrm>
+            <a:off x="7305876" y="5441282"/>
+            <a:ext cx="798786" cy="369332"/>
+          </a:xfrm>
+          <a:prstGeom prst="rect">
+            <a:avLst/>
+          </a:prstGeom>
+        </p:spPr>
+        <p:style>
+          <a:lnRef idx="2">
+            <a:schemeClr val="accent2"/>
+          </a:lnRef>
+          <a:fillRef idx="1">
+            <a:schemeClr val="lt1"/>
+          </a:fillRef>
+          <a:effectRef idx="0">
+            <a:schemeClr val="accent2"/>
+          </a:effectRef>
+          <a:fontRef idx="minor">
+            <a:schemeClr val="dk1"/>
+          </a:fontRef>
+        </p:style>
+        <p:txBody>
+          <a:bodyPr wrap="square" rtlCol="0">
+            <a:spAutoFit/>
+          </a:bodyPr>
+          <a:lstStyle/>
+          <a:p>
+            <a:pPr algn="ctr"/>
+            <a:r>
+              <a:rPr kumimoji="1" lang="en-US" altLang="ko-Kore-KR" dirty="0"/>
+              <a:t>300</a:t>
+            </a:r>
+            <a:endParaRPr kumimoji="1" lang="ko-Kore-KR" altLang="en-US" dirty="0"/>
+          </a:p>
+        </p:txBody>
+      </p:sp>
+      <p:sp>
+        <p:nvSpPr>
+          <p:cNvPr id="14" name="TextBox 13">
+            <a:extLst>
+              <a:ext uri="{FF2B5EF4-FFF2-40B4-BE49-F238E27FC236}">
+                <a16:creationId xmlns:a16="http://schemas.microsoft.com/office/drawing/2014/main" id="{29FD7D16-03A3-6EE3-33E6-15AACB38B59D}"/>
+              </a:ext>
+            </a:extLst>
+          </p:cNvPr>
+          <p:cNvSpPr txBox="1"/>
+          <p:nvPr/>
+        </p:nvSpPr>
+        <p:spPr>
+          <a:xfrm>
+            <a:off x="6475870" y="5441282"/>
+            <a:ext cx="827999" cy="369332"/>
+          </a:xfrm>
+          <a:prstGeom prst="rect">
+            <a:avLst/>
+          </a:prstGeom>
+        </p:spPr>
+        <p:style>
+          <a:lnRef idx="1">
+            <a:schemeClr val="accent2"/>
+          </a:lnRef>
+          <a:fillRef idx="2">
+            <a:schemeClr val="accent2"/>
+          </a:fillRef>
+          <a:effectRef idx="1">
+            <a:schemeClr val="accent2"/>
+          </a:effectRef>
+          <a:fontRef idx="minor">
+            <a:schemeClr val="dk1"/>
+          </a:fontRef>
+        </p:style>
+        <p:txBody>
+          <a:bodyPr wrap="square" rtlCol="0">
+            <a:spAutoFit/>
+          </a:bodyPr>
+          <a:lstStyle/>
+          <a:p>
+            <a:pPr algn="ctr"/>
+            <a:r>
+              <a:rPr kumimoji="1" lang="en-US" altLang="ko-Kore-KR" dirty="0"/>
+              <a:t>Tail</a:t>
+            </a:r>
+            <a:endParaRPr kumimoji="1" lang="ko-Kore-KR" altLang="en-US" dirty="0"/>
+          </a:p>
+        </p:txBody>
+      </p:sp>
+      <p:sp>
+        <p:nvSpPr>
+          <p:cNvPr id="15" name="TextBox 14">
+            <a:extLst>
+              <a:ext uri="{FF2B5EF4-FFF2-40B4-BE49-F238E27FC236}">
+                <a16:creationId xmlns:a16="http://schemas.microsoft.com/office/drawing/2014/main" id="{DD04D861-D1CB-AD57-B448-25DEB3DB41E3}"/>
+              </a:ext>
+            </a:extLst>
+          </p:cNvPr>
+          <p:cNvSpPr txBox="1"/>
+          <p:nvPr/>
+        </p:nvSpPr>
+        <p:spPr>
+          <a:xfrm>
+            <a:off x="7303869" y="6006297"/>
+            <a:ext cx="798786" cy="369332"/>
+          </a:xfrm>
+          <a:prstGeom prst="rect">
+            <a:avLst/>
+          </a:prstGeom>
+        </p:spPr>
+        <p:style>
+          <a:lnRef idx="2">
+            <a:schemeClr val="accent2"/>
+          </a:lnRef>
+          <a:fillRef idx="1">
+            <a:schemeClr val="lt1"/>
+          </a:fillRef>
+          <a:effectRef idx="0">
+            <a:schemeClr val="accent2"/>
+          </a:effectRef>
+          <a:fontRef idx="minor">
+            <a:schemeClr val="dk1"/>
+          </a:fontRef>
+        </p:style>
+        <p:txBody>
+          <a:bodyPr wrap="square" rtlCol="0">
+            <a:spAutoFit/>
+          </a:bodyPr>
+          <a:lstStyle/>
+          <a:p>
+            <a:pPr algn="ctr"/>
+            <a:r>
+              <a:rPr kumimoji="1" lang="en-US" altLang="ko-Kore-KR" dirty="0"/>
+              <a:t>3</a:t>
+            </a:r>
+            <a:endParaRPr kumimoji="1" lang="ko-Kore-KR" altLang="en-US" dirty="0"/>
+          </a:p>
+        </p:txBody>
+      </p:sp>
+      <p:sp>
+        <p:nvSpPr>
+          <p:cNvPr id="17" name="TextBox 16">
+            <a:extLst>
+              <a:ext uri="{FF2B5EF4-FFF2-40B4-BE49-F238E27FC236}">
+                <a16:creationId xmlns:a16="http://schemas.microsoft.com/office/drawing/2014/main" id="{81C48D07-D57B-2362-E23D-7D970BF63865}"/>
+              </a:ext>
+            </a:extLst>
+          </p:cNvPr>
+          <p:cNvSpPr txBox="1"/>
+          <p:nvPr/>
+        </p:nvSpPr>
+        <p:spPr>
+          <a:xfrm>
+            <a:off x="6475870" y="5998332"/>
+            <a:ext cx="827999" cy="369332"/>
+          </a:xfrm>
+          <a:prstGeom prst="rect">
+            <a:avLst/>
+          </a:prstGeom>
+        </p:spPr>
+        <p:style>
+          <a:lnRef idx="1">
+            <a:schemeClr val="accent2"/>
+          </a:lnRef>
+          <a:fillRef idx="2">
+            <a:schemeClr val="accent2"/>
+          </a:fillRef>
+          <a:effectRef idx="1">
+            <a:schemeClr val="accent2"/>
+          </a:effectRef>
+          <a:fontRef idx="minor">
+            <a:schemeClr val="dk1"/>
+          </a:fontRef>
+        </p:style>
+        <p:txBody>
+          <a:bodyPr wrap="square" rtlCol="0">
+            <a:spAutoFit/>
+          </a:bodyPr>
+          <a:lstStyle/>
+          <a:p>
+            <a:pPr algn="ctr"/>
+            <a:r>
+              <a:rPr kumimoji="1" lang="en-US" altLang="ko-Kore-KR" dirty="0"/>
+              <a:t>Size</a:t>
+            </a:r>
+            <a:endParaRPr kumimoji="1" lang="ko-Kore-KR" altLang="en-US" dirty="0"/>
+          </a:p>
+        </p:txBody>
+      </p:sp>
+    </p:spTree>
+    <p:extLst>
+      <p:ext uri="{BB962C8B-B14F-4D97-AF65-F5344CB8AC3E}">
+        <p14:creationId xmlns:p14="http://schemas.microsoft.com/office/powerpoint/2010/main" val="277073617"/>
+      </p:ext>
+    </p:extLst>
+  </p:cSld>
+  <p:clrMapOvr>
+    <a:masterClrMapping/>
+  </p:clrMapOvr>
+</p:sld>
+</file>
+
+<file path=ppt/slides/slide8.xml><?xml version="1.0" encoding="utf-8"?>
+<p:sld xmlns:a="http://schemas.openxmlformats.org/drawingml/2006/main" xmlns:r="http://schemas.openxmlformats.org/officeDocument/2006/relationships" xmlns:p="http://schemas.openxmlformats.org/presentationml/2006/main">
+  <p:cSld>
+    <p:spTree>
+      <p:nvGrpSpPr>
+        <p:cNvPr id="1" name=""/>
+        <p:cNvGrpSpPr/>
+        <p:nvPr/>
+      </p:nvGrpSpPr>
+      <p:grpSpPr>
+        <a:xfrm>
+          <a:off x="0" y="0"/>
+          <a:ext cx="0" cy="0"/>
+          <a:chOff x="0" y="0"/>
+          <a:chExt cx="0" cy="0"/>
+        </a:xfrm>
+      </p:grpSpPr>
+      <p:sp>
+        <p:nvSpPr>
+          <p:cNvPr id="2" name="직사각형 1">
+            <a:extLst>
+              <a:ext uri="{FF2B5EF4-FFF2-40B4-BE49-F238E27FC236}">
+                <a16:creationId xmlns:a16="http://schemas.microsoft.com/office/drawing/2014/main" id="{5A43BC10-70AC-A3A3-86AC-39E0E47108AE}"/>
+              </a:ext>
+            </a:extLst>
+          </p:cNvPr>
+          <p:cNvSpPr/>
+          <p:nvPr/>
+        </p:nvSpPr>
+        <p:spPr>
+          <a:xfrm>
+            <a:off x="716976" y="2809316"/>
+            <a:ext cx="720000" cy="720000"/>
+          </a:xfrm>
+          <a:prstGeom prst="rect">
+            <a:avLst/>
+          </a:prstGeom>
+        </p:spPr>
+        <p:style>
+          <a:lnRef idx="2">
+            <a:schemeClr val="accent1">
+              <a:shade val="50000"/>
+            </a:schemeClr>
+          </a:lnRef>
+          <a:fillRef idx="1">
+            <a:schemeClr val="accent1"/>
+          </a:fillRef>
+          <a:effectRef idx="0">
+            <a:schemeClr val="accent1"/>
+          </a:effectRef>
+          <a:fontRef idx="minor">
+            <a:schemeClr val="lt1"/>
+          </a:fontRef>
+        </p:style>
+        <p:txBody>
+          <a:bodyPr rtlCol="0" anchor="ctr"/>
+          <a:lstStyle/>
+          <a:p>
+            <a:pPr algn="ctr"/>
+            <a:r>
+              <a:rPr kumimoji="1" lang="en-US" altLang="ko-Kore-KR" dirty="0"/>
+              <a:t>null</a:t>
+            </a:r>
+            <a:endParaRPr kumimoji="1" lang="ko-Kore-KR" altLang="en-US" dirty="0"/>
+          </a:p>
+        </p:txBody>
+      </p:sp>
+      <p:sp>
+        <p:nvSpPr>
+          <p:cNvPr id="4" name="직사각형 3">
+            <a:extLst>
+              <a:ext uri="{FF2B5EF4-FFF2-40B4-BE49-F238E27FC236}">
+                <a16:creationId xmlns:a16="http://schemas.microsoft.com/office/drawing/2014/main" id="{249501E6-9EDA-582D-A035-0801937A9352}"/>
+              </a:ext>
+            </a:extLst>
+          </p:cNvPr>
+          <p:cNvSpPr/>
+          <p:nvPr/>
+        </p:nvSpPr>
+        <p:spPr>
+          <a:xfrm>
+            <a:off x="1436975" y="2809316"/>
+            <a:ext cx="1080000" cy="720000"/>
+          </a:xfrm>
+          <a:prstGeom prst="rect">
+            <a:avLst/>
+          </a:prstGeom>
+        </p:spPr>
+        <p:style>
+          <a:lnRef idx="2">
+            <a:schemeClr val="accent1">
+              <a:shade val="50000"/>
+            </a:schemeClr>
+          </a:lnRef>
+          <a:fillRef idx="1">
+            <a:schemeClr val="accent1"/>
+          </a:fillRef>
+          <a:effectRef idx="0">
+            <a:schemeClr val="accent1"/>
+          </a:effectRef>
+          <a:fontRef idx="minor">
+            <a:schemeClr val="lt1"/>
+          </a:fontRef>
+        </p:style>
+        <p:txBody>
+          <a:bodyPr rtlCol="0" anchor="ctr"/>
+          <a:lstStyle/>
+          <a:p>
+            <a:pPr algn="ctr"/>
+            <a:r>
+              <a:rPr kumimoji="1" lang="en-US" altLang="ko-Kore-KR" dirty="0"/>
+              <a:t>“</a:t>
+            </a:r>
+            <a:r>
+              <a:rPr kumimoji="1" lang="ko-KR" altLang="en-US" dirty="0"/>
+              <a:t>홍길동</a:t>
+            </a:r>
+            <a:r>
+              <a:rPr kumimoji="1" lang="en-US" altLang="ko-Kore-KR" dirty="0"/>
+              <a:t>”</a:t>
+            </a:r>
+            <a:endParaRPr kumimoji="1" lang="ko-Kore-KR" altLang="en-US" dirty="0"/>
+          </a:p>
+        </p:txBody>
+      </p:sp>
+      <p:sp>
+        <p:nvSpPr>
+          <p:cNvPr id="6" name="직사각형 5">
+            <a:extLst>
+              <a:ext uri="{FF2B5EF4-FFF2-40B4-BE49-F238E27FC236}">
+                <a16:creationId xmlns:a16="http://schemas.microsoft.com/office/drawing/2014/main" id="{046AE4CB-A81F-23F2-96F0-4792CCAC8F6D}"/>
+              </a:ext>
+            </a:extLst>
+          </p:cNvPr>
+          <p:cNvSpPr/>
+          <p:nvPr/>
+        </p:nvSpPr>
+        <p:spPr>
+          <a:xfrm>
+            <a:off x="2520150" y="2815666"/>
+            <a:ext cx="720000" cy="720000"/>
+          </a:xfrm>
+          <a:prstGeom prst="rect">
+            <a:avLst/>
+          </a:prstGeom>
+        </p:spPr>
+        <p:style>
+          <a:lnRef idx="2">
+            <a:schemeClr val="accent1">
+              <a:shade val="50000"/>
+            </a:schemeClr>
+          </a:lnRef>
+          <a:fillRef idx="1">
+            <a:schemeClr val="accent1"/>
+          </a:fillRef>
+          <a:effectRef idx="0">
+            <a:schemeClr val="accent1"/>
+          </a:effectRef>
+          <a:fontRef idx="minor">
+            <a:schemeClr val="lt1"/>
+          </a:fontRef>
+        </p:style>
+        <p:txBody>
+          <a:bodyPr rtlCol="0" anchor="ctr"/>
+          <a:lstStyle/>
+          <a:p>
+            <a:pPr algn="ctr"/>
+            <a:r>
+              <a:rPr kumimoji="1" lang="en-US" altLang="ko-Kore-KR" dirty="0"/>
+              <a:t>200</a:t>
+            </a:r>
+            <a:endParaRPr kumimoji="1" lang="ko-Kore-KR" altLang="en-US" dirty="0"/>
+          </a:p>
+        </p:txBody>
+      </p:sp>
+      <p:sp>
+        <p:nvSpPr>
+          <p:cNvPr id="7" name="TextBox 6">
+            <a:extLst>
+              <a:ext uri="{FF2B5EF4-FFF2-40B4-BE49-F238E27FC236}">
+                <a16:creationId xmlns:a16="http://schemas.microsoft.com/office/drawing/2014/main" id="{2A8F9331-1C65-D04E-4D6B-4038CCEF2B1D}"/>
+              </a:ext>
+            </a:extLst>
+          </p:cNvPr>
+          <p:cNvSpPr txBox="1"/>
+          <p:nvPr/>
+        </p:nvSpPr>
+        <p:spPr>
+          <a:xfrm>
+            <a:off x="972151" y="2109052"/>
+            <a:ext cx="798786" cy="369332"/>
+          </a:xfrm>
+          <a:prstGeom prst="rect">
+            <a:avLst/>
+          </a:prstGeom>
+        </p:spPr>
+        <p:style>
+          <a:lnRef idx="2">
+            <a:schemeClr val="accent1"/>
+          </a:lnRef>
+          <a:fillRef idx="1">
+            <a:schemeClr val="lt1"/>
+          </a:fillRef>
+          <a:effectRef idx="0">
+            <a:schemeClr val="accent1"/>
+          </a:effectRef>
+          <a:fontRef idx="minor">
+            <a:schemeClr val="dk1"/>
+          </a:fontRef>
+        </p:style>
+        <p:txBody>
+          <a:bodyPr wrap="square" rtlCol="0">
+            <a:spAutoFit/>
+          </a:bodyPr>
+          <a:lstStyle/>
+          <a:p>
+            <a:pPr algn="ctr"/>
+            <a:r>
+              <a:rPr kumimoji="1" lang="en-US" altLang="ko-Kore-KR" dirty="0"/>
+              <a:t>100</a:t>
+            </a:r>
+            <a:endParaRPr kumimoji="1" lang="ko-Kore-KR" altLang="en-US" dirty="0"/>
+          </a:p>
+        </p:txBody>
+      </p:sp>
+      <p:sp>
+        <p:nvSpPr>
+          <p:cNvPr id="10" name="TextBox 9">
+            <a:extLst>
+              <a:ext uri="{FF2B5EF4-FFF2-40B4-BE49-F238E27FC236}">
+                <a16:creationId xmlns:a16="http://schemas.microsoft.com/office/drawing/2014/main" id="{D30FB650-7604-2A5F-B30D-063600A7DD9C}"/>
+              </a:ext>
+            </a:extLst>
+          </p:cNvPr>
+          <p:cNvSpPr txBox="1"/>
+          <p:nvPr/>
+        </p:nvSpPr>
+        <p:spPr>
+          <a:xfrm>
+            <a:off x="3638407" y="2109052"/>
+            <a:ext cx="798786" cy="369332"/>
+          </a:xfrm>
+          <a:prstGeom prst="rect">
+            <a:avLst/>
+          </a:prstGeom>
+        </p:spPr>
+        <p:style>
+          <a:lnRef idx="2">
+            <a:schemeClr val="accent1"/>
+          </a:lnRef>
+          <a:fillRef idx="1">
+            <a:schemeClr val="lt1"/>
+          </a:fillRef>
+          <a:effectRef idx="0">
+            <a:schemeClr val="accent1"/>
+          </a:effectRef>
+          <a:fontRef idx="minor">
+            <a:schemeClr val="dk1"/>
+          </a:fontRef>
+        </p:style>
+        <p:txBody>
+          <a:bodyPr wrap="square" rtlCol="0">
+            <a:spAutoFit/>
+          </a:bodyPr>
+          <a:lstStyle/>
+          <a:p>
+            <a:pPr algn="ctr"/>
+            <a:r>
+              <a:rPr kumimoji="1" lang="en-US" altLang="ko-Kore-KR" dirty="0"/>
+              <a:t>200</a:t>
+            </a:r>
+            <a:endParaRPr kumimoji="1" lang="ko-Kore-KR" altLang="en-US" dirty="0"/>
+          </a:p>
+        </p:txBody>
+      </p:sp>
+      <p:sp>
+        <p:nvSpPr>
+          <p:cNvPr id="16" name="TextBox 15">
+            <a:extLst>
+              <a:ext uri="{FF2B5EF4-FFF2-40B4-BE49-F238E27FC236}">
+                <a16:creationId xmlns:a16="http://schemas.microsoft.com/office/drawing/2014/main" id="{D7C9CE6B-F934-A59A-1B05-E60834C12B2F}"/>
+              </a:ext>
+            </a:extLst>
+          </p:cNvPr>
+          <p:cNvSpPr txBox="1"/>
+          <p:nvPr/>
+        </p:nvSpPr>
+        <p:spPr>
+          <a:xfrm>
+            <a:off x="6304663" y="2109052"/>
+            <a:ext cx="798786" cy="369332"/>
+          </a:xfrm>
+          <a:prstGeom prst="rect">
+            <a:avLst/>
+          </a:prstGeom>
+        </p:spPr>
+        <p:style>
+          <a:lnRef idx="2">
+            <a:schemeClr val="accent1"/>
+          </a:lnRef>
+          <a:fillRef idx="1">
+            <a:schemeClr val="lt1"/>
+          </a:fillRef>
+          <a:effectRef idx="0">
+            <a:schemeClr val="accent1"/>
+          </a:effectRef>
+          <a:fontRef idx="minor">
+            <a:schemeClr val="dk1"/>
+          </a:fontRef>
+        </p:style>
+        <p:txBody>
+          <a:bodyPr wrap="square" rtlCol="0">
+            <a:spAutoFit/>
+          </a:bodyPr>
+          <a:lstStyle/>
+          <a:p>
+            <a:pPr algn="ctr"/>
+            <a:r>
+              <a:rPr kumimoji="1" lang="en-US" altLang="ko-Kore-KR" dirty="0"/>
+              <a:t>300</a:t>
+            </a:r>
+            <a:endParaRPr kumimoji="1" lang="ko-Kore-KR" altLang="en-US" dirty="0"/>
+          </a:p>
+        </p:txBody>
+      </p:sp>
+      <p:sp>
+        <p:nvSpPr>
+          <p:cNvPr id="23" name="TextBox 22">
+            <a:extLst>
+              <a:ext uri="{FF2B5EF4-FFF2-40B4-BE49-F238E27FC236}">
+                <a16:creationId xmlns:a16="http://schemas.microsoft.com/office/drawing/2014/main" id="{B6B97778-84DC-B3C6-C8F4-E59C6AFEEF31}"/>
+              </a:ext>
+            </a:extLst>
+          </p:cNvPr>
+          <p:cNvSpPr txBox="1"/>
+          <p:nvPr/>
+        </p:nvSpPr>
+        <p:spPr>
+          <a:xfrm>
+            <a:off x="8934021" y="2109052"/>
+            <a:ext cx="798786" cy="369332"/>
+          </a:xfrm>
+          <a:prstGeom prst="rect">
+            <a:avLst/>
+          </a:prstGeom>
+        </p:spPr>
+        <p:style>
+          <a:lnRef idx="2">
+            <a:schemeClr val="accent1"/>
+          </a:lnRef>
+          <a:fillRef idx="1">
+            <a:schemeClr val="lt1"/>
+          </a:fillRef>
+          <a:effectRef idx="0">
+            <a:schemeClr val="accent1"/>
+          </a:effectRef>
+          <a:fontRef idx="minor">
+            <a:schemeClr val="dk1"/>
+          </a:fontRef>
+        </p:style>
+        <p:txBody>
+          <a:bodyPr wrap="square" rtlCol="0">
+            <a:spAutoFit/>
+          </a:bodyPr>
+          <a:lstStyle/>
+          <a:p>
+            <a:pPr algn="ctr"/>
+            <a:r>
+              <a:rPr kumimoji="1" lang="en-US" altLang="ko-Kore-KR" dirty="0"/>
+              <a:t>400</a:t>
+            </a:r>
+            <a:endParaRPr kumimoji="1" lang="ko-Kore-KR" altLang="en-US" dirty="0"/>
+          </a:p>
+        </p:txBody>
+      </p:sp>
+      <p:sp>
+        <p:nvSpPr>
+          <p:cNvPr id="24" name="직사각형 23">
+            <a:extLst>
+              <a:ext uri="{FF2B5EF4-FFF2-40B4-BE49-F238E27FC236}">
+                <a16:creationId xmlns:a16="http://schemas.microsoft.com/office/drawing/2014/main" id="{9D83C100-380B-2529-0104-5C8E7A2C302D}"/>
+              </a:ext>
+            </a:extLst>
+          </p:cNvPr>
+          <p:cNvSpPr/>
+          <p:nvPr/>
+        </p:nvSpPr>
+        <p:spPr>
+          <a:xfrm>
+            <a:off x="3638407" y="2815666"/>
+            <a:ext cx="720000" cy="720000"/>
+          </a:xfrm>
+          <a:prstGeom prst="rect">
+            <a:avLst/>
+          </a:prstGeom>
+        </p:spPr>
+        <p:style>
+          <a:lnRef idx="2">
+            <a:schemeClr val="accent1">
+              <a:shade val="50000"/>
+            </a:schemeClr>
+          </a:lnRef>
+          <a:fillRef idx="1">
+            <a:schemeClr val="accent1"/>
+          </a:fillRef>
+          <a:effectRef idx="0">
+            <a:schemeClr val="accent1"/>
+          </a:effectRef>
+          <a:fontRef idx="minor">
+            <a:schemeClr val="lt1"/>
+          </a:fontRef>
+        </p:style>
+        <p:txBody>
+          <a:bodyPr rtlCol="0" anchor="ctr"/>
+          <a:lstStyle/>
+          <a:p>
+            <a:pPr algn="ctr"/>
+            <a:r>
+              <a:rPr kumimoji="1" lang="en-US" altLang="ko-Kore-KR" dirty="0"/>
+              <a:t>100</a:t>
+            </a:r>
+            <a:endParaRPr kumimoji="1" lang="ko-Kore-KR" altLang="en-US" dirty="0"/>
+          </a:p>
+        </p:txBody>
+      </p:sp>
+      <p:sp>
+        <p:nvSpPr>
+          <p:cNvPr id="25" name="직사각형 24">
+            <a:extLst>
+              <a:ext uri="{FF2B5EF4-FFF2-40B4-BE49-F238E27FC236}">
+                <a16:creationId xmlns:a16="http://schemas.microsoft.com/office/drawing/2014/main" id="{ED33EC7A-4BF4-DE2A-47C7-360C1C75F7B4}"/>
+              </a:ext>
+            </a:extLst>
+          </p:cNvPr>
+          <p:cNvSpPr/>
+          <p:nvPr/>
+        </p:nvSpPr>
+        <p:spPr>
+          <a:xfrm>
+            <a:off x="4358406" y="2815666"/>
+            <a:ext cx="1080000" cy="720000"/>
+          </a:xfrm>
+          <a:prstGeom prst="rect">
+            <a:avLst/>
+          </a:prstGeom>
+        </p:spPr>
+        <p:style>
+          <a:lnRef idx="2">
+            <a:schemeClr val="accent1">
+              <a:shade val="50000"/>
+            </a:schemeClr>
+          </a:lnRef>
+          <a:fillRef idx="1">
+            <a:schemeClr val="accent1"/>
+          </a:fillRef>
+          <a:effectRef idx="0">
+            <a:schemeClr val="accent1"/>
+          </a:effectRef>
+          <a:fontRef idx="minor">
+            <a:schemeClr val="lt1"/>
+          </a:fontRef>
+        </p:style>
+        <p:txBody>
+          <a:bodyPr rtlCol="0" anchor="ctr"/>
+          <a:lstStyle/>
+          <a:p>
+            <a:pPr algn="ctr"/>
+            <a:r>
+              <a:rPr kumimoji="1" lang="en-US" altLang="ko-Kore-KR" dirty="0"/>
+              <a:t>“</a:t>
+            </a:r>
+            <a:r>
+              <a:rPr kumimoji="1" lang="ko-KR" altLang="en-US" dirty="0"/>
+              <a:t>임꺽정</a:t>
+            </a:r>
+            <a:r>
+              <a:rPr kumimoji="1" lang="en-US" altLang="ko-Kore-KR" dirty="0"/>
+              <a:t>”</a:t>
+            </a:r>
+            <a:endParaRPr kumimoji="1" lang="ko-Kore-KR" altLang="en-US" dirty="0"/>
+          </a:p>
+        </p:txBody>
+      </p:sp>
+      <p:sp>
+        <p:nvSpPr>
+          <p:cNvPr id="26" name="직사각형 25">
+            <a:extLst>
+              <a:ext uri="{FF2B5EF4-FFF2-40B4-BE49-F238E27FC236}">
+                <a16:creationId xmlns:a16="http://schemas.microsoft.com/office/drawing/2014/main" id="{DEA80338-F70F-31DD-424B-F3DD7A67580F}"/>
+              </a:ext>
+            </a:extLst>
+          </p:cNvPr>
+          <p:cNvSpPr/>
+          <p:nvPr/>
+        </p:nvSpPr>
+        <p:spPr>
+          <a:xfrm>
+            <a:off x="5438406" y="2815666"/>
+            <a:ext cx="720000" cy="720000"/>
+          </a:xfrm>
+          <a:prstGeom prst="rect">
+            <a:avLst/>
+          </a:prstGeom>
+        </p:spPr>
+        <p:style>
+          <a:lnRef idx="2">
+            <a:schemeClr val="accent1">
+              <a:shade val="50000"/>
+            </a:schemeClr>
+          </a:lnRef>
+          <a:fillRef idx="1">
+            <a:schemeClr val="accent1"/>
+          </a:fillRef>
+          <a:effectRef idx="0">
+            <a:schemeClr val="accent1"/>
+          </a:effectRef>
+          <a:fontRef idx="minor">
+            <a:schemeClr val="lt1"/>
+          </a:fontRef>
+        </p:style>
+        <p:txBody>
+          <a:bodyPr rtlCol="0" anchor="ctr"/>
+          <a:lstStyle/>
+          <a:p>
+            <a:pPr algn="ctr"/>
+            <a:r>
+              <a:rPr kumimoji="1" lang="en-US" altLang="ko-Kore-KR" dirty="0"/>
+              <a:t>300</a:t>
+            </a:r>
+            <a:endParaRPr kumimoji="1" lang="ko-Kore-KR" altLang="en-US" dirty="0"/>
+          </a:p>
+        </p:txBody>
+      </p:sp>
+      <p:sp>
+        <p:nvSpPr>
+          <p:cNvPr id="27" name="직사각형 26">
+            <a:extLst>
+              <a:ext uri="{FF2B5EF4-FFF2-40B4-BE49-F238E27FC236}">
+                <a16:creationId xmlns:a16="http://schemas.microsoft.com/office/drawing/2014/main" id="{90C10B26-5D33-55AE-6DF5-D1250117CAF5}"/>
+              </a:ext>
+            </a:extLst>
+          </p:cNvPr>
+          <p:cNvSpPr/>
+          <p:nvPr/>
+        </p:nvSpPr>
+        <p:spPr>
+          <a:xfrm>
+            <a:off x="6304663" y="2815666"/>
+            <a:ext cx="720000" cy="720000"/>
+          </a:xfrm>
+          <a:prstGeom prst="rect">
+            <a:avLst/>
+          </a:prstGeom>
+        </p:spPr>
+        <p:style>
+          <a:lnRef idx="2">
+            <a:schemeClr val="accent1">
+              <a:shade val="50000"/>
+            </a:schemeClr>
+          </a:lnRef>
+          <a:fillRef idx="1">
+            <a:schemeClr val="accent1"/>
+          </a:fillRef>
+          <a:effectRef idx="0">
+            <a:schemeClr val="accent1"/>
+          </a:effectRef>
+          <a:fontRef idx="minor">
+            <a:schemeClr val="lt1"/>
+          </a:fontRef>
+        </p:style>
+        <p:txBody>
+          <a:bodyPr rtlCol="0" anchor="ctr"/>
+          <a:lstStyle/>
+          <a:p>
+            <a:pPr algn="ctr"/>
+            <a:r>
+              <a:rPr kumimoji="1" lang="en-US" altLang="ko-Kore-KR" dirty="0"/>
+              <a:t>200</a:t>
+            </a:r>
+            <a:endParaRPr kumimoji="1" lang="ko-Kore-KR" altLang="en-US" dirty="0"/>
+          </a:p>
+        </p:txBody>
+      </p:sp>
+      <p:sp>
+        <p:nvSpPr>
+          <p:cNvPr id="28" name="직사각형 27">
+            <a:extLst>
+              <a:ext uri="{FF2B5EF4-FFF2-40B4-BE49-F238E27FC236}">
+                <a16:creationId xmlns:a16="http://schemas.microsoft.com/office/drawing/2014/main" id="{A6855BA3-E7A1-58DE-7629-2B3D6CF22E41}"/>
+              </a:ext>
+            </a:extLst>
+          </p:cNvPr>
+          <p:cNvSpPr/>
+          <p:nvPr/>
+        </p:nvSpPr>
+        <p:spPr>
+          <a:xfrm>
+            <a:off x="7024662" y="2815666"/>
+            <a:ext cx="1080000" cy="720000"/>
+          </a:xfrm>
+          <a:prstGeom prst="rect">
+            <a:avLst/>
+          </a:prstGeom>
+        </p:spPr>
+        <p:style>
+          <a:lnRef idx="2">
+            <a:schemeClr val="accent1">
+              <a:shade val="50000"/>
+            </a:schemeClr>
+          </a:lnRef>
+          <a:fillRef idx="1">
+            <a:schemeClr val="accent1"/>
+          </a:fillRef>
+          <a:effectRef idx="0">
+            <a:schemeClr val="accent1"/>
+          </a:effectRef>
+          <a:fontRef idx="minor">
+            <a:schemeClr val="lt1"/>
+          </a:fontRef>
+        </p:style>
+        <p:txBody>
+          <a:bodyPr rtlCol="0" anchor="ctr"/>
+          <a:lstStyle/>
+          <a:p>
+            <a:pPr algn="ctr"/>
+            <a:r>
+              <a:rPr kumimoji="1" lang="en-US" altLang="ko-Kore-KR" dirty="0"/>
+              <a:t>“</a:t>
+            </a:r>
+            <a:r>
+              <a:rPr kumimoji="1" lang="ko-KR" altLang="en-US" dirty="0"/>
+              <a:t>유관순</a:t>
+            </a:r>
+            <a:r>
+              <a:rPr kumimoji="1" lang="en-US" altLang="ko-Kore-KR" dirty="0"/>
+              <a:t>”</a:t>
+            </a:r>
+            <a:endParaRPr kumimoji="1" lang="ko-Kore-KR" altLang="en-US" dirty="0"/>
+          </a:p>
+        </p:txBody>
+      </p:sp>
+      <p:sp>
+        <p:nvSpPr>
+          <p:cNvPr id="29" name="직사각형 28">
+            <a:extLst>
+              <a:ext uri="{FF2B5EF4-FFF2-40B4-BE49-F238E27FC236}">
+                <a16:creationId xmlns:a16="http://schemas.microsoft.com/office/drawing/2014/main" id="{FF8DC496-E948-FCC3-4FAA-034C0A021A92}"/>
+              </a:ext>
+            </a:extLst>
+          </p:cNvPr>
+          <p:cNvSpPr/>
+          <p:nvPr/>
+        </p:nvSpPr>
+        <p:spPr>
+          <a:xfrm>
+            <a:off x="8104662" y="2815666"/>
+            <a:ext cx="720000" cy="720000"/>
+          </a:xfrm>
+          <a:prstGeom prst="rect">
+            <a:avLst/>
+          </a:prstGeom>
+        </p:spPr>
+        <p:style>
+          <a:lnRef idx="2">
+            <a:schemeClr val="accent1">
+              <a:shade val="50000"/>
+            </a:schemeClr>
+          </a:lnRef>
+          <a:fillRef idx="1">
+            <a:schemeClr val="accent1"/>
+          </a:fillRef>
+          <a:effectRef idx="0">
+            <a:schemeClr val="accent1"/>
+          </a:effectRef>
+          <a:fontRef idx="minor">
+            <a:schemeClr val="lt1"/>
+          </a:fontRef>
+        </p:style>
+        <p:txBody>
+          <a:bodyPr rtlCol="0" anchor="ctr"/>
+          <a:lstStyle/>
+          <a:p>
+            <a:pPr algn="ctr"/>
+            <a:r>
+              <a:rPr kumimoji="1" lang="en-US" altLang="ko-Kore-KR" dirty="0"/>
+              <a:t>400</a:t>
+            </a:r>
+            <a:endParaRPr kumimoji="1" lang="ko-Kore-KR" altLang="en-US" dirty="0"/>
+          </a:p>
+        </p:txBody>
+      </p:sp>
+      <p:sp>
+        <p:nvSpPr>
+          <p:cNvPr id="30" name="직사각형 29">
+            <a:extLst>
+              <a:ext uri="{FF2B5EF4-FFF2-40B4-BE49-F238E27FC236}">
+                <a16:creationId xmlns:a16="http://schemas.microsoft.com/office/drawing/2014/main" id="{BF05FB5D-D0B3-3D1B-FCB9-B5CF1AE7B6DE}"/>
+              </a:ext>
+            </a:extLst>
+          </p:cNvPr>
+          <p:cNvSpPr/>
+          <p:nvPr/>
+        </p:nvSpPr>
+        <p:spPr>
+          <a:xfrm>
+            <a:off x="8934021" y="2815666"/>
+            <a:ext cx="720000" cy="720000"/>
+          </a:xfrm>
+          <a:prstGeom prst="rect">
+            <a:avLst/>
+          </a:prstGeom>
+        </p:spPr>
+        <p:style>
+          <a:lnRef idx="2">
+            <a:schemeClr val="accent1">
+              <a:shade val="50000"/>
+            </a:schemeClr>
+          </a:lnRef>
+          <a:fillRef idx="1">
+            <a:schemeClr val="accent1"/>
+          </a:fillRef>
+          <a:effectRef idx="0">
+            <a:schemeClr val="accent1"/>
+          </a:effectRef>
+          <a:fontRef idx="minor">
+            <a:schemeClr val="lt1"/>
+          </a:fontRef>
+        </p:style>
+        <p:txBody>
+          <a:bodyPr rtlCol="0" anchor="ctr"/>
+          <a:lstStyle/>
+          <a:p>
+            <a:pPr algn="ctr"/>
+            <a:r>
+              <a:rPr kumimoji="1" lang="en-US" altLang="ko-Kore-KR" dirty="0"/>
+              <a:t>300</a:t>
+            </a:r>
+            <a:endParaRPr kumimoji="1" lang="ko-Kore-KR" altLang="en-US" dirty="0"/>
+          </a:p>
+        </p:txBody>
+      </p:sp>
+      <p:sp>
+        <p:nvSpPr>
+          <p:cNvPr id="31" name="직사각형 30">
+            <a:extLst>
+              <a:ext uri="{FF2B5EF4-FFF2-40B4-BE49-F238E27FC236}">
+                <a16:creationId xmlns:a16="http://schemas.microsoft.com/office/drawing/2014/main" id="{FCB614CC-54F0-FD42-34A7-F0B4B68EDA08}"/>
+              </a:ext>
+            </a:extLst>
+          </p:cNvPr>
+          <p:cNvSpPr/>
+          <p:nvPr/>
+        </p:nvSpPr>
+        <p:spPr>
+          <a:xfrm>
+            <a:off x="9654020" y="2815666"/>
+            <a:ext cx="1080000" cy="720000"/>
+          </a:xfrm>
+          <a:prstGeom prst="rect">
+            <a:avLst/>
+          </a:prstGeom>
+        </p:spPr>
+        <p:style>
+          <a:lnRef idx="2">
+            <a:schemeClr val="accent1">
+              <a:shade val="50000"/>
+            </a:schemeClr>
+          </a:lnRef>
+          <a:fillRef idx="1">
+            <a:schemeClr val="accent1"/>
+          </a:fillRef>
+          <a:effectRef idx="0">
+            <a:schemeClr val="accent1"/>
+          </a:effectRef>
+          <a:fontRef idx="minor">
+            <a:schemeClr val="lt1"/>
+          </a:fontRef>
+        </p:style>
+        <p:txBody>
+          <a:bodyPr rtlCol="0" anchor="ctr"/>
+          <a:lstStyle/>
+          <a:p>
+            <a:pPr algn="ctr"/>
+            <a:r>
+              <a:rPr kumimoji="1" lang="en-US" altLang="ko-Kore-KR" dirty="0"/>
+              <a:t>“</a:t>
+            </a:r>
+            <a:r>
+              <a:rPr kumimoji="1" lang="ko-KR" altLang="en-US" dirty="0"/>
+              <a:t>안중근</a:t>
+            </a:r>
+            <a:r>
+              <a:rPr kumimoji="1" lang="en-US" altLang="ko-Kore-KR" dirty="0"/>
+              <a:t>”</a:t>
+            </a:r>
+            <a:endParaRPr kumimoji="1" lang="ko-Kore-KR" altLang="en-US" dirty="0"/>
+          </a:p>
+        </p:txBody>
+      </p:sp>
+      <p:sp>
+        <p:nvSpPr>
+          <p:cNvPr id="32" name="직사각형 31">
+            <a:extLst>
+              <a:ext uri="{FF2B5EF4-FFF2-40B4-BE49-F238E27FC236}">
+                <a16:creationId xmlns:a16="http://schemas.microsoft.com/office/drawing/2014/main" id="{9B8CB482-D9A3-FBEE-6109-23E0C8BCEC7F}"/>
+              </a:ext>
+            </a:extLst>
+          </p:cNvPr>
+          <p:cNvSpPr/>
+          <p:nvPr/>
+        </p:nvSpPr>
+        <p:spPr>
+          <a:xfrm>
+            <a:off x="10734020" y="2815666"/>
+            <a:ext cx="720000" cy="720000"/>
+          </a:xfrm>
+          <a:prstGeom prst="rect">
+            <a:avLst/>
+          </a:prstGeom>
+        </p:spPr>
+        <p:style>
+          <a:lnRef idx="2">
+            <a:schemeClr val="accent1">
+              <a:shade val="50000"/>
+            </a:schemeClr>
+          </a:lnRef>
+          <a:fillRef idx="1">
+            <a:schemeClr val="accent1"/>
+          </a:fillRef>
+          <a:effectRef idx="0">
+            <a:schemeClr val="accent1"/>
+          </a:effectRef>
+          <a:fontRef idx="minor">
+            <a:schemeClr val="lt1"/>
+          </a:fontRef>
+        </p:style>
+        <p:txBody>
+          <a:bodyPr rtlCol="0" anchor="ctr"/>
+          <a:lstStyle/>
+          <a:p>
+            <a:pPr algn="ctr"/>
+            <a:r>
+              <a:rPr kumimoji="1" lang="en-US" altLang="ko-Kore-KR" dirty="0"/>
+              <a:t>null</a:t>
+            </a:r>
+            <a:endParaRPr kumimoji="1" lang="ko-Kore-KR" altLang="en-US" dirty="0"/>
+          </a:p>
+        </p:txBody>
+      </p:sp>
+      <p:cxnSp>
+        <p:nvCxnSpPr>
+          <p:cNvPr id="35" name="구부러진 연결선[U] 34">
+            <a:extLst>
+              <a:ext uri="{FF2B5EF4-FFF2-40B4-BE49-F238E27FC236}">
+                <a16:creationId xmlns:a16="http://schemas.microsoft.com/office/drawing/2014/main" id="{641F6A39-9D78-94D2-FCB8-8298A627EFFF}"/>
+              </a:ext>
+            </a:extLst>
+          </p:cNvPr>
+          <p:cNvCxnSpPr>
+            <a:stCxn id="24" idx="2"/>
+            <a:endCxn id="6" idx="2"/>
+          </p:cNvCxnSpPr>
+          <p:nvPr/>
+        </p:nvCxnSpPr>
+        <p:spPr>
+          <a:xfrm rot="5400000">
+            <a:off x="3439279" y="2976538"/>
+            <a:ext cx="12700" cy="1118257"/>
+          </a:xfrm>
+          <a:prstGeom prst="curvedConnector3">
+            <a:avLst>
+              <a:gd name="adj1" fmla="val 1800000"/>
+            </a:avLst>
+          </a:prstGeom>
+          <a:ln>
+            <a:tailEnd type="triangle"/>
+          </a:ln>
+        </p:spPr>
+        <p:style>
+          <a:lnRef idx="3">
+            <a:schemeClr val="accent1"/>
+          </a:lnRef>
+          <a:fillRef idx="0">
+            <a:schemeClr val="accent1"/>
+          </a:fillRef>
+          <a:effectRef idx="2">
+            <a:schemeClr val="accent1"/>
+          </a:effectRef>
+          <a:fontRef idx="minor">
+            <a:schemeClr val="tx1"/>
+          </a:fontRef>
+        </p:style>
+      </p:cxnSp>
+      <p:cxnSp>
+        <p:nvCxnSpPr>
+          <p:cNvPr id="36" name="구부러진 연결선[U] 35">
+            <a:extLst>
+              <a:ext uri="{FF2B5EF4-FFF2-40B4-BE49-F238E27FC236}">
+                <a16:creationId xmlns:a16="http://schemas.microsoft.com/office/drawing/2014/main" id="{D123C7A9-124E-8763-A8BC-D3731413CD76}"/>
+              </a:ext>
+            </a:extLst>
+          </p:cNvPr>
+          <p:cNvCxnSpPr>
+            <a:cxnSpLocks/>
+            <a:stCxn id="6" idx="0"/>
+            <a:endCxn id="24" idx="0"/>
+          </p:cNvCxnSpPr>
+          <p:nvPr/>
+        </p:nvCxnSpPr>
+        <p:spPr>
+          <a:xfrm rot="5400000" flipH="1" flipV="1">
+            <a:off x="3439278" y="2256538"/>
+            <a:ext cx="12700" cy="1118257"/>
+          </a:xfrm>
+          <a:prstGeom prst="curvedConnector3">
+            <a:avLst>
+              <a:gd name="adj1" fmla="val 1800000"/>
+            </a:avLst>
+          </a:prstGeom>
+          <a:ln>
+            <a:tailEnd type="triangle"/>
+          </a:ln>
+        </p:spPr>
+        <p:style>
+          <a:lnRef idx="3">
+            <a:schemeClr val="accent1"/>
+          </a:lnRef>
+          <a:fillRef idx="0">
+            <a:schemeClr val="accent1"/>
+          </a:fillRef>
+          <a:effectRef idx="2">
+            <a:schemeClr val="accent1"/>
+          </a:effectRef>
+          <a:fontRef idx="minor">
+            <a:schemeClr val="tx1"/>
+          </a:fontRef>
+        </p:style>
+      </p:cxnSp>
+      <p:cxnSp>
+        <p:nvCxnSpPr>
+          <p:cNvPr id="39" name="구부러진 연결선[U] 38">
+            <a:extLst>
+              <a:ext uri="{FF2B5EF4-FFF2-40B4-BE49-F238E27FC236}">
+                <a16:creationId xmlns:a16="http://schemas.microsoft.com/office/drawing/2014/main" id="{1553B0A6-F2E7-FF77-C292-7E7D32E9D8CA}"/>
+              </a:ext>
+            </a:extLst>
+          </p:cNvPr>
+          <p:cNvCxnSpPr/>
+          <p:nvPr/>
+        </p:nvCxnSpPr>
+        <p:spPr>
+          <a:xfrm rot="5400000">
+            <a:off x="6029442" y="2976538"/>
+            <a:ext cx="12700" cy="1118257"/>
+          </a:xfrm>
+          <a:prstGeom prst="curvedConnector3">
+            <a:avLst>
+              <a:gd name="adj1" fmla="val 1800000"/>
+            </a:avLst>
+          </a:prstGeom>
+          <a:ln>
+            <a:tailEnd type="triangle"/>
+          </a:ln>
+        </p:spPr>
+        <p:style>
+          <a:lnRef idx="3">
+            <a:schemeClr val="accent1"/>
+          </a:lnRef>
+          <a:fillRef idx="0">
+            <a:schemeClr val="accent1"/>
+          </a:fillRef>
+          <a:effectRef idx="2">
+            <a:schemeClr val="accent1"/>
+          </a:effectRef>
+          <a:fontRef idx="minor">
+            <a:schemeClr val="tx1"/>
+          </a:fontRef>
+        </p:style>
+      </p:cxnSp>
+      <p:cxnSp>
+        <p:nvCxnSpPr>
+          <p:cNvPr id="40" name="구부러진 연결선[U] 39">
+            <a:extLst>
+              <a:ext uri="{FF2B5EF4-FFF2-40B4-BE49-F238E27FC236}">
+                <a16:creationId xmlns:a16="http://schemas.microsoft.com/office/drawing/2014/main" id="{CC0EB2CE-3A16-90CE-7D93-3ED2B80D024C}"/>
+              </a:ext>
+            </a:extLst>
+          </p:cNvPr>
+          <p:cNvCxnSpPr>
+            <a:cxnSpLocks/>
+            <a:stCxn id="26" idx="0"/>
+            <a:endCxn id="27" idx="0"/>
+          </p:cNvCxnSpPr>
+          <p:nvPr/>
+        </p:nvCxnSpPr>
+        <p:spPr>
+          <a:xfrm rot="5400000" flipH="1" flipV="1">
+            <a:off x="6231534" y="2382538"/>
+            <a:ext cx="12700" cy="866257"/>
+          </a:xfrm>
+          <a:prstGeom prst="curvedConnector3">
+            <a:avLst>
+              <a:gd name="adj1" fmla="val 1800000"/>
+            </a:avLst>
+          </a:prstGeom>
+          <a:ln>
+            <a:tailEnd type="triangle"/>
+          </a:ln>
+        </p:spPr>
+        <p:style>
+          <a:lnRef idx="3">
+            <a:schemeClr val="accent1"/>
+          </a:lnRef>
+          <a:fillRef idx="0">
+            <a:schemeClr val="accent1"/>
+          </a:fillRef>
+          <a:effectRef idx="2">
+            <a:schemeClr val="accent1"/>
+          </a:effectRef>
+          <a:fontRef idx="minor">
+            <a:schemeClr val="tx1"/>
+          </a:fontRef>
+        </p:style>
+      </p:cxnSp>
+      <p:cxnSp>
+        <p:nvCxnSpPr>
+          <p:cNvPr id="41" name="구부러진 연결선[U] 40">
+            <a:extLst>
+              <a:ext uri="{FF2B5EF4-FFF2-40B4-BE49-F238E27FC236}">
+                <a16:creationId xmlns:a16="http://schemas.microsoft.com/office/drawing/2014/main" id="{F42BCCC7-5B83-AD9D-5296-A3F0790A0E76}"/>
+              </a:ext>
+            </a:extLst>
+          </p:cNvPr>
+          <p:cNvCxnSpPr/>
+          <p:nvPr/>
+        </p:nvCxnSpPr>
+        <p:spPr>
+          <a:xfrm rot="5400000">
+            <a:off x="8727184" y="2982888"/>
+            <a:ext cx="12700" cy="1118257"/>
+          </a:xfrm>
+          <a:prstGeom prst="curvedConnector3">
+            <a:avLst>
+              <a:gd name="adj1" fmla="val 1800000"/>
+            </a:avLst>
+          </a:prstGeom>
+          <a:ln>
+            <a:tailEnd type="triangle"/>
+          </a:ln>
+        </p:spPr>
+        <p:style>
+          <a:lnRef idx="3">
+            <a:schemeClr val="accent1"/>
+          </a:lnRef>
+          <a:fillRef idx="0">
+            <a:schemeClr val="accent1"/>
+          </a:fillRef>
+          <a:effectRef idx="2">
+            <a:schemeClr val="accent1"/>
+          </a:effectRef>
+          <a:fontRef idx="minor">
+            <a:schemeClr val="tx1"/>
+          </a:fontRef>
+        </p:style>
+      </p:cxnSp>
+      <p:cxnSp>
+        <p:nvCxnSpPr>
+          <p:cNvPr id="42" name="구부러진 연결선[U] 41">
+            <a:extLst>
+              <a:ext uri="{FF2B5EF4-FFF2-40B4-BE49-F238E27FC236}">
+                <a16:creationId xmlns:a16="http://schemas.microsoft.com/office/drawing/2014/main" id="{9C23F268-AAB3-962A-83B0-9F10305C7E3D}"/>
+              </a:ext>
+            </a:extLst>
+          </p:cNvPr>
+          <p:cNvCxnSpPr>
+            <a:cxnSpLocks/>
+          </p:cNvCxnSpPr>
+          <p:nvPr/>
+        </p:nvCxnSpPr>
+        <p:spPr>
+          <a:xfrm rot="5400000" flipH="1" flipV="1">
+            <a:off x="8727183" y="2262888"/>
+            <a:ext cx="12700" cy="1118257"/>
+          </a:xfrm>
+          <a:prstGeom prst="curvedConnector3">
+            <a:avLst>
+              <a:gd name="adj1" fmla="val 1800000"/>
+            </a:avLst>
+          </a:prstGeom>
+          <a:ln>
+            <a:tailEnd type="triangle"/>
+          </a:ln>
+        </p:spPr>
+        <p:style>
+          <a:lnRef idx="3">
+            <a:schemeClr val="accent1"/>
+          </a:lnRef>
+          <a:fillRef idx="0">
+            <a:schemeClr val="accent1"/>
+          </a:fillRef>
+          <a:effectRef idx="2">
+            <a:schemeClr val="accent1"/>
+          </a:effectRef>
+          <a:fontRef idx="minor">
+            <a:schemeClr val="tx1"/>
+          </a:fontRef>
+        </p:style>
+      </p:cxnSp>
+      <p:sp>
+        <p:nvSpPr>
+          <p:cNvPr id="46" name="TextBox 45">
+            <a:extLst>
+              <a:ext uri="{FF2B5EF4-FFF2-40B4-BE49-F238E27FC236}">
+                <a16:creationId xmlns:a16="http://schemas.microsoft.com/office/drawing/2014/main" id="{CE84FD0B-28EE-3E66-1110-46595726ADAC}"/>
+              </a:ext>
+            </a:extLst>
+          </p:cNvPr>
+          <p:cNvSpPr txBox="1"/>
+          <p:nvPr/>
+        </p:nvSpPr>
+        <p:spPr>
+          <a:xfrm>
+            <a:off x="1692151" y="4100681"/>
+            <a:ext cx="827999" cy="369332"/>
+          </a:xfrm>
+          <a:prstGeom prst="rect">
+            <a:avLst/>
+          </a:prstGeom>
+        </p:spPr>
+        <p:style>
+          <a:lnRef idx="1">
+            <a:schemeClr val="accent1"/>
+          </a:lnRef>
+          <a:fillRef idx="2">
+            <a:schemeClr val="accent1"/>
+          </a:fillRef>
+          <a:effectRef idx="1">
+            <a:schemeClr val="accent1"/>
+          </a:effectRef>
+          <a:fontRef idx="minor">
+            <a:schemeClr val="dk1"/>
+          </a:fontRef>
+        </p:style>
+        <p:txBody>
+          <a:bodyPr wrap="square" rtlCol="0">
+            <a:spAutoFit/>
+          </a:bodyPr>
+          <a:lstStyle/>
+          <a:p>
+            <a:pPr algn="ctr"/>
+            <a:r>
+              <a:rPr kumimoji="1" lang="en-US" altLang="ko-Kore-KR" dirty="0"/>
+              <a:t>Head</a:t>
+            </a:r>
+            <a:endParaRPr kumimoji="1" lang="ko-Kore-KR" altLang="en-US" dirty="0"/>
+          </a:p>
+        </p:txBody>
+      </p:sp>
+      <p:sp>
+        <p:nvSpPr>
+          <p:cNvPr id="47" name="위쪽 화살표[U] 46">
+            <a:extLst>
+              <a:ext uri="{FF2B5EF4-FFF2-40B4-BE49-F238E27FC236}">
+                <a16:creationId xmlns:a16="http://schemas.microsoft.com/office/drawing/2014/main" id="{0A948F97-C174-977B-C777-DB15E2D34031}"/>
+              </a:ext>
+            </a:extLst>
+          </p:cNvPr>
+          <p:cNvSpPr/>
+          <p:nvPr/>
+        </p:nvSpPr>
+        <p:spPr>
+          <a:xfrm>
+            <a:off x="1929958" y="3603681"/>
+            <a:ext cx="284893" cy="497000"/>
+          </a:xfrm>
+          <a:prstGeom prst="upArrow">
+            <a:avLst/>
+          </a:prstGeom>
+        </p:spPr>
+        <p:style>
+          <a:lnRef idx="1">
+            <a:schemeClr val="accent1"/>
+          </a:lnRef>
+          <a:fillRef idx="2">
+            <a:schemeClr val="accent1"/>
+          </a:fillRef>
+          <a:effectRef idx="1">
+            <a:schemeClr val="accent1"/>
+          </a:effectRef>
+          <a:fontRef idx="minor">
+            <a:schemeClr val="dk1"/>
+          </a:fontRef>
+        </p:style>
+        <p:txBody>
+          <a:bodyPr rtlCol="0" anchor="ctr"/>
+          <a:lstStyle/>
+          <a:p>
+            <a:pPr algn="ctr"/>
+            <a:endParaRPr kumimoji="1" lang="ko-Kore-KR" altLang="en-US"/>
+          </a:p>
+        </p:txBody>
+      </p:sp>
+      <p:sp>
+        <p:nvSpPr>
+          <p:cNvPr id="48" name="TextBox 47">
+            <a:extLst>
+              <a:ext uri="{FF2B5EF4-FFF2-40B4-BE49-F238E27FC236}">
+                <a16:creationId xmlns:a16="http://schemas.microsoft.com/office/drawing/2014/main" id="{0F5D4C56-BBF4-D86E-6883-AD0AAF4ADF8F}"/>
+              </a:ext>
+            </a:extLst>
+          </p:cNvPr>
+          <p:cNvSpPr txBox="1"/>
+          <p:nvPr/>
+        </p:nvSpPr>
+        <p:spPr>
+          <a:xfrm>
+            <a:off x="9654021" y="4100681"/>
+            <a:ext cx="827999" cy="369332"/>
+          </a:xfrm>
+          <a:prstGeom prst="rect">
+            <a:avLst/>
+          </a:prstGeom>
+        </p:spPr>
+        <p:style>
+          <a:lnRef idx="1">
+            <a:schemeClr val="accent1"/>
+          </a:lnRef>
+          <a:fillRef idx="2">
+            <a:schemeClr val="accent1"/>
+          </a:fillRef>
+          <a:effectRef idx="1">
+            <a:schemeClr val="accent1"/>
+          </a:effectRef>
+          <a:fontRef idx="minor">
+            <a:schemeClr val="dk1"/>
+          </a:fontRef>
+        </p:style>
+        <p:txBody>
+          <a:bodyPr wrap="square" rtlCol="0">
+            <a:spAutoFit/>
+          </a:bodyPr>
+          <a:lstStyle/>
+          <a:p>
+            <a:pPr algn="ctr"/>
+            <a:r>
+              <a:rPr kumimoji="1" lang="en-US" altLang="ko-Kore-KR" dirty="0"/>
+              <a:t>Tail</a:t>
+            </a:r>
+            <a:endParaRPr kumimoji="1" lang="ko-Kore-KR" altLang="en-US" dirty="0"/>
+          </a:p>
+        </p:txBody>
+      </p:sp>
+      <p:sp>
+        <p:nvSpPr>
+          <p:cNvPr id="49" name="위쪽 화살표[U] 48">
+            <a:extLst>
+              <a:ext uri="{FF2B5EF4-FFF2-40B4-BE49-F238E27FC236}">
+                <a16:creationId xmlns:a16="http://schemas.microsoft.com/office/drawing/2014/main" id="{3D808A37-CBF6-9CBE-E6FD-A6689712EE5F}"/>
+              </a:ext>
+            </a:extLst>
+          </p:cNvPr>
+          <p:cNvSpPr/>
+          <p:nvPr/>
+        </p:nvSpPr>
+        <p:spPr>
+          <a:xfrm>
+            <a:off x="9891828" y="3603681"/>
+            <a:ext cx="284893" cy="497000"/>
+          </a:xfrm>
+          <a:prstGeom prst="upArrow">
+            <a:avLst/>
+          </a:prstGeom>
+        </p:spPr>
+        <p:style>
+          <a:lnRef idx="1">
+            <a:schemeClr val="accent1"/>
+          </a:lnRef>
+          <a:fillRef idx="2">
+            <a:schemeClr val="accent1"/>
+          </a:fillRef>
+          <a:effectRef idx="1">
+            <a:schemeClr val="accent1"/>
+          </a:effectRef>
+          <a:fontRef idx="minor">
+            <a:schemeClr val="dk1"/>
+          </a:fontRef>
+        </p:style>
+        <p:txBody>
+          <a:bodyPr rtlCol="0" anchor="ctr"/>
+          <a:lstStyle/>
+          <a:p>
+            <a:pPr algn="ctr"/>
+            <a:endParaRPr kumimoji="1" lang="ko-Kore-KR" altLang="en-US"/>
+          </a:p>
+        </p:txBody>
+      </p:sp>
+      <p:sp>
+        <p:nvSpPr>
+          <p:cNvPr id="11" name="TextBox 10">
+            <a:extLst>
+              <a:ext uri="{FF2B5EF4-FFF2-40B4-BE49-F238E27FC236}">
+                <a16:creationId xmlns:a16="http://schemas.microsoft.com/office/drawing/2014/main" id="{DC0C0B81-7A05-AFD8-3890-040EA290CCAE}"/>
+              </a:ext>
+            </a:extLst>
+          </p:cNvPr>
+          <p:cNvSpPr txBox="1"/>
+          <p:nvPr/>
+        </p:nvSpPr>
+        <p:spPr>
+          <a:xfrm>
+            <a:off x="10482019" y="4790312"/>
+            <a:ext cx="798786" cy="369332"/>
+          </a:xfrm>
+          <a:prstGeom prst="rect">
+            <a:avLst/>
+          </a:prstGeom>
+        </p:spPr>
+        <p:style>
+          <a:lnRef idx="2">
+            <a:schemeClr val="accent2"/>
+          </a:lnRef>
+          <a:fillRef idx="1">
+            <a:schemeClr val="lt1"/>
+          </a:fillRef>
+          <a:effectRef idx="0">
+            <a:schemeClr val="accent2"/>
+          </a:effectRef>
+          <a:fontRef idx="minor">
+            <a:schemeClr val="dk1"/>
+          </a:fontRef>
+        </p:style>
+        <p:txBody>
+          <a:bodyPr wrap="square" rtlCol="0">
+            <a:spAutoFit/>
+          </a:bodyPr>
+          <a:lstStyle/>
+          <a:p>
+            <a:pPr algn="ctr"/>
+            <a:r>
+              <a:rPr kumimoji="1" lang="en-US" altLang="ko-Kore-KR" dirty="0"/>
+              <a:t>100</a:t>
+            </a:r>
+            <a:endParaRPr kumimoji="1" lang="ko-Kore-KR" altLang="en-US" dirty="0"/>
+          </a:p>
+        </p:txBody>
+      </p:sp>
+      <p:sp>
+        <p:nvSpPr>
+          <p:cNvPr id="12" name="TextBox 11">
+            <a:extLst>
+              <a:ext uri="{FF2B5EF4-FFF2-40B4-BE49-F238E27FC236}">
+                <a16:creationId xmlns:a16="http://schemas.microsoft.com/office/drawing/2014/main" id="{C47D9725-EFE3-DCC1-5622-390A1E2529E7}"/>
+              </a:ext>
+            </a:extLst>
+          </p:cNvPr>
+          <p:cNvSpPr txBox="1"/>
+          <p:nvPr/>
+        </p:nvSpPr>
+        <p:spPr>
+          <a:xfrm>
+            <a:off x="9654020" y="4782347"/>
+            <a:ext cx="827999" cy="369332"/>
+          </a:xfrm>
+          <a:prstGeom prst="rect">
+            <a:avLst/>
+          </a:prstGeom>
+        </p:spPr>
+        <p:style>
+          <a:lnRef idx="1">
+            <a:schemeClr val="accent2"/>
+          </a:lnRef>
+          <a:fillRef idx="2">
+            <a:schemeClr val="accent2"/>
+          </a:fillRef>
+          <a:effectRef idx="1">
+            <a:schemeClr val="accent2"/>
+          </a:effectRef>
+          <a:fontRef idx="minor">
+            <a:schemeClr val="dk1"/>
+          </a:fontRef>
+        </p:style>
+        <p:txBody>
+          <a:bodyPr wrap="square" rtlCol="0">
+            <a:spAutoFit/>
+          </a:bodyPr>
+          <a:lstStyle/>
+          <a:p>
+            <a:pPr algn="ctr"/>
+            <a:r>
+              <a:rPr kumimoji="1" lang="en-US" altLang="ko-Kore-KR" dirty="0"/>
+              <a:t>Head</a:t>
+            </a:r>
+            <a:endParaRPr kumimoji="1" lang="ko-Kore-KR" altLang="en-US" dirty="0"/>
+          </a:p>
+        </p:txBody>
+      </p:sp>
+      <p:sp>
+        <p:nvSpPr>
+          <p:cNvPr id="13" name="TextBox 12">
+            <a:extLst>
+              <a:ext uri="{FF2B5EF4-FFF2-40B4-BE49-F238E27FC236}">
+                <a16:creationId xmlns:a16="http://schemas.microsoft.com/office/drawing/2014/main" id="{08DE8E47-9EEA-198B-2C3D-D7CEEB03B44B}"/>
+              </a:ext>
+            </a:extLst>
+          </p:cNvPr>
+          <p:cNvSpPr txBox="1"/>
+          <p:nvPr/>
+        </p:nvSpPr>
+        <p:spPr>
+          <a:xfrm>
+            <a:off x="10484026" y="5353712"/>
+            <a:ext cx="798786" cy="369332"/>
+          </a:xfrm>
+          <a:prstGeom prst="rect">
+            <a:avLst/>
+          </a:prstGeom>
+        </p:spPr>
+        <p:style>
+          <a:lnRef idx="2">
+            <a:schemeClr val="accent2"/>
+          </a:lnRef>
+          <a:fillRef idx="1">
+            <a:schemeClr val="lt1"/>
+          </a:fillRef>
+          <a:effectRef idx="0">
+            <a:schemeClr val="accent2"/>
+          </a:effectRef>
+          <a:fontRef idx="minor">
+            <a:schemeClr val="dk1"/>
+          </a:fontRef>
+        </p:style>
+        <p:txBody>
+          <a:bodyPr wrap="square" rtlCol="0">
+            <a:spAutoFit/>
+          </a:bodyPr>
+          <a:lstStyle/>
+          <a:p>
+            <a:pPr algn="ctr"/>
+            <a:r>
+              <a:rPr kumimoji="1" lang="en-US" altLang="ko-Kore-KR" dirty="0"/>
+              <a:t>400</a:t>
+            </a:r>
+            <a:endParaRPr kumimoji="1" lang="ko-Kore-KR" altLang="en-US" dirty="0"/>
+          </a:p>
+        </p:txBody>
+      </p:sp>
+      <p:sp>
+        <p:nvSpPr>
+          <p:cNvPr id="14" name="TextBox 13">
+            <a:extLst>
+              <a:ext uri="{FF2B5EF4-FFF2-40B4-BE49-F238E27FC236}">
+                <a16:creationId xmlns:a16="http://schemas.microsoft.com/office/drawing/2014/main" id="{29FD7D16-03A3-6EE3-33E6-15AACB38B59D}"/>
+              </a:ext>
+            </a:extLst>
+          </p:cNvPr>
+          <p:cNvSpPr txBox="1"/>
+          <p:nvPr/>
+        </p:nvSpPr>
+        <p:spPr>
+          <a:xfrm>
+            <a:off x="9654020" y="5353712"/>
+            <a:ext cx="827999" cy="369332"/>
+          </a:xfrm>
+          <a:prstGeom prst="rect">
+            <a:avLst/>
+          </a:prstGeom>
+        </p:spPr>
+        <p:style>
+          <a:lnRef idx="1">
+            <a:schemeClr val="accent2"/>
+          </a:lnRef>
+          <a:fillRef idx="2">
+            <a:schemeClr val="accent2"/>
+          </a:fillRef>
+          <a:effectRef idx="1">
+            <a:schemeClr val="accent2"/>
+          </a:effectRef>
+          <a:fontRef idx="minor">
+            <a:schemeClr val="dk1"/>
+          </a:fontRef>
+        </p:style>
+        <p:txBody>
+          <a:bodyPr wrap="square" rtlCol="0">
+            <a:spAutoFit/>
+          </a:bodyPr>
+          <a:lstStyle/>
+          <a:p>
+            <a:pPr algn="ctr"/>
+            <a:r>
+              <a:rPr kumimoji="1" lang="en-US" altLang="ko-Kore-KR" dirty="0"/>
+              <a:t>Tail</a:t>
+            </a:r>
+            <a:endParaRPr kumimoji="1" lang="ko-Kore-KR" altLang="en-US" dirty="0"/>
+          </a:p>
+        </p:txBody>
+      </p:sp>
+      <p:sp>
+        <p:nvSpPr>
+          <p:cNvPr id="15" name="TextBox 14">
+            <a:extLst>
+              <a:ext uri="{FF2B5EF4-FFF2-40B4-BE49-F238E27FC236}">
+                <a16:creationId xmlns:a16="http://schemas.microsoft.com/office/drawing/2014/main" id="{DD04D861-D1CB-AD57-B448-25DEB3DB41E3}"/>
+              </a:ext>
+            </a:extLst>
+          </p:cNvPr>
+          <p:cNvSpPr txBox="1"/>
+          <p:nvPr/>
+        </p:nvSpPr>
+        <p:spPr>
+          <a:xfrm>
+            <a:off x="10482019" y="5918727"/>
+            <a:ext cx="798786" cy="369332"/>
+          </a:xfrm>
+          <a:prstGeom prst="rect">
+            <a:avLst/>
+          </a:prstGeom>
+        </p:spPr>
+        <p:style>
+          <a:lnRef idx="2">
+            <a:schemeClr val="accent2"/>
+          </a:lnRef>
+          <a:fillRef idx="1">
+            <a:schemeClr val="lt1"/>
+          </a:fillRef>
+          <a:effectRef idx="0">
+            <a:schemeClr val="accent2"/>
+          </a:effectRef>
+          <a:fontRef idx="minor">
+            <a:schemeClr val="dk1"/>
+          </a:fontRef>
+        </p:style>
+        <p:txBody>
+          <a:bodyPr wrap="square" rtlCol="0">
+            <a:spAutoFit/>
+          </a:bodyPr>
+          <a:lstStyle/>
+          <a:p>
+            <a:pPr algn="ctr"/>
+            <a:r>
+              <a:rPr kumimoji="1" lang="en-US" altLang="ko-Kore-KR" dirty="0"/>
+              <a:t>4</a:t>
+            </a:r>
+            <a:endParaRPr kumimoji="1" lang="ko-Kore-KR" altLang="en-US" dirty="0"/>
+          </a:p>
+        </p:txBody>
+      </p:sp>
+      <p:sp>
+        <p:nvSpPr>
+          <p:cNvPr id="17" name="TextBox 16">
+            <a:extLst>
+              <a:ext uri="{FF2B5EF4-FFF2-40B4-BE49-F238E27FC236}">
+                <a16:creationId xmlns:a16="http://schemas.microsoft.com/office/drawing/2014/main" id="{81C48D07-D57B-2362-E23D-7D970BF63865}"/>
+              </a:ext>
+            </a:extLst>
+          </p:cNvPr>
+          <p:cNvSpPr txBox="1"/>
+          <p:nvPr/>
+        </p:nvSpPr>
+        <p:spPr>
+          <a:xfrm>
+            <a:off x="9654020" y="5910762"/>
+            <a:ext cx="827999" cy="369332"/>
+          </a:xfrm>
+          <a:prstGeom prst="rect">
+            <a:avLst/>
+          </a:prstGeom>
+        </p:spPr>
+        <p:style>
+          <a:lnRef idx="1">
+            <a:schemeClr val="accent2"/>
+          </a:lnRef>
+          <a:fillRef idx="2">
+            <a:schemeClr val="accent2"/>
+          </a:fillRef>
+          <a:effectRef idx="1">
+            <a:schemeClr val="accent2"/>
+          </a:effectRef>
+          <a:fontRef idx="minor">
+            <a:schemeClr val="dk1"/>
+          </a:fontRef>
+        </p:style>
+        <p:txBody>
+          <a:bodyPr wrap="square" rtlCol="0">
+            <a:spAutoFit/>
+          </a:bodyPr>
+          <a:lstStyle/>
+          <a:p>
+            <a:pPr algn="ctr"/>
+            <a:r>
+              <a:rPr kumimoji="1" lang="en-US" altLang="ko-Kore-KR" dirty="0"/>
+              <a:t>Size</a:t>
+            </a:r>
+            <a:endParaRPr kumimoji="1" lang="ko-Kore-KR" altLang="en-US" dirty="0"/>
+          </a:p>
+        </p:txBody>
+      </p:sp>
+    </p:spTree>
+    <p:extLst>
+      <p:ext uri="{BB962C8B-B14F-4D97-AF65-F5344CB8AC3E}">
+        <p14:creationId xmlns:p14="http://schemas.microsoft.com/office/powerpoint/2010/main" val="2351418006"/>
+      </p:ext>
+    </p:extLst>
+  </p:cSld>
+  <p:clrMapOvr>
+    <a:masterClrMapping/>
+  </p:clrMapOvr>
+</p:sld>
+</file>
+
+<file path=ppt/slides/slide9.xml><?xml version="1.0" encoding="utf-8"?>
+<p:sld xmlns:a="http://schemas.openxmlformats.org/drawingml/2006/main" xmlns:r="http://schemas.openxmlformats.org/officeDocument/2006/relationships" xmlns:p="http://schemas.openxmlformats.org/presentationml/2006/main">
+  <p:cSld>
+    <p:spTree>
+      <p:nvGrpSpPr>
+        <p:cNvPr id="1" name=""/>
+        <p:cNvGrpSpPr/>
+        <p:nvPr/>
+      </p:nvGrpSpPr>
+      <p:grpSpPr>
+        <a:xfrm>
+          <a:off x="0" y="0"/>
+          <a:ext cx="0" cy="0"/>
+          <a:chOff x="0" y="0"/>
+          <a:chExt cx="0" cy="0"/>
+        </a:xfrm>
+      </p:grpSpPr>
+      <p:sp>
+        <p:nvSpPr>
+          <p:cNvPr id="2" name="직사각형 1">
+            <a:extLst>
+              <a:ext uri="{FF2B5EF4-FFF2-40B4-BE49-F238E27FC236}">
+                <a16:creationId xmlns:a16="http://schemas.microsoft.com/office/drawing/2014/main" id="{5A43BC10-70AC-A3A3-86AC-39E0E47108AE}"/>
+              </a:ext>
+            </a:extLst>
+          </p:cNvPr>
+          <p:cNvSpPr/>
+          <p:nvPr/>
+        </p:nvSpPr>
+        <p:spPr>
+          <a:xfrm>
+            <a:off x="536656" y="1020289"/>
+            <a:ext cx="1414974" cy="811924"/>
+          </a:xfrm>
+          <a:prstGeom prst="rect">
+            <a:avLst/>
+          </a:prstGeom>
+        </p:spPr>
+        <p:style>
+          <a:lnRef idx="2">
+            <a:schemeClr val="accent1">
+              <a:shade val="50000"/>
+            </a:schemeClr>
+          </a:lnRef>
+          <a:fillRef idx="1">
+            <a:schemeClr val="accent1"/>
+          </a:fillRef>
+          <a:effectRef idx="0">
+            <a:schemeClr val="accent1"/>
+          </a:effectRef>
+          <a:fontRef idx="minor">
+            <a:schemeClr val="lt1"/>
+          </a:fontRef>
+        </p:style>
+        <p:txBody>
+          <a:bodyPr rtlCol="0" anchor="ctr"/>
+          <a:lstStyle/>
+          <a:p>
+            <a:pPr algn="ctr"/>
+            <a:r>
+              <a:rPr kumimoji="1" lang="en-US" altLang="ko-Kore-KR" dirty="0"/>
+              <a:t>App</a:t>
+            </a:r>
+            <a:endParaRPr kumimoji="1" lang="ko-Kore-KR" altLang="en-US" dirty="0"/>
+          </a:p>
+        </p:txBody>
+      </p:sp>
+      <p:sp>
+        <p:nvSpPr>
+          <p:cNvPr id="3" name="직사각형 2">
+            <a:extLst>
+              <a:ext uri="{FF2B5EF4-FFF2-40B4-BE49-F238E27FC236}">
+                <a16:creationId xmlns:a16="http://schemas.microsoft.com/office/drawing/2014/main" id="{7B366036-B3EF-82A4-1CCB-26E36319947F}"/>
+              </a:ext>
+            </a:extLst>
+          </p:cNvPr>
+          <p:cNvSpPr/>
+          <p:nvPr/>
+        </p:nvSpPr>
+        <p:spPr>
+          <a:xfrm>
+            <a:off x="2708924" y="1020289"/>
+            <a:ext cx="2026849" cy="811924"/>
+          </a:xfrm>
+          <a:prstGeom prst="rect">
+            <a:avLst/>
+          </a:prstGeom>
+        </p:spPr>
+        <p:style>
+          <a:lnRef idx="3">
+            <a:schemeClr val="lt1"/>
+          </a:lnRef>
+          <a:fillRef idx="1">
+            <a:schemeClr val="accent2"/>
+          </a:fillRef>
+          <a:effectRef idx="1">
+            <a:schemeClr val="accent2"/>
+          </a:effectRef>
+          <a:fontRef idx="minor">
+            <a:schemeClr val="lt1"/>
+          </a:fontRef>
+        </p:style>
+        <p:txBody>
+          <a:bodyPr rtlCol="0" anchor="ctr"/>
+          <a:lstStyle/>
+          <a:p>
+            <a:pPr algn="ctr"/>
+            <a:r>
+              <a:rPr kumimoji="1" lang="en-US" altLang="ko-Kore-KR" dirty="0" err="1"/>
+              <a:t>BoardHandler</a:t>
+            </a:r>
+            <a:endParaRPr kumimoji="1" lang="ko-Kore-KR" altLang="en-US" dirty="0"/>
+          </a:p>
+        </p:txBody>
+      </p:sp>
+      <p:sp>
+        <p:nvSpPr>
+          <p:cNvPr id="5" name="직사각형 4">
+            <a:extLst>
+              <a:ext uri="{FF2B5EF4-FFF2-40B4-BE49-F238E27FC236}">
+                <a16:creationId xmlns:a16="http://schemas.microsoft.com/office/drawing/2014/main" id="{860B51FD-A9D6-09B4-DB1B-30E9228D32C9}"/>
+              </a:ext>
+            </a:extLst>
+          </p:cNvPr>
+          <p:cNvSpPr/>
+          <p:nvPr/>
+        </p:nvSpPr>
+        <p:spPr>
+          <a:xfrm>
+            <a:off x="2708923" y="2128032"/>
+            <a:ext cx="2026850" cy="811924"/>
+          </a:xfrm>
+          <a:prstGeom prst="rect">
+            <a:avLst/>
+          </a:prstGeom>
+        </p:spPr>
+        <p:style>
+          <a:lnRef idx="3">
+            <a:schemeClr val="lt1"/>
+          </a:lnRef>
+          <a:fillRef idx="1">
+            <a:schemeClr val="accent2"/>
+          </a:fillRef>
+          <a:effectRef idx="1">
+            <a:schemeClr val="accent2"/>
+          </a:effectRef>
+          <a:fontRef idx="minor">
+            <a:schemeClr val="lt1"/>
+          </a:fontRef>
+        </p:style>
+        <p:txBody>
+          <a:bodyPr rtlCol="0" anchor="ctr"/>
+          <a:lstStyle/>
+          <a:p>
+            <a:pPr algn="ctr"/>
+            <a:r>
+              <a:rPr kumimoji="1" lang="en-US" altLang="ko-Kore-KR" dirty="0" err="1"/>
+              <a:t>MemberHandler</a:t>
+            </a:r>
+            <a:endParaRPr kumimoji="1" lang="ko-Kore-KR" altLang="en-US" dirty="0"/>
+          </a:p>
+        </p:txBody>
+      </p:sp>
+      <p:sp>
+        <p:nvSpPr>
+          <p:cNvPr id="8" name="직사각형 7">
+            <a:extLst>
+              <a:ext uri="{FF2B5EF4-FFF2-40B4-BE49-F238E27FC236}">
+                <a16:creationId xmlns:a16="http://schemas.microsoft.com/office/drawing/2014/main" id="{6A65B52F-48F4-C971-37D3-59BF21765BA5}"/>
+              </a:ext>
+            </a:extLst>
+          </p:cNvPr>
+          <p:cNvSpPr/>
+          <p:nvPr/>
+        </p:nvSpPr>
+        <p:spPr>
+          <a:xfrm>
+            <a:off x="5181443" y="1020289"/>
+            <a:ext cx="2026849" cy="811924"/>
+          </a:xfrm>
+          <a:prstGeom prst="rect">
+            <a:avLst/>
+          </a:prstGeom>
+        </p:spPr>
+        <p:style>
+          <a:lnRef idx="3">
+            <a:schemeClr val="lt1"/>
+          </a:lnRef>
+          <a:fillRef idx="1">
+            <a:schemeClr val="accent6"/>
+          </a:fillRef>
+          <a:effectRef idx="1">
+            <a:schemeClr val="accent6"/>
+          </a:effectRef>
+          <a:fontRef idx="minor">
+            <a:schemeClr val="lt1"/>
+          </a:fontRef>
+        </p:style>
+        <p:txBody>
+          <a:bodyPr rtlCol="0" anchor="ctr"/>
+          <a:lstStyle/>
+          <a:p>
+            <a:pPr algn="ctr"/>
+            <a:r>
+              <a:rPr kumimoji="1" lang="en-US" altLang="ko-Kore-KR" dirty="0" err="1"/>
+              <a:t>BoardList</a:t>
+            </a:r>
+            <a:endParaRPr kumimoji="1" lang="ko-Kore-KR" altLang="en-US" dirty="0"/>
+          </a:p>
+        </p:txBody>
+      </p:sp>
+      <p:sp>
+        <p:nvSpPr>
+          <p:cNvPr id="10" name="직사각형 9">
+            <a:extLst>
+              <a:ext uri="{FF2B5EF4-FFF2-40B4-BE49-F238E27FC236}">
+                <a16:creationId xmlns:a16="http://schemas.microsoft.com/office/drawing/2014/main" id="{4EE21E58-9E26-B629-6F01-F216DE531394}"/>
+              </a:ext>
+            </a:extLst>
+          </p:cNvPr>
+          <p:cNvSpPr/>
+          <p:nvPr/>
+        </p:nvSpPr>
+        <p:spPr>
+          <a:xfrm>
+            <a:off x="5181443" y="2128032"/>
+            <a:ext cx="2026849" cy="811924"/>
+          </a:xfrm>
+          <a:prstGeom prst="rect">
+            <a:avLst/>
+          </a:prstGeom>
+        </p:spPr>
+        <p:style>
+          <a:lnRef idx="3">
+            <a:schemeClr val="lt1"/>
+          </a:lnRef>
+          <a:fillRef idx="1">
+            <a:schemeClr val="accent6"/>
+          </a:fillRef>
+          <a:effectRef idx="1">
+            <a:schemeClr val="accent6"/>
+          </a:effectRef>
+          <a:fontRef idx="minor">
+            <a:schemeClr val="lt1"/>
+          </a:fontRef>
+        </p:style>
+        <p:txBody>
+          <a:bodyPr rtlCol="0" anchor="ctr"/>
+          <a:lstStyle/>
+          <a:p>
+            <a:pPr algn="ctr"/>
+            <a:r>
+              <a:rPr kumimoji="1" lang="en-US" altLang="ko-Kore-KR" dirty="0" err="1"/>
+              <a:t>MemberList</a:t>
+            </a:r>
+            <a:endParaRPr kumimoji="1" lang="ko-Kore-KR" altLang="en-US" dirty="0"/>
+          </a:p>
+        </p:txBody>
+      </p:sp>
+      <p:sp>
+        <p:nvSpPr>
+          <p:cNvPr id="11" name="직사각형 10">
+            <a:extLst>
+              <a:ext uri="{FF2B5EF4-FFF2-40B4-BE49-F238E27FC236}">
+                <a16:creationId xmlns:a16="http://schemas.microsoft.com/office/drawing/2014/main" id="{050FB328-6447-059A-3A9B-1A08DDAF7E75}"/>
+              </a:ext>
+            </a:extLst>
+          </p:cNvPr>
+          <p:cNvSpPr/>
+          <p:nvPr/>
+        </p:nvSpPr>
+        <p:spPr>
+          <a:xfrm>
+            <a:off x="8469651" y="1020289"/>
+            <a:ext cx="2026849" cy="811924"/>
+          </a:xfrm>
+          <a:prstGeom prst="rect">
+            <a:avLst/>
+          </a:prstGeom>
+        </p:spPr>
+        <p:style>
+          <a:lnRef idx="3">
+            <a:schemeClr val="lt1"/>
+          </a:lnRef>
+          <a:fillRef idx="1">
+            <a:schemeClr val="accent3"/>
+          </a:fillRef>
+          <a:effectRef idx="1">
+            <a:schemeClr val="accent3"/>
+          </a:effectRef>
+          <a:fontRef idx="minor">
+            <a:schemeClr val="lt1"/>
+          </a:fontRef>
+        </p:style>
+        <p:txBody>
+          <a:bodyPr rtlCol="0" anchor="ctr"/>
+          <a:lstStyle/>
+          <a:p>
+            <a:pPr algn="ctr"/>
+            <a:r>
+              <a:rPr kumimoji="1" lang="en-US" altLang="ko-Kore-KR" dirty="0" err="1"/>
+              <a:t>ObjectList</a:t>
+            </a:r>
+            <a:endParaRPr kumimoji="1" lang="ko-Kore-KR" altLang="en-US" dirty="0"/>
+          </a:p>
+        </p:txBody>
+      </p:sp>
+      <p:sp>
+        <p:nvSpPr>
+          <p:cNvPr id="14" name="직사각형 13">
+            <a:extLst>
+              <a:ext uri="{FF2B5EF4-FFF2-40B4-BE49-F238E27FC236}">
+                <a16:creationId xmlns:a16="http://schemas.microsoft.com/office/drawing/2014/main" id="{1D51DB99-7333-9952-F9B5-1E5EC3FFEB81}"/>
+              </a:ext>
+            </a:extLst>
+          </p:cNvPr>
+          <p:cNvSpPr/>
+          <p:nvPr/>
+        </p:nvSpPr>
+        <p:spPr>
+          <a:xfrm>
+            <a:off x="938205" y="3429000"/>
+            <a:ext cx="2026849" cy="811924"/>
+          </a:xfrm>
+          <a:prstGeom prst="rect">
+            <a:avLst/>
+          </a:prstGeom>
+        </p:spPr>
+        <p:style>
+          <a:lnRef idx="2">
+            <a:schemeClr val="accent1">
+              <a:shade val="50000"/>
+            </a:schemeClr>
+          </a:lnRef>
+          <a:fillRef idx="1">
+            <a:schemeClr val="accent1"/>
+          </a:fillRef>
+          <a:effectRef idx="0">
+            <a:schemeClr val="accent1"/>
+          </a:effectRef>
+          <a:fontRef idx="minor">
+            <a:schemeClr val="lt1"/>
+          </a:fontRef>
+        </p:style>
+        <p:txBody>
+          <a:bodyPr rtlCol="0" anchor="ctr"/>
+          <a:lstStyle/>
+          <a:p>
+            <a:pPr algn="ctr"/>
+            <a:r>
+              <a:rPr kumimoji="1" lang="en-US" altLang="ko-Kore-KR" dirty="0"/>
+              <a:t>Prompt</a:t>
+            </a:r>
+            <a:endParaRPr kumimoji="1" lang="ko-Kore-KR" altLang="en-US" dirty="0"/>
+          </a:p>
+        </p:txBody>
+      </p:sp>
+      <p:cxnSp>
+        <p:nvCxnSpPr>
+          <p:cNvPr id="16" name="직선 화살표 연결선 15">
+            <a:extLst>
+              <a:ext uri="{FF2B5EF4-FFF2-40B4-BE49-F238E27FC236}">
+                <a16:creationId xmlns:a16="http://schemas.microsoft.com/office/drawing/2014/main" id="{0CE46DD9-30B7-03FE-F44F-CA67200B6708}"/>
+              </a:ext>
+            </a:extLst>
+          </p:cNvPr>
+          <p:cNvCxnSpPr>
+            <a:stCxn id="2" idx="3"/>
+            <a:endCxn id="3" idx="1"/>
+          </p:cNvCxnSpPr>
+          <p:nvPr/>
+        </p:nvCxnSpPr>
+        <p:spPr>
+          <a:xfrm>
+            <a:off x="1951630" y="1426251"/>
+            <a:ext cx="757294" cy="0"/>
+          </a:xfrm>
+          <a:prstGeom prst="straightConnector1">
+            <a:avLst/>
+          </a:prstGeom>
+          <a:ln>
+            <a:tailEnd type="triangle"/>
+          </a:ln>
+        </p:spPr>
+        <p:style>
+          <a:lnRef idx="3">
+            <a:schemeClr val="accent1"/>
+          </a:lnRef>
+          <a:fillRef idx="0">
+            <a:schemeClr val="accent1"/>
+          </a:fillRef>
+          <a:effectRef idx="2">
+            <a:schemeClr val="accent1"/>
+          </a:effectRef>
+          <a:fontRef idx="minor">
+            <a:schemeClr val="tx1"/>
+          </a:fontRef>
+        </p:style>
+      </p:cxnSp>
+      <p:cxnSp>
+        <p:nvCxnSpPr>
+          <p:cNvPr id="19" name="직선 화살표 연결선 18">
+            <a:extLst>
+              <a:ext uri="{FF2B5EF4-FFF2-40B4-BE49-F238E27FC236}">
+                <a16:creationId xmlns:a16="http://schemas.microsoft.com/office/drawing/2014/main" id="{1931C947-EF03-0A02-A8D4-7A2FBF6312C8}"/>
+              </a:ext>
+            </a:extLst>
+          </p:cNvPr>
+          <p:cNvCxnSpPr>
+            <a:cxnSpLocks/>
+            <a:stCxn id="2" idx="2"/>
+            <a:endCxn id="14" idx="0"/>
+          </p:cNvCxnSpPr>
+          <p:nvPr/>
+        </p:nvCxnSpPr>
+        <p:spPr>
+          <a:xfrm>
+            <a:off x="1244143" y="1832213"/>
+            <a:ext cx="707487" cy="1596787"/>
+          </a:xfrm>
+          <a:prstGeom prst="straightConnector1">
+            <a:avLst/>
+          </a:prstGeom>
+          <a:ln>
+            <a:tailEnd type="triangle"/>
+          </a:ln>
+        </p:spPr>
+        <p:style>
+          <a:lnRef idx="3">
+            <a:schemeClr val="accent1"/>
+          </a:lnRef>
+          <a:fillRef idx="0">
+            <a:schemeClr val="accent1"/>
+          </a:fillRef>
+          <a:effectRef idx="2">
+            <a:schemeClr val="accent1"/>
+          </a:effectRef>
+          <a:fontRef idx="minor">
+            <a:schemeClr val="tx1"/>
+          </a:fontRef>
+        </p:style>
+      </p:cxnSp>
+      <p:cxnSp>
+        <p:nvCxnSpPr>
+          <p:cNvPr id="23" name="직선 화살표 연결선 22">
+            <a:extLst>
+              <a:ext uri="{FF2B5EF4-FFF2-40B4-BE49-F238E27FC236}">
+                <a16:creationId xmlns:a16="http://schemas.microsoft.com/office/drawing/2014/main" id="{B6E4CDAB-BA53-0AE9-D260-8D21B3AAAD4C}"/>
+              </a:ext>
+            </a:extLst>
+          </p:cNvPr>
+          <p:cNvCxnSpPr>
+            <a:cxnSpLocks/>
+            <a:stCxn id="2" idx="3"/>
+            <a:endCxn id="5" idx="1"/>
+          </p:cNvCxnSpPr>
+          <p:nvPr/>
+        </p:nvCxnSpPr>
+        <p:spPr>
+          <a:xfrm>
+            <a:off x="1951630" y="1426251"/>
+            <a:ext cx="757293" cy="1107743"/>
+          </a:xfrm>
+          <a:prstGeom prst="straightConnector1">
+            <a:avLst/>
+          </a:prstGeom>
+          <a:ln>
+            <a:tailEnd type="triangle"/>
+          </a:ln>
+        </p:spPr>
+        <p:style>
+          <a:lnRef idx="3">
+            <a:schemeClr val="accent1"/>
+          </a:lnRef>
+          <a:fillRef idx="0">
+            <a:schemeClr val="accent1"/>
+          </a:fillRef>
+          <a:effectRef idx="2">
+            <a:schemeClr val="accent1"/>
+          </a:effectRef>
+          <a:fontRef idx="minor">
+            <a:schemeClr val="tx1"/>
+          </a:fontRef>
+        </p:style>
+      </p:cxnSp>
+      <p:cxnSp>
+        <p:nvCxnSpPr>
+          <p:cNvPr id="26" name="직선 화살표 연결선 25">
+            <a:extLst>
+              <a:ext uri="{FF2B5EF4-FFF2-40B4-BE49-F238E27FC236}">
+                <a16:creationId xmlns:a16="http://schemas.microsoft.com/office/drawing/2014/main" id="{4388B16B-932E-63E4-0442-856F237EC0A6}"/>
+              </a:ext>
+            </a:extLst>
+          </p:cNvPr>
+          <p:cNvCxnSpPr>
+            <a:cxnSpLocks/>
+            <a:stCxn id="3" idx="1"/>
+            <a:endCxn id="14" idx="0"/>
+          </p:cNvCxnSpPr>
+          <p:nvPr/>
+        </p:nvCxnSpPr>
+        <p:spPr>
+          <a:xfrm flipH="1">
+            <a:off x="1951630" y="1426251"/>
+            <a:ext cx="757294" cy="2002749"/>
+          </a:xfrm>
+          <a:prstGeom prst="straightConnector1">
+            <a:avLst/>
+          </a:prstGeom>
+          <a:ln>
+            <a:tailEnd type="triangle"/>
+          </a:ln>
+        </p:spPr>
+        <p:style>
+          <a:lnRef idx="3">
+            <a:schemeClr val="accent2"/>
+          </a:lnRef>
+          <a:fillRef idx="0">
+            <a:schemeClr val="accent2"/>
+          </a:fillRef>
+          <a:effectRef idx="2">
+            <a:schemeClr val="accent2"/>
+          </a:effectRef>
+          <a:fontRef idx="minor">
+            <a:schemeClr val="tx1"/>
+          </a:fontRef>
+        </p:style>
+      </p:cxnSp>
+      <p:cxnSp>
+        <p:nvCxnSpPr>
+          <p:cNvPr id="29" name="직선 화살표 연결선 28">
+            <a:extLst>
+              <a:ext uri="{FF2B5EF4-FFF2-40B4-BE49-F238E27FC236}">
+                <a16:creationId xmlns:a16="http://schemas.microsoft.com/office/drawing/2014/main" id="{5E676A3C-67C8-00B6-82C9-65F66275F81D}"/>
+              </a:ext>
+            </a:extLst>
+          </p:cNvPr>
+          <p:cNvCxnSpPr>
+            <a:cxnSpLocks/>
+            <a:stCxn id="5" idx="1"/>
+            <a:endCxn id="14" idx="0"/>
+          </p:cNvCxnSpPr>
+          <p:nvPr/>
+        </p:nvCxnSpPr>
+        <p:spPr>
+          <a:xfrm flipH="1">
+            <a:off x="1951630" y="2533994"/>
+            <a:ext cx="757293" cy="895006"/>
+          </a:xfrm>
+          <a:prstGeom prst="straightConnector1">
+            <a:avLst/>
+          </a:prstGeom>
+          <a:ln>
+            <a:tailEnd type="triangle"/>
+          </a:ln>
+        </p:spPr>
+        <p:style>
+          <a:lnRef idx="3">
+            <a:schemeClr val="accent2"/>
+          </a:lnRef>
+          <a:fillRef idx="0">
+            <a:schemeClr val="accent2"/>
+          </a:fillRef>
+          <a:effectRef idx="2">
+            <a:schemeClr val="accent2"/>
+          </a:effectRef>
+          <a:fontRef idx="minor">
+            <a:schemeClr val="tx1"/>
+          </a:fontRef>
+        </p:style>
+      </p:cxnSp>
+      <p:cxnSp>
+        <p:nvCxnSpPr>
+          <p:cNvPr id="32" name="직선 화살표 연결선 31">
+            <a:extLst>
+              <a:ext uri="{FF2B5EF4-FFF2-40B4-BE49-F238E27FC236}">
+                <a16:creationId xmlns:a16="http://schemas.microsoft.com/office/drawing/2014/main" id="{E5B1A480-A8BE-78C4-0526-70825345E2F2}"/>
+              </a:ext>
+            </a:extLst>
+          </p:cNvPr>
+          <p:cNvCxnSpPr>
+            <a:cxnSpLocks/>
+            <a:stCxn id="3" idx="3"/>
+            <a:endCxn id="8" idx="1"/>
+          </p:cNvCxnSpPr>
+          <p:nvPr/>
+        </p:nvCxnSpPr>
+        <p:spPr>
+          <a:xfrm>
+            <a:off x="4735773" y="1426251"/>
+            <a:ext cx="445670" cy="0"/>
+          </a:xfrm>
+          <a:prstGeom prst="straightConnector1">
+            <a:avLst/>
+          </a:prstGeom>
+          <a:ln>
+            <a:tailEnd type="triangle"/>
+          </a:ln>
+        </p:spPr>
+        <p:style>
+          <a:lnRef idx="3">
+            <a:schemeClr val="accent2"/>
+          </a:lnRef>
+          <a:fillRef idx="0">
+            <a:schemeClr val="accent2"/>
+          </a:fillRef>
+          <a:effectRef idx="2">
+            <a:schemeClr val="accent2"/>
+          </a:effectRef>
+          <a:fontRef idx="minor">
+            <a:schemeClr val="tx1"/>
+          </a:fontRef>
+        </p:style>
+      </p:cxnSp>
+      <p:cxnSp>
+        <p:nvCxnSpPr>
+          <p:cNvPr id="35" name="직선 화살표 연결선 34">
+            <a:extLst>
+              <a:ext uri="{FF2B5EF4-FFF2-40B4-BE49-F238E27FC236}">
+                <a16:creationId xmlns:a16="http://schemas.microsoft.com/office/drawing/2014/main" id="{DAA5ED45-B28C-C72F-F3E1-86B0095A268C}"/>
+              </a:ext>
+            </a:extLst>
+          </p:cNvPr>
+          <p:cNvCxnSpPr>
+            <a:cxnSpLocks/>
+            <a:stCxn id="5" idx="3"/>
+            <a:endCxn id="10" idx="1"/>
+          </p:cNvCxnSpPr>
+          <p:nvPr/>
+        </p:nvCxnSpPr>
+        <p:spPr>
+          <a:xfrm>
+            <a:off x="4735773" y="2533994"/>
+            <a:ext cx="445670" cy="0"/>
+          </a:xfrm>
+          <a:prstGeom prst="straightConnector1">
+            <a:avLst/>
+          </a:prstGeom>
+          <a:ln>
+            <a:tailEnd type="triangle"/>
+          </a:ln>
+        </p:spPr>
+        <p:style>
+          <a:lnRef idx="3">
+            <a:schemeClr val="accent2"/>
+          </a:lnRef>
+          <a:fillRef idx="0">
+            <a:schemeClr val="accent2"/>
+          </a:fillRef>
+          <a:effectRef idx="2">
+            <a:schemeClr val="accent2"/>
+          </a:effectRef>
+          <a:fontRef idx="minor">
+            <a:schemeClr val="tx1"/>
+          </a:fontRef>
+        </p:style>
+      </p:cxnSp>
+      <p:cxnSp>
+        <p:nvCxnSpPr>
+          <p:cNvPr id="38" name="직선 화살표 연결선 37">
+            <a:extLst>
+              <a:ext uri="{FF2B5EF4-FFF2-40B4-BE49-F238E27FC236}">
+                <a16:creationId xmlns:a16="http://schemas.microsoft.com/office/drawing/2014/main" id="{0EBF13DE-DFC5-9C70-3D1B-47C784C7892D}"/>
+              </a:ext>
+            </a:extLst>
+          </p:cNvPr>
+          <p:cNvCxnSpPr>
+            <a:cxnSpLocks/>
+            <a:stCxn id="8" idx="3"/>
+            <a:endCxn id="11" idx="1"/>
+          </p:cNvCxnSpPr>
+          <p:nvPr/>
+        </p:nvCxnSpPr>
+        <p:spPr>
+          <a:xfrm>
+            <a:off x="7208292" y="1426251"/>
+            <a:ext cx="1261359" cy="0"/>
+          </a:xfrm>
+          <a:prstGeom prst="straightConnector1">
+            <a:avLst/>
+          </a:prstGeom>
+          <a:ln>
+            <a:tailEnd type="triangle"/>
+          </a:ln>
+        </p:spPr>
+        <p:style>
+          <a:lnRef idx="3">
+            <a:schemeClr val="accent6"/>
+          </a:lnRef>
+          <a:fillRef idx="0">
+            <a:schemeClr val="accent6"/>
+          </a:fillRef>
+          <a:effectRef idx="2">
+            <a:schemeClr val="accent6"/>
+          </a:effectRef>
+          <a:fontRef idx="minor">
+            <a:schemeClr val="tx1"/>
+          </a:fontRef>
+        </p:style>
+      </p:cxnSp>
+      <p:cxnSp>
+        <p:nvCxnSpPr>
+          <p:cNvPr id="41" name="직선 화살표 연결선 40">
+            <a:extLst>
+              <a:ext uri="{FF2B5EF4-FFF2-40B4-BE49-F238E27FC236}">
+                <a16:creationId xmlns:a16="http://schemas.microsoft.com/office/drawing/2014/main" id="{73A417FB-44BD-FA8F-86A3-B9B0DDA94392}"/>
+              </a:ext>
+            </a:extLst>
+          </p:cNvPr>
+          <p:cNvCxnSpPr>
+            <a:cxnSpLocks/>
+            <a:stCxn id="10" idx="3"/>
+            <a:endCxn id="11" idx="1"/>
+          </p:cNvCxnSpPr>
+          <p:nvPr/>
+        </p:nvCxnSpPr>
+        <p:spPr>
+          <a:xfrm flipV="1">
+            <a:off x="7208292" y="1426251"/>
+            <a:ext cx="1261359" cy="1107743"/>
+          </a:xfrm>
+          <a:prstGeom prst="straightConnector1">
+            <a:avLst/>
+          </a:prstGeom>
+          <a:ln>
+            <a:tailEnd type="triangle"/>
+          </a:ln>
+        </p:spPr>
+        <p:style>
+          <a:lnRef idx="3">
+            <a:schemeClr val="lt1"/>
+          </a:lnRef>
+          <a:fillRef idx="1">
+            <a:schemeClr val="accent6"/>
+          </a:fillRef>
+          <a:effectRef idx="1">
+            <a:schemeClr val="accent6"/>
+          </a:effectRef>
+          <a:fontRef idx="minor">
+            <a:schemeClr val="lt1"/>
+          </a:fontRef>
+        </p:style>
+      </p:cxnSp>
+    </p:spTree>
+    <p:extLst>
+      <p:ext uri="{BB962C8B-B14F-4D97-AF65-F5344CB8AC3E}">
+        <p14:creationId xmlns:p14="http://schemas.microsoft.com/office/powerpoint/2010/main" val="3656750631"/>
       </p:ext>
     </p:extLst>
   </p:cSld>
